--- a/Japán technológia.pptx
+++ b/Japán technológia.pptx
@@ -2,22 +2,22 @@
 <file path=ppt/presentation.xml><?xml version="1.0" encoding="utf-8"?>
 <p:presentation xmlns:a="http://schemas.openxmlformats.org/drawingml/2006/main" xmlns:r="http://schemas.openxmlformats.org/officeDocument/2006/relationships" xmlns:p="http://schemas.openxmlformats.org/presentationml/2006/main" saveSubsetFonts="1">
   <p:sldMasterIdLst>
-    <p:sldMasterId id="2147483648" r:id="rId1"/>
+    <p:sldMasterId id="2147483672" r:id="rId1"/>
   </p:sldMasterIdLst>
   <p:sldIdLst>
-    <p:sldId id="256" r:id="rId2"/>
-    <p:sldId id="257" r:id="rId3"/>
-    <p:sldId id="258" r:id="rId4"/>
-    <p:sldId id="259" r:id="rId5"/>
-    <p:sldId id="260" r:id="rId6"/>
+    <p:sldId id="259" r:id="rId2"/>
+    <p:sldId id="260" r:id="rId3"/>
+    <p:sldId id="261" r:id="rId4"/>
+    <p:sldId id="262" r:id="rId5"/>
+    <p:sldId id="263" r:id="rId6"/>
   </p:sldIdLst>
   <p:sldSz cx="12192000" cy="6858000"/>
   <p:notesSz cx="6858000" cy="9144000"/>
   <p:defaultTextStyle>
     <a:defPPr>
-      <a:defRPr lang="hu-HU"/>
+      <a:defRPr lang="en-US"/>
     </a:defPPr>
-    <a:lvl1pPr marL="0" algn="l" defTabSz="914400" rtl="0" eaLnBrk="1" latinLnBrk="0" hangingPunct="1">
+    <a:lvl1pPr marL="0" algn="l" defTabSz="457200" rtl="0" eaLnBrk="1" latinLnBrk="0" hangingPunct="1">
       <a:defRPr sz="1800" kern="1200">
         <a:solidFill>
           <a:schemeClr val="tx1"/>
@@ -27,7 +27,7 @@
         <a:cs typeface="+mn-cs"/>
       </a:defRPr>
     </a:lvl1pPr>
-    <a:lvl2pPr marL="457200" algn="l" defTabSz="914400" rtl="0" eaLnBrk="1" latinLnBrk="0" hangingPunct="1">
+    <a:lvl2pPr marL="457200" algn="l" defTabSz="457200" rtl="0" eaLnBrk="1" latinLnBrk="0" hangingPunct="1">
       <a:defRPr sz="1800" kern="1200">
         <a:solidFill>
           <a:schemeClr val="tx1"/>
@@ -37,7 +37,7 @@
         <a:cs typeface="+mn-cs"/>
       </a:defRPr>
     </a:lvl2pPr>
-    <a:lvl3pPr marL="914400" algn="l" defTabSz="914400" rtl="0" eaLnBrk="1" latinLnBrk="0" hangingPunct="1">
+    <a:lvl3pPr marL="914400" algn="l" defTabSz="457200" rtl="0" eaLnBrk="1" latinLnBrk="0" hangingPunct="1">
       <a:defRPr sz="1800" kern="1200">
         <a:solidFill>
           <a:schemeClr val="tx1"/>
@@ -47,7 +47,7 @@
         <a:cs typeface="+mn-cs"/>
       </a:defRPr>
     </a:lvl3pPr>
-    <a:lvl4pPr marL="1371600" algn="l" defTabSz="914400" rtl="0" eaLnBrk="1" latinLnBrk="0" hangingPunct="1">
+    <a:lvl4pPr marL="1371600" algn="l" defTabSz="457200" rtl="0" eaLnBrk="1" latinLnBrk="0" hangingPunct="1">
       <a:defRPr sz="1800" kern="1200">
         <a:solidFill>
           <a:schemeClr val="tx1"/>
@@ -57,7 +57,7 @@
         <a:cs typeface="+mn-cs"/>
       </a:defRPr>
     </a:lvl4pPr>
-    <a:lvl5pPr marL="1828800" algn="l" defTabSz="914400" rtl="0" eaLnBrk="1" latinLnBrk="0" hangingPunct="1">
+    <a:lvl5pPr marL="1828800" algn="l" defTabSz="457200" rtl="0" eaLnBrk="1" latinLnBrk="0" hangingPunct="1">
       <a:defRPr sz="1800" kern="1200">
         <a:solidFill>
           <a:schemeClr val="tx1"/>
@@ -67,7 +67,7 @@
         <a:cs typeface="+mn-cs"/>
       </a:defRPr>
     </a:lvl5pPr>
-    <a:lvl6pPr marL="2286000" algn="l" defTabSz="914400" rtl="0" eaLnBrk="1" latinLnBrk="0" hangingPunct="1">
+    <a:lvl6pPr marL="2286000" algn="l" defTabSz="457200" rtl="0" eaLnBrk="1" latinLnBrk="0" hangingPunct="1">
       <a:defRPr sz="1800" kern="1200">
         <a:solidFill>
           <a:schemeClr val="tx1"/>
@@ -77,7 +77,7 @@
         <a:cs typeface="+mn-cs"/>
       </a:defRPr>
     </a:lvl6pPr>
-    <a:lvl7pPr marL="2743200" algn="l" defTabSz="914400" rtl="0" eaLnBrk="1" latinLnBrk="0" hangingPunct="1">
+    <a:lvl7pPr marL="2743200" algn="l" defTabSz="457200" rtl="0" eaLnBrk="1" latinLnBrk="0" hangingPunct="1">
       <a:defRPr sz="1800" kern="1200">
         <a:solidFill>
           <a:schemeClr val="tx1"/>
@@ -87,7 +87,7 @@
         <a:cs typeface="+mn-cs"/>
       </a:defRPr>
     </a:lvl7pPr>
-    <a:lvl8pPr marL="3200400" algn="l" defTabSz="914400" rtl="0" eaLnBrk="1" latinLnBrk="0" hangingPunct="1">
+    <a:lvl8pPr marL="3200400" algn="l" defTabSz="457200" rtl="0" eaLnBrk="1" latinLnBrk="0" hangingPunct="1">
       <a:defRPr sz="1800" kern="1200">
         <a:solidFill>
           <a:schemeClr val="tx1"/>
@@ -97,7 +97,7 @@
         <a:cs typeface="+mn-cs"/>
       </a:defRPr>
     </a:lvl8pPr>
-    <a:lvl9pPr marL="3657600" algn="l" defTabSz="914400" rtl="0" eaLnBrk="1" latinLnBrk="0" hangingPunct="1">
+    <a:lvl9pPr marL="3657600" algn="l" defTabSz="457200" rtl="0" eaLnBrk="1" latinLnBrk="0" hangingPunct="1">
       <a:defRPr sz="1800" kern="1200">
         <a:solidFill>
           <a:schemeClr val="tx1"/>
@@ -108,6 +108,11 @@
       </a:defRPr>
     </a:lvl9pPr>
   </p:defaultTextStyle>
+  <p:extLst>
+    <p:ext uri="{EFAFB233-063F-42B5-8137-9DF3F51BA10A}">
+      <p15:sldGuideLst xmlns:p15="http://schemas.microsoft.com/office/powerpoint/2012/main"/>
+    </p:ext>
+  </p:extLst>
 </p:presentation>
 </file>
 
@@ -130,7 +135,85 @@
       </p:grpSpPr>
       <p:sp>
         <p:nvSpPr>
-          <p:cNvPr id="2" name="Cím 1"/>
+          <p:cNvPr id="7" name="Rectangle 6"/>
+          <p:cNvSpPr/>
+          <p:nvPr/>
+        </p:nvSpPr>
+        <p:spPr>
+          <a:xfrm>
+            <a:off x="1007533" y="0"/>
+            <a:ext cx="7934348" cy="6858000"/>
+          </a:xfrm>
+          <a:prstGeom prst="rect">
+            <a:avLst/>
+          </a:prstGeom>
+          <a:solidFill>
+            <a:schemeClr val="bg2">
+              <a:alpha val="92000"/>
+            </a:schemeClr>
+          </a:solidFill>
+          <a:ln>
+            <a:noFill/>
+          </a:ln>
+        </p:spPr>
+        <p:style>
+          <a:lnRef idx="2">
+            <a:schemeClr val="accent1">
+              <a:shade val="50000"/>
+            </a:schemeClr>
+          </a:lnRef>
+          <a:fillRef idx="1">
+            <a:schemeClr val="accent1"/>
+          </a:fillRef>
+          <a:effectRef idx="0">
+            <a:schemeClr val="accent1"/>
+          </a:effectRef>
+          <a:fontRef idx="minor">
+            <a:schemeClr val="lt1"/>
+          </a:fontRef>
+        </p:style>
+      </p:sp>
+      <p:sp>
+        <p:nvSpPr>
+          <p:cNvPr id="8" name="Rectangle 7"/>
+          <p:cNvSpPr/>
+          <p:nvPr/>
+        </p:nvSpPr>
+        <p:spPr>
+          <a:xfrm>
+            <a:off x="8941881" y="0"/>
+            <a:ext cx="27432" cy="6858000"/>
+          </a:xfrm>
+          <a:prstGeom prst="rect">
+            <a:avLst/>
+          </a:prstGeom>
+          <a:solidFill>
+            <a:schemeClr val="accent6"/>
+          </a:solidFill>
+          <a:ln>
+            <a:noFill/>
+          </a:ln>
+        </p:spPr>
+        <p:style>
+          <a:lnRef idx="2">
+            <a:schemeClr val="accent1">
+              <a:shade val="50000"/>
+            </a:schemeClr>
+          </a:lnRef>
+          <a:fillRef idx="1">
+            <a:schemeClr val="accent1"/>
+          </a:fillRef>
+          <a:effectRef idx="0">
+            <a:schemeClr val="accent1"/>
+          </a:effectRef>
+          <a:fontRef idx="minor">
+            <a:schemeClr val="lt1"/>
+          </a:fontRef>
+        </p:style>
+      </p:sp>
+      <p:sp>
+        <p:nvSpPr>
+          <p:cNvPr id="2" name="Title 1"/>
           <p:cNvSpPr>
             <a:spLocks noGrp="1"/>
           </p:cNvSpPr>
@@ -140,14 +223,16 @@
         </p:nvSpPr>
         <p:spPr>
           <a:xfrm>
-            <a:off x="1524000" y="1122363"/>
-            <a:ext cx="9144000" cy="2387600"/>
-          </a:xfrm>
-        </p:spPr>
-        <p:txBody>
-          <a:bodyPr anchor="b"/>
+            <a:off x="2611808" y="3428998"/>
+            <a:ext cx="5518066" cy="2268559"/>
+          </a:xfrm>
+        </p:spPr>
+        <p:txBody>
+          <a:bodyPr anchor="t">
+            <a:normAutofit/>
+          </a:bodyPr>
           <a:lstStyle>
-            <a:lvl1pPr algn="ctr">
+            <a:lvl1pPr algn="r">
               <a:defRPr sz="6000"/>
             </a:lvl1pPr>
           </a:lstStyle>
@@ -156,13 +241,13 @@
               <a:rPr lang="hu-HU" smtClean="0"/>
               <a:t>Mintacím szerkesztése</a:t>
             </a:r>
-            <a:endParaRPr lang="hu-HU"/>
-          </a:p>
-        </p:txBody>
-      </p:sp>
-      <p:sp>
-        <p:nvSpPr>
-          <p:cNvPr id="3" name="Alcím 2"/>
+            <a:endParaRPr lang="en-US" dirty="0"/>
+          </a:p>
+        </p:txBody>
+      </p:sp>
+      <p:sp>
+        <p:nvSpPr>
+          <p:cNvPr id="3" name="Subtitle 2"/>
           <p:cNvSpPr>
             <a:spLocks noGrp="1"/>
           </p:cNvSpPr>
@@ -172,20 +257,26 @@
         </p:nvSpPr>
         <p:spPr>
           <a:xfrm>
-            <a:off x="1524000" y="3602038"/>
-            <a:ext cx="9144000" cy="1655762"/>
-          </a:xfrm>
-        </p:spPr>
-        <p:txBody>
-          <a:bodyPr/>
+            <a:off x="2772274" y="2268786"/>
+            <a:ext cx="5357600" cy="1160213"/>
+          </a:xfrm>
+        </p:spPr>
+        <p:txBody>
+          <a:bodyPr tIns="0" anchor="b">
+            <a:normAutofit/>
+          </a:bodyPr>
           <a:lstStyle>
-            <a:lvl1pPr marL="0" indent="0" algn="ctr">
-              <a:buNone/>
-              <a:defRPr sz="2400"/>
+            <a:lvl1pPr marL="0" indent="0" algn="r">
+              <a:buNone/>
+              <a:defRPr sz="1800" b="0">
+                <a:solidFill>
+                  <a:schemeClr val="tx1"/>
+                </a:solidFill>
+              </a:defRPr>
             </a:lvl1pPr>
             <a:lvl2pPr marL="457200" indent="0" algn="ctr">
               <a:buNone/>
-              <a:defRPr sz="2000"/>
+              <a:defRPr sz="1800"/>
             </a:lvl2pPr>
             <a:lvl3pPr marL="914400" indent="0" algn="ctr">
               <a:buNone/>
@@ -221,13 +312,13 @@
               <a:rPr lang="hu-HU" smtClean="0"/>
               <a:t>Kattintson ide az alcím mintájának szerkesztéséhez</a:t>
             </a:r>
-            <a:endParaRPr lang="hu-HU"/>
-          </a:p>
-        </p:txBody>
-      </p:sp>
-      <p:sp>
-        <p:nvSpPr>
-          <p:cNvPr id="4" name="Dátum helye 3"/>
+            <a:endParaRPr lang="en-US" dirty="0"/>
+          </a:p>
+        </p:txBody>
+      </p:sp>
+      <p:sp>
+        <p:nvSpPr>
+          <p:cNvPr id="4" name="Date Placeholder 3"/>
           <p:cNvSpPr>
             <a:spLocks noGrp="1"/>
           </p:cNvSpPr>
@@ -242,7 +333,7 @@
           <a:p>
             <a:fld id="{7F46E5F8-1B34-4EE5-A95A-9B2AAC9135C0}" type="datetimeFigureOut">
               <a:rPr lang="hu-HU" smtClean="0"/>
-              <a:t>2022.09.12.</a:t>
+              <a:t>2022.09.19.</a:t>
             </a:fld>
             <a:endParaRPr lang="hu-HU"/>
           </a:p>
@@ -250,7 +341,7 @@
       </p:sp>
       <p:sp>
         <p:nvSpPr>
-          <p:cNvPr id="5" name="Élőláb helye 4"/>
+          <p:cNvPr id="5" name="Footer Placeholder 4"/>
           <p:cNvSpPr>
             <a:spLocks noGrp="1"/>
           </p:cNvSpPr>
@@ -269,7 +360,7 @@
       </p:sp>
       <p:sp>
         <p:nvSpPr>
-          <p:cNvPr id="6" name="Dia számának helye 5"/>
+          <p:cNvPr id="6" name="Slide Number Placeholder 5"/>
           <p:cNvSpPr>
             <a:spLocks noGrp="1"/>
           </p:cNvSpPr>
@@ -279,7 +370,7 @@
         </p:nvSpPr>
         <p:spPr/>
         <p:txBody>
-          <a:bodyPr/>
+          <a:bodyPr rIns="45720"/>
           <a:lstStyle/>
           <a:p>
             <a:fld id="{9FA9F63E-6CAF-491C-A847-638724652965}" type="slidenum">
@@ -290,10 +381,51 @@
           </a:p>
         </p:txBody>
       </p:sp>
+      <p:sp>
+        <p:nvSpPr>
+          <p:cNvPr id="13" name="TextBox 12"/>
+          <p:cNvSpPr txBox="1"/>
+          <p:nvPr/>
+        </p:nvSpPr>
+        <p:spPr>
+          <a:xfrm>
+            <a:off x="2191282" y="3262852"/>
+            <a:ext cx="415636" cy="461665"/>
+          </a:xfrm>
+          <a:prstGeom prst="rect">
+            <a:avLst/>
+          </a:prstGeom>
+          <a:noFill/>
+        </p:spPr>
+        <p:txBody>
+          <a:bodyPr wrap="square" rtlCol="0">
+            <a:spAutoFit/>
+          </a:bodyPr>
+          <a:lstStyle/>
+          <a:p>
+            <a:pPr algn="r"/>
+            <a:r>
+              <a:rPr lang="en-US" sz="2400" dirty="0">
+                <a:solidFill>
+                  <a:schemeClr val="accent6"/>
+                </a:solidFill>
+                <a:latin typeface="Wingdings 3" panose="05040102010807070707" pitchFamily="18" charset="2"/>
+              </a:rPr>
+              <a:t>z</a:t>
+            </a:r>
+            <a:endParaRPr lang="en-US" sz="2400" dirty="0">
+              <a:solidFill>
+                <a:schemeClr val="accent6"/>
+              </a:solidFill>
+              <a:latin typeface="MS Shell Dlg 2" panose="020B0604030504040204" pitchFamily="34" charset="0"/>
+            </a:endParaRPr>
+          </a:p>
+        </p:txBody>
+      </p:sp>
     </p:spTree>
     <p:extLst>
       <p:ext uri="{BB962C8B-B14F-4D97-AF65-F5344CB8AC3E}">
-        <p14:creationId xmlns:p14="http://schemas.microsoft.com/office/powerpoint/2010/main" val="1258756055"/>
+        <p14:creationId xmlns:p14="http://schemas.microsoft.com/office/powerpoint/2010/main" val="978994486"/>
       </p:ext>
     </p:extLst>
   </p:cSld>
@@ -322,7 +454,126 @@
       </p:grpSpPr>
       <p:sp>
         <p:nvSpPr>
-          <p:cNvPr id="2" name="Cím 1"/>
+          <p:cNvPr id="14" name="Rectangle 13"/>
+          <p:cNvSpPr/>
+          <p:nvPr/>
+        </p:nvSpPr>
+        <p:spPr>
+          <a:xfrm>
+            <a:off x="1004479" y="0"/>
+            <a:ext cx="10372316" cy="6858000"/>
+          </a:xfrm>
+          <a:prstGeom prst="rect">
+            <a:avLst/>
+          </a:prstGeom>
+          <a:solidFill>
+            <a:schemeClr val="bg2">
+              <a:alpha val="92000"/>
+            </a:schemeClr>
+          </a:solidFill>
+          <a:ln>
+            <a:noFill/>
+          </a:ln>
+        </p:spPr>
+        <p:style>
+          <a:lnRef idx="2">
+            <a:schemeClr val="accent1">
+              <a:shade val="50000"/>
+            </a:schemeClr>
+          </a:lnRef>
+          <a:fillRef idx="1">
+            <a:schemeClr val="accent1"/>
+          </a:fillRef>
+          <a:effectRef idx="0">
+            <a:schemeClr val="accent1"/>
+          </a:effectRef>
+          <a:fontRef idx="minor">
+            <a:schemeClr val="lt1"/>
+          </a:fontRef>
+        </p:style>
+      </p:sp>
+      <p:sp>
+        <p:nvSpPr>
+          <p:cNvPr id="15" name="Rectangle 14"/>
+          <p:cNvSpPr/>
+          <p:nvPr/>
+        </p:nvSpPr>
+        <p:spPr>
+          <a:xfrm>
+            <a:off x="11377328" y="0"/>
+            <a:ext cx="27432" cy="6858000"/>
+          </a:xfrm>
+          <a:prstGeom prst="rect">
+            <a:avLst/>
+          </a:prstGeom>
+          <a:solidFill>
+            <a:schemeClr val="accent6"/>
+          </a:solidFill>
+          <a:ln>
+            <a:noFill/>
+          </a:ln>
+        </p:spPr>
+        <p:style>
+          <a:lnRef idx="2">
+            <a:schemeClr val="accent1">
+              <a:shade val="50000"/>
+            </a:schemeClr>
+          </a:lnRef>
+          <a:fillRef idx="1">
+            <a:schemeClr val="accent1"/>
+          </a:fillRef>
+          <a:effectRef idx="0">
+            <a:schemeClr val="accent1"/>
+          </a:effectRef>
+          <a:fontRef idx="minor">
+            <a:schemeClr val="lt1"/>
+          </a:fontRef>
+        </p:style>
+      </p:sp>
+      <p:sp>
+        <p:nvSpPr>
+          <p:cNvPr id="9" name="TextBox 8"/>
+          <p:cNvSpPr txBox="1"/>
+          <p:nvPr/>
+        </p:nvSpPr>
+        <p:spPr>
+          <a:xfrm>
+            <a:off x="2194236" y="641225"/>
+            <a:ext cx="415636" cy="369332"/>
+          </a:xfrm>
+          <a:prstGeom prst="rect">
+            <a:avLst/>
+          </a:prstGeom>
+          <a:noFill/>
+        </p:spPr>
+        <p:txBody>
+          <a:bodyPr wrap="square" rtlCol="0">
+            <a:spAutoFit/>
+          </a:bodyPr>
+          <a:lstStyle/>
+          <a:p>
+            <a:pPr algn="r"/>
+            <a:r>
+              <a:rPr lang="en-US" sz="1800" dirty="0">
+                <a:solidFill>
+                  <a:schemeClr val="accent6"/>
+                </a:solidFill>
+                <a:latin typeface="Wingdings 3" panose="05040102010807070707" pitchFamily="18" charset="2"/>
+              </a:rPr>
+              <a:t>z</a:t>
+            </a:r>
+            <a:endParaRPr lang="en-US" sz="1000" dirty="0">
+              <a:solidFill>
+                <a:schemeClr val="accent6"/>
+              </a:solidFill>
+              <a:latin typeface="MS Shell Dlg 2" panose="020B0604030504040204" pitchFamily="34" charset="0"/>
+            </a:endParaRPr>
+          </a:p>
+        </p:txBody>
+      </p:sp>
+      <p:sp>
+        <p:nvSpPr>
+          <p:cNvPr id="2" name="Title 1"/>
           <p:cNvSpPr>
             <a:spLocks noGrp="1"/>
           </p:cNvSpPr>
@@ -330,89 +581,94 @@
             <p:ph type="title"/>
           </p:nvPr>
         </p:nvSpPr>
+        <p:spPr>
+          <a:xfrm>
+            <a:off x="2611808" y="808056"/>
+            <a:ext cx="7954091" cy="1077229"/>
+          </a:xfrm>
+        </p:spPr>
+        <p:txBody>
+          <a:bodyPr/>
+          <a:lstStyle/>
+          <a:p>
+            <a:r>
+              <a:rPr lang="hu-HU" smtClean="0"/>
+              <a:t>Mintacím szerkesztése</a:t>
+            </a:r>
+            <a:endParaRPr lang="en-US" dirty="0"/>
+          </a:p>
+        </p:txBody>
+      </p:sp>
+      <p:sp>
+        <p:nvSpPr>
+          <p:cNvPr id="3" name="Vertical Text Placeholder 2"/>
+          <p:cNvSpPr>
+            <a:spLocks noGrp="1"/>
+          </p:cNvSpPr>
+          <p:nvPr>
+            <p:ph type="body" orient="vert" idx="1"/>
+          </p:nvPr>
+        </p:nvSpPr>
         <p:spPr/>
         <p:txBody>
+          <a:bodyPr vert="eaVert"/>
+          <a:lstStyle/>
+          <a:p>
+            <a:pPr lvl="0"/>
+            <a:r>
+              <a:rPr lang="hu-HU" smtClean="0"/>
+              <a:t>Mintaszöveg szerkesztése</a:t>
+            </a:r>
+          </a:p>
+          <a:p>
+            <a:pPr lvl="1"/>
+            <a:r>
+              <a:rPr lang="hu-HU" smtClean="0"/>
+              <a:t>Második szint</a:t>
+            </a:r>
+          </a:p>
+          <a:p>
+            <a:pPr lvl="2"/>
+            <a:r>
+              <a:rPr lang="hu-HU" smtClean="0"/>
+              <a:t>Harmadik szint</a:t>
+            </a:r>
+          </a:p>
+          <a:p>
+            <a:pPr lvl="3"/>
+            <a:r>
+              <a:rPr lang="hu-HU" smtClean="0"/>
+              <a:t>Negyedik szint</a:t>
+            </a:r>
+          </a:p>
+          <a:p>
+            <a:pPr lvl="4"/>
+            <a:r>
+              <a:rPr lang="hu-HU" smtClean="0"/>
+              <a:t>Ötödik szint</a:t>
+            </a:r>
+            <a:endParaRPr lang="en-US" dirty="0"/>
+          </a:p>
+        </p:txBody>
+      </p:sp>
+      <p:sp>
+        <p:nvSpPr>
+          <p:cNvPr id="4" name="Date Placeholder 3"/>
+          <p:cNvSpPr>
+            <a:spLocks noGrp="1"/>
+          </p:cNvSpPr>
+          <p:nvPr>
+            <p:ph type="dt" sz="half" idx="10"/>
+          </p:nvPr>
+        </p:nvSpPr>
+        <p:spPr/>
+        <p:txBody>
           <a:bodyPr/>
           <a:lstStyle/>
           <a:p>
-            <a:r>
-              <a:rPr lang="hu-HU" smtClean="0"/>
-              <a:t>Mintacím szerkesztése</a:t>
-            </a:r>
-            <a:endParaRPr lang="hu-HU"/>
-          </a:p>
-        </p:txBody>
-      </p:sp>
-      <p:sp>
-        <p:nvSpPr>
-          <p:cNvPr id="3" name="Függőleges szöveg helye 2"/>
-          <p:cNvSpPr>
-            <a:spLocks noGrp="1"/>
-          </p:cNvSpPr>
-          <p:nvPr>
-            <p:ph type="body" orient="vert" idx="1"/>
-          </p:nvPr>
-        </p:nvSpPr>
-        <p:spPr/>
-        <p:txBody>
-          <a:bodyPr vert="eaVert"/>
-          <a:lstStyle/>
-          <a:p>
-            <a:pPr lvl="0"/>
-            <a:r>
-              <a:rPr lang="hu-HU" smtClean="0"/>
-              <a:t>Mintaszöveg szerkesztése</a:t>
-            </a:r>
-          </a:p>
-          <a:p>
-            <a:pPr lvl="1"/>
-            <a:r>
-              <a:rPr lang="hu-HU" smtClean="0"/>
-              <a:t>Második szint</a:t>
-            </a:r>
-          </a:p>
-          <a:p>
-            <a:pPr lvl="2"/>
-            <a:r>
-              <a:rPr lang="hu-HU" smtClean="0"/>
-              <a:t>Harmadik szint</a:t>
-            </a:r>
-          </a:p>
-          <a:p>
-            <a:pPr lvl="3"/>
-            <a:r>
-              <a:rPr lang="hu-HU" smtClean="0"/>
-              <a:t>Negyedik szint</a:t>
-            </a:r>
-          </a:p>
-          <a:p>
-            <a:pPr lvl="4"/>
-            <a:r>
-              <a:rPr lang="hu-HU" smtClean="0"/>
-              <a:t>Ötödik szint</a:t>
-            </a:r>
-            <a:endParaRPr lang="hu-HU"/>
-          </a:p>
-        </p:txBody>
-      </p:sp>
-      <p:sp>
-        <p:nvSpPr>
-          <p:cNvPr id="4" name="Dátum helye 3"/>
-          <p:cNvSpPr>
-            <a:spLocks noGrp="1"/>
-          </p:cNvSpPr>
-          <p:nvPr>
-            <p:ph type="dt" sz="half" idx="10"/>
-          </p:nvPr>
-        </p:nvSpPr>
-        <p:spPr/>
-        <p:txBody>
-          <a:bodyPr/>
-          <a:lstStyle/>
-          <a:p>
             <a:fld id="{7F46E5F8-1B34-4EE5-A95A-9B2AAC9135C0}" type="datetimeFigureOut">
               <a:rPr lang="hu-HU" smtClean="0"/>
-              <a:t>2022.09.12.</a:t>
+              <a:t>2022.09.19.</a:t>
             </a:fld>
             <a:endParaRPr lang="hu-HU"/>
           </a:p>
@@ -420,7 +676,7 @@
       </p:sp>
       <p:sp>
         <p:nvSpPr>
-          <p:cNvPr id="5" name="Élőláb helye 4"/>
+          <p:cNvPr id="5" name="Footer Placeholder 4"/>
           <p:cNvSpPr>
             <a:spLocks noGrp="1"/>
           </p:cNvSpPr>
@@ -439,7 +695,7 @@
       </p:sp>
       <p:sp>
         <p:nvSpPr>
-          <p:cNvPr id="6" name="Dia számának helye 5"/>
+          <p:cNvPr id="6" name="Slide Number Placeholder 5"/>
           <p:cNvSpPr>
             <a:spLocks noGrp="1"/>
           </p:cNvSpPr>
@@ -463,7 +719,7 @@
     </p:spTree>
     <p:extLst>
       <p:ext uri="{BB962C8B-B14F-4D97-AF65-F5344CB8AC3E}">
-        <p14:creationId xmlns:p14="http://schemas.microsoft.com/office/powerpoint/2010/main" val="2738917095"/>
+        <p14:creationId xmlns:p14="http://schemas.microsoft.com/office/powerpoint/2010/main" val="1083905516"/>
       </p:ext>
     </p:extLst>
   </p:cSld>
@@ -492,7 +748,126 @@
       </p:grpSpPr>
       <p:sp>
         <p:nvSpPr>
-          <p:cNvPr id="2" name="Függőleges cím 1"/>
+          <p:cNvPr id="15" name="Rectangle 14"/>
+          <p:cNvSpPr/>
+          <p:nvPr/>
+        </p:nvSpPr>
+        <p:spPr>
+          <a:xfrm>
+            <a:off x="1004479" y="0"/>
+            <a:ext cx="10372316" cy="6858000"/>
+          </a:xfrm>
+          <a:prstGeom prst="rect">
+            <a:avLst/>
+          </a:prstGeom>
+          <a:solidFill>
+            <a:schemeClr val="bg2">
+              <a:alpha val="92000"/>
+            </a:schemeClr>
+          </a:solidFill>
+          <a:ln>
+            <a:noFill/>
+          </a:ln>
+        </p:spPr>
+        <p:style>
+          <a:lnRef idx="2">
+            <a:schemeClr val="accent1">
+              <a:shade val="50000"/>
+            </a:schemeClr>
+          </a:lnRef>
+          <a:fillRef idx="1">
+            <a:schemeClr val="accent1"/>
+          </a:fillRef>
+          <a:effectRef idx="0">
+            <a:schemeClr val="accent1"/>
+          </a:effectRef>
+          <a:fontRef idx="minor">
+            <a:schemeClr val="lt1"/>
+          </a:fontRef>
+        </p:style>
+      </p:sp>
+      <p:sp>
+        <p:nvSpPr>
+          <p:cNvPr id="16" name="Rectangle 15"/>
+          <p:cNvSpPr/>
+          <p:nvPr/>
+        </p:nvSpPr>
+        <p:spPr>
+          <a:xfrm>
+            <a:off x="11377328" y="0"/>
+            <a:ext cx="27432" cy="6858000"/>
+          </a:xfrm>
+          <a:prstGeom prst="rect">
+            <a:avLst/>
+          </a:prstGeom>
+          <a:solidFill>
+            <a:schemeClr val="accent6"/>
+          </a:solidFill>
+          <a:ln>
+            <a:noFill/>
+          </a:ln>
+        </p:spPr>
+        <p:style>
+          <a:lnRef idx="2">
+            <a:schemeClr val="accent1">
+              <a:shade val="50000"/>
+            </a:schemeClr>
+          </a:lnRef>
+          <a:fillRef idx="1">
+            <a:schemeClr val="accent1"/>
+          </a:fillRef>
+          <a:effectRef idx="0">
+            <a:schemeClr val="accent1"/>
+          </a:effectRef>
+          <a:fontRef idx="minor">
+            <a:schemeClr val="lt1"/>
+          </a:fontRef>
+        </p:style>
+      </p:sp>
+      <p:sp>
+        <p:nvSpPr>
+          <p:cNvPr id="9" name="TextBox 8"/>
+          <p:cNvSpPr txBox="1"/>
+          <p:nvPr/>
+        </p:nvSpPr>
+        <p:spPr>
+          <a:xfrm rot="5400000">
+            <a:off x="10337141" y="416061"/>
+            <a:ext cx="415636" cy="369332"/>
+          </a:xfrm>
+          <a:prstGeom prst="rect">
+            <a:avLst/>
+          </a:prstGeom>
+          <a:noFill/>
+        </p:spPr>
+        <p:txBody>
+          <a:bodyPr wrap="square" rtlCol="0">
+            <a:spAutoFit/>
+          </a:bodyPr>
+          <a:lstStyle/>
+          <a:p>
+            <a:pPr algn="r"/>
+            <a:r>
+              <a:rPr lang="en-US" sz="1800" dirty="0">
+                <a:solidFill>
+                  <a:schemeClr val="accent6"/>
+                </a:solidFill>
+                <a:latin typeface="Wingdings 3" panose="05040102010807070707" pitchFamily="18" charset="2"/>
+              </a:rPr>
+              <a:t>z</a:t>
+            </a:r>
+            <a:endParaRPr lang="en-US" sz="1000" dirty="0">
+              <a:solidFill>
+                <a:schemeClr val="accent6"/>
+              </a:solidFill>
+              <a:latin typeface="MS Shell Dlg 2" panose="020B0604030504040204" pitchFamily="34" charset="0"/>
+            </a:endParaRPr>
+          </a:p>
+        </p:txBody>
+      </p:sp>
+      <p:sp>
+        <p:nvSpPr>
+          <p:cNvPr id="2" name="Vertical Title 1"/>
           <p:cNvSpPr>
             <a:spLocks noGrp="1"/>
           </p:cNvSpPr>
@@ -502,25 +877,29 @@
         </p:nvSpPr>
         <p:spPr>
           <a:xfrm>
-            <a:off x="8724900" y="365125"/>
-            <a:ext cx="2628900" cy="5811838"/>
+            <a:off x="9239380" y="805818"/>
+            <a:ext cx="1326519" cy="5244126"/>
           </a:xfrm>
         </p:spPr>
         <p:txBody>
           <a:bodyPr vert="eaVert"/>
-          <a:lstStyle/>
+          <a:lstStyle>
+            <a:lvl1pPr algn="l">
+              <a:defRPr/>
+            </a:lvl1pPr>
+          </a:lstStyle>
           <a:p>
             <a:r>
               <a:rPr lang="hu-HU" smtClean="0"/>
               <a:t>Mintacím szerkesztése</a:t>
             </a:r>
-            <a:endParaRPr lang="hu-HU"/>
-          </a:p>
-        </p:txBody>
-      </p:sp>
-      <p:sp>
-        <p:nvSpPr>
-          <p:cNvPr id="3" name="Függőleges szöveg helye 2"/>
+            <a:endParaRPr lang="en-US" dirty="0"/>
+          </a:p>
+        </p:txBody>
+      </p:sp>
+      <p:sp>
+        <p:nvSpPr>
+          <p:cNvPr id="3" name="Vertical Text Placeholder 2"/>
           <p:cNvSpPr>
             <a:spLocks noGrp="1"/>
           </p:cNvSpPr>
@@ -530,8 +909,8 @@
         </p:nvSpPr>
         <p:spPr>
           <a:xfrm>
-            <a:off x="838200" y="365125"/>
-            <a:ext cx="7734300" cy="5811838"/>
+            <a:off x="2608751" y="970410"/>
+            <a:ext cx="6466903" cy="5079534"/>
           </a:xfrm>
         </p:spPr>
         <p:txBody>
@@ -571,13 +950,13 @@
               <a:rPr lang="hu-HU" smtClean="0"/>
               <a:t>Ötödik szint</a:t>
             </a:r>
-            <a:endParaRPr lang="hu-HU"/>
-          </a:p>
-        </p:txBody>
-      </p:sp>
-      <p:sp>
-        <p:nvSpPr>
-          <p:cNvPr id="4" name="Dátum helye 3"/>
+            <a:endParaRPr lang="en-US" dirty="0"/>
+          </a:p>
+        </p:txBody>
+      </p:sp>
+      <p:sp>
+        <p:nvSpPr>
+          <p:cNvPr id="4" name="Date Placeholder 3"/>
           <p:cNvSpPr>
             <a:spLocks noGrp="1"/>
           </p:cNvSpPr>
@@ -592,7 +971,7 @@
           <a:p>
             <a:fld id="{7F46E5F8-1B34-4EE5-A95A-9B2AAC9135C0}" type="datetimeFigureOut">
               <a:rPr lang="hu-HU" smtClean="0"/>
-              <a:t>2022.09.12.</a:t>
+              <a:t>2022.09.19.</a:t>
             </a:fld>
             <a:endParaRPr lang="hu-HU"/>
           </a:p>
@@ -600,7 +979,7 @@
       </p:sp>
       <p:sp>
         <p:nvSpPr>
-          <p:cNvPr id="5" name="Élőláb helye 4"/>
+          <p:cNvPr id="5" name="Footer Placeholder 4"/>
           <p:cNvSpPr>
             <a:spLocks noGrp="1"/>
           </p:cNvSpPr>
@@ -619,7 +998,7 @@
       </p:sp>
       <p:sp>
         <p:nvSpPr>
-          <p:cNvPr id="6" name="Dia számának helye 5"/>
+          <p:cNvPr id="6" name="Slide Number Placeholder 5"/>
           <p:cNvSpPr>
             <a:spLocks noGrp="1"/>
           </p:cNvSpPr>
@@ -643,7 +1022,7 @@
     </p:spTree>
     <p:extLst>
       <p:ext uri="{BB962C8B-B14F-4D97-AF65-F5344CB8AC3E}">
-        <p14:creationId xmlns:p14="http://schemas.microsoft.com/office/powerpoint/2010/main" val="1554189515"/>
+        <p14:creationId xmlns:p14="http://schemas.microsoft.com/office/powerpoint/2010/main" val="3906280385"/>
       </p:ext>
     </p:extLst>
   </p:cSld>
@@ -672,7 +1051,85 @@
       </p:grpSpPr>
       <p:sp>
         <p:nvSpPr>
-          <p:cNvPr id="2" name="Cím 1"/>
+          <p:cNvPr id="29" name="Rectangle 28"/>
+          <p:cNvSpPr/>
+          <p:nvPr/>
+        </p:nvSpPr>
+        <p:spPr>
+          <a:xfrm>
+            <a:off x="1004479" y="0"/>
+            <a:ext cx="10372316" cy="6858000"/>
+          </a:xfrm>
+          <a:prstGeom prst="rect">
+            <a:avLst/>
+          </a:prstGeom>
+          <a:solidFill>
+            <a:schemeClr val="bg2">
+              <a:alpha val="92000"/>
+            </a:schemeClr>
+          </a:solidFill>
+          <a:ln>
+            <a:noFill/>
+          </a:ln>
+        </p:spPr>
+        <p:style>
+          <a:lnRef idx="2">
+            <a:schemeClr val="accent1">
+              <a:shade val="50000"/>
+            </a:schemeClr>
+          </a:lnRef>
+          <a:fillRef idx="1">
+            <a:schemeClr val="accent1"/>
+          </a:fillRef>
+          <a:effectRef idx="0">
+            <a:schemeClr val="accent1"/>
+          </a:effectRef>
+          <a:fontRef idx="minor">
+            <a:schemeClr val="lt1"/>
+          </a:fontRef>
+        </p:style>
+      </p:sp>
+      <p:sp>
+        <p:nvSpPr>
+          <p:cNvPr id="9" name="Rectangle 8"/>
+          <p:cNvSpPr/>
+          <p:nvPr/>
+        </p:nvSpPr>
+        <p:spPr>
+          <a:xfrm>
+            <a:off x="11377328" y="0"/>
+            <a:ext cx="27432" cy="6858000"/>
+          </a:xfrm>
+          <a:prstGeom prst="rect">
+            <a:avLst/>
+          </a:prstGeom>
+          <a:solidFill>
+            <a:schemeClr val="accent6"/>
+          </a:solidFill>
+          <a:ln>
+            <a:noFill/>
+          </a:ln>
+        </p:spPr>
+        <p:style>
+          <a:lnRef idx="2">
+            <a:schemeClr val="accent1">
+              <a:shade val="50000"/>
+            </a:schemeClr>
+          </a:lnRef>
+          <a:fillRef idx="1">
+            <a:schemeClr val="accent1"/>
+          </a:fillRef>
+          <a:effectRef idx="0">
+            <a:schemeClr val="accent1"/>
+          </a:effectRef>
+          <a:fontRef idx="minor">
+            <a:schemeClr val="lt1"/>
+          </a:fontRef>
+        </p:style>
+      </p:sp>
+      <p:sp>
+        <p:nvSpPr>
+          <p:cNvPr id="2" name="Title 1"/>
           <p:cNvSpPr>
             <a:spLocks noGrp="1"/>
           </p:cNvSpPr>
@@ -689,13 +1146,13 @@
               <a:rPr lang="hu-HU" smtClean="0"/>
               <a:t>Mintacím szerkesztése</a:t>
             </a:r>
-            <a:endParaRPr lang="hu-HU"/>
-          </a:p>
-        </p:txBody>
-      </p:sp>
-      <p:sp>
-        <p:nvSpPr>
-          <p:cNvPr id="3" name="Tartalom helye 2"/>
+            <a:endParaRPr lang="en-US" dirty="0"/>
+          </a:p>
+        </p:txBody>
+      </p:sp>
+      <p:sp>
+        <p:nvSpPr>
+          <p:cNvPr id="3" name="Content Placeholder 2"/>
           <p:cNvSpPr>
             <a:spLocks noGrp="1"/>
           </p:cNvSpPr>
@@ -705,64 +1162,64 @@
         </p:nvSpPr>
         <p:spPr/>
         <p:txBody>
+          <a:bodyPr anchor="ctr"/>
+          <a:lstStyle/>
+          <a:p>
+            <a:pPr lvl="0"/>
+            <a:r>
+              <a:rPr lang="hu-HU" smtClean="0"/>
+              <a:t>Mintaszöveg szerkesztése</a:t>
+            </a:r>
+          </a:p>
+          <a:p>
+            <a:pPr lvl="1"/>
+            <a:r>
+              <a:rPr lang="hu-HU" smtClean="0"/>
+              <a:t>Második szint</a:t>
+            </a:r>
+          </a:p>
+          <a:p>
+            <a:pPr lvl="2"/>
+            <a:r>
+              <a:rPr lang="hu-HU" smtClean="0"/>
+              <a:t>Harmadik szint</a:t>
+            </a:r>
+          </a:p>
+          <a:p>
+            <a:pPr lvl="3"/>
+            <a:r>
+              <a:rPr lang="hu-HU" smtClean="0"/>
+              <a:t>Negyedik szint</a:t>
+            </a:r>
+          </a:p>
+          <a:p>
+            <a:pPr lvl="4"/>
+            <a:r>
+              <a:rPr lang="hu-HU" smtClean="0"/>
+              <a:t>Ötödik szint</a:t>
+            </a:r>
+            <a:endParaRPr lang="en-US" dirty="0"/>
+          </a:p>
+        </p:txBody>
+      </p:sp>
+      <p:sp>
+        <p:nvSpPr>
+          <p:cNvPr id="4" name="Date Placeholder 3"/>
+          <p:cNvSpPr>
+            <a:spLocks noGrp="1"/>
+          </p:cNvSpPr>
+          <p:nvPr>
+            <p:ph type="dt" sz="half" idx="10"/>
+          </p:nvPr>
+        </p:nvSpPr>
+        <p:spPr/>
+        <p:txBody>
           <a:bodyPr/>
           <a:lstStyle/>
           <a:p>
-            <a:pPr lvl="0"/>
-            <a:r>
-              <a:rPr lang="hu-HU" smtClean="0"/>
-              <a:t>Mintaszöveg szerkesztése</a:t>
-            </a:r>
-          </a:p>
-          <a:p>
-            <a:pPr lvl="1"/>
-            <a:r>
-              <a:rPr lang="hu-HU" smtClean="0"/>
-              <a:t>Második szint</a:t>
-            </a:r>
-          </a:p>
-          <a:p>
-            <a:pPr lvl="2"/>
-            <a:r>
-              <a:rPr lang="hu-HU" smtClean="0"/>
-              <a:t>Harmadik szint</a:t>
-            </a:r>
-          </a:p>
-          <a:p>
-            <a:pPr lvl="3"/>
-            <a:r>
-              <a:rPr lang="hu-HU" smtClean="0"/>
-              <a:t>Negyedik szint</a:t>
-            </a:r>
-          </a:p>
-          <a:p>
-            <a:pPr lvl="4"/>
-            <a:r>
-              <a:rPr lang="hu-HU" smtClean="0"/>
-              <a:t>Ötödik szint</a:t>
-            </a:r>
-            <a:endParaRPr lang="hu-HU"/>
-          </a:p>
-        </p:txBody>
-      </p:sp>
-      <p:sp>
-        <p:nvSpPr>
-          <p:cNvPr id="4" name="Dátum helye 3"/>
-          <p:cNvSpPr>
-            <a:spLocks noGrp="1"/>
-          </p:cNvSpPr>
-          <p:nvPr>
-            <p:ph type="dt" sz="half" idx="10"/>
-          </p:nvPr>
-        </p:nvSpPr>
-        <p:spPr/>
-        <p:txBody>
-          <a:bodyPr/>
-          <a:lstStyle/>
-          <a:p>
             <a:fld id="{7F46E5F8-1B34-4EE5-A95A-9B2AAC9135C0}" type="datetimeFigureOut">
               <a:rPr lang="hu-HU" smtClean="0"/>
-              <a:t>2022.09.12.</a:t>
+              <a:t>2022.09.19.</a:t>
             </a:fld>
             <a:endParaRPr lang="hu-HU"/>
           </a:p>
@@ -770,7 +1227,7 @@
       </p:sp>
       <p:sp>
         <p:nvSpPr>
-          <p:cNvPr id="5" name="Élőláb helye 4"/>
+          <p:cNvPr id="5" name="Footer Placeholder 4"/>
           <p:cNvSpPr>
             <a:spLocks noGrp="1"/>
           </p:cNvSpPr>
@@ -789,7 +1246,7 @@
       </p:sp>
       <p:sp>
         <p:nvSpPr>
-          <p:cNvPr id="6" name="Dia számának helye 5"/>
+          <p:cNvPr id="6" name="Slide Number Placeholder 5"/>
           <p:cNvSpPr>
             <a:spLocks noGrp="1"/>
           </p:cNvSpPr>
@@ -810,10 +1267,51 @@
           </a:p>
         </p:txBody>
       </p:sp>
+      <p:sp>
+        <p:nvSpPr>
+          <p:cNvPr id="7" name="TextBox 6"/>
+          <p:cNvSpPr txBox="1"/>
+          <p:nvPr/>
+        </p:nvSpPr>
+        <p:spPr>
+          <a:xfrm>
+            <a:off x="2194943" y="641225"/>
+            <a:ext cx="415636" cy="369332"/>
+          </a:xfrm>
+          <a:prstGeom prst="rect">
+            <a:avLst/>
+          </a:prstGeom>
+          <a:noFill/>
+        </p:spPr>
+        <p:txBody>
+          <a:bodyPr wrap="square" rtlCol="0">
+            <a:spAutoFit/>
+          </a:bodyPr>
+          <a:lstStyle/>
+          <a:p>
+            <a:pPr algn="r"/>
+            <a:r>
+              <a:rPr lang="en-US" sz="1800" dirty="0">
+                <a:solidFill>
+                  <a:schemeClr val="accent6"/>
+                </a:solidFill>
+                <a:latin typeface="Wingdings 3" panose="05040102010807070707" pitchFamily="18" charset="2"/>
+              </a:rPr>
+              <a:t>z</a:t>
+            </a:r>
+            <a:endParaRPr lang="en-US" sz="1000" dirty="0">
+              <a:solidFill>
+                <a:schemeClr val="accent6"/>
+              </a:solidFill>
+              <a:latin typeface="MS Shell Dlg 2" panose="020B0604030504040204" pitchFamily="34" charset="0"/>
+            </a:endParaRPr>
+          </a:p>
+        </p:txBody>
+      </p:sp>
     </p:spTree>
     <p:extLst>
       <p:ext uri="{BB962C8B-B14F-4D97-AF65-F5344CB8AC3E}">
-        <p14:creationId xmlns:p14="http://schemas.microsoft.com/office/powerpoint/2010/main" val="485426553"/>
+        <p14:creationId xmlns:p14="http://schemas.microsoft.com/office/powerpoint/2010/main" val="117288195"/>
       </p:ext>
     </p:extLst>
   </p:cSld>
@@ -842,7 +1340,126 @@
       </p:grpSpPr>
       <p:sp>
         <p:nvSpPr>
-          <p:cNvPr id="2" name="Cím 1"/>
+          <p:cNvPr id="24" name="Rectangle 23"/>
+          <p:cNvSpPr/>
+          <p:nvPr/>
+        </p:nvSpPr>
+        <p:spPr>
+          <a:xfrm>
+            <a:off x="1004479" y="0"/>
+            <a:ext cx="10372316" cy="6858000"/>
+          </a:xfrm>
+          <a:prstGeom prst="rect">
+            <a:avLst/>
+          </a:prstGeom>
+          <a:solidFill>
+            <a:schemeClr val="bg2">
+              <a:alpha val="92000"/>
+            </a:schemeClr>
+          </a:solidFill>
+          <a:ln>
+            <a:noFill/>
+          </a:ln>
+        </p:spPr>
+        <p:style>
+          <a:lnRef idx="2">
+            <a:schemeClr val="accent1">
+              <a:shade val="50000"/>
+            </a:schemeClr>
+          </a:lnRef>
+          <a:fillRef idx="1">
+            <a:schemeClr val="accent1"/>
+          </a:fillRef>
+          <a:effectRef idx="0">
+            <a:schemeClr val="accent1"/>
+          </a:effectRef>
+          <a:fontRef idx="minor">
+            <a:schemeClr val="lt1"/>
+          </a:fontRef>
+        </p:style>
+      </p:sp>
+      <p:sp>
+        <p:nvSpPr>
+          <p:cNvPr id="25" name="Rectangle 24"/>
+          <p:cNvSpPr/>
+          <p:nvPr/>
+        </p:nvSpPr>
+        <p:spPr>
+          <a:xfrm>
+            <a:off x="11377328" y="0"/>
+            <a:ext cx="27432" cy="6858000"/>
+          </a:xfrm>
+          <a:prstGeom prst="rect">
+            <a:avLst/>
+          </a:prstGeom>
+          <a:solidFill>
+            <a:schemeClr val="accent6"/>
+          </a:solidFill>
+          <a:ln>
+            <a:noFill/>
+          </a:ln>
+        </p:spPr>
+        <p:style>
+          <a:lnRef idx="2">
+            <a:schemeClr val="accent1">
+              <a:shade val="50000"/>
+            </a:schemeClr>
+          </a:lnRef>
+          <a:fillRef idx="1">
+            <a:schemeClr val="accent1"/>
+          </a:fillRef>
+          <a:effectRef idx="0">
+            <a:schemeClr val="accent1"/>
+          </a:effectRef>
+          <a:fontRef idx="minor">
+            <a:schemeClr val="lt1"/>
+          </a:fontRef>
+        </p:style>
+      </p:sp>
+      <p:sp>
+        <p:nvSpPr>
+          <p:cNvPr id="11" name="TextBox 10"/>
+          <p:cNvSpPr txBox="1"/>
+          <p:nvPr/>
+        </p:nvSpPr>
+        <p:spPr>
+          <a:xfrm>
+            <a:off x="2191843" y="2962586"/>
+            <a:ext cx="415636" cy="369332"/>
+          </a:xfrm>
+          <a:prstGeom prst="rect">
+            <a:avLst/>
+          </a:prstGeom>
+          <a:noFill/>
+        </p:spPr>
+        <p:txBody>
+          <a:bodyPr wrap="square" rtlCol="0">
+            <a:spAutoFit/>
+          </a:bodyPr>
+          <a:lstStyle/>
+          <a:p>
+            <a:pPr algn="r"/>
+            <a:r>
+              <a:rPr lang="en-US" sz="1800" dirty="0">
+                <a:solidFill>
+                  <a:schemeClr val="accent6"/>
+                </a:solidFill>
+                <a:latin typeface="Wingdings 3" panose="05040102010807070707" pitchFamily="18" charset="2"/>
+              </a:rPr>
+              <a:t>z</a:t>
+            </a:r>
+            <a:endParaRPr lang="en-US" sz="1000" dirty="0">
+              <a:solidFill>
+                <a:schemeClr val="accent6"/>
+              </a:solidFill>
+              <a:latin typeface="MS Shell Dlg 2" panose="020B0604030504040204" pitchFamily="34" charset="0"/>
+            </a:endParaRPr>
+          </a:p>
+        </p:txBody>
+      </p:sp>
+      <p:sp>
+        <p:nvSpPr>
+          <p:cNvPr id="2" name="Title 1"/>
           <p:cNvSpPr>
             <a:spLocks noGrp="1"/>
           </p:cNvSpPr>
@@ -852,15 +1469,17 @@
         </p:nvSpPr>
         <p:spPr>
           <a:xfrm>
-            <a:off x="831850" y="1709738"/>
-            <a:ext cx="10515600" cy="2852737"/>
-          </a:xfrm>
-        </p:spPr>
-        <p:txBody>
-          <a:bodyPr anchor="b"/>
+            <a:off x="2609873" y="3147254"/>
+            <a:ext cx="7956560" cy="1424746"/>
+          </a:xfrm>
+        </p:spPr>
+        <p:txBody>
+          <a:bodyPr anchor="t">
+            <a:normAutofit/>
+          </a:bodyPr>
           <a:lstStyle>
-            <a:lvl1pPr>
-              <a:defRPr sz="6000"/>
+            <a:lvl1pPr algn="r">
+              <a:defRPr sz="3200"/>
             </a:lvl1pPr>
           </a:lstStyle>
           <a:p>
@@ -868,13 +1487,13 @@
               <a:rPr lang="hu-HU" smtClean="0"/>
               <a:t>Mintacím szerkesztése</a:t>
             </a:r>
-            <a:endParaRPr lang="hu-HU"/>
-          </a:p>
-        </p:txBody>
-      </p:sp>
-      <p:sp>
-        <p:nvSpPr>
-          <p:cNvPr id="3" name="Szöveg helye 2"/>
+            <a:endParaRPr lang="en-US" dirty="0"/>
+          </a:p>
+        </p:txBody>
+      </p:sp>
+      <p:sp>
+        <p:nvSpPr>
+          <p:cNvPr id="3" name="Text Placeholder 2"/>
           <p:cNvSpPr>
             <a:spLocks noGrp="1"/>
           </p:cNvSpPr>
@@ -884,26 +1503,26 @@
         </p:nvSpPr>
         <p:spPr>
           <a:xfrm>
-            <a:off x="831850" y="4589463"/>
-            <a:ext cx="10515600" cy="1500187"/>
-          </a:xfrm>
-        </p:spPr>
-        <p:txBody>
-          <a:bodyPr/>
+            <a:off x="2773968" y="2268786"/>
+            <a:ext cx="7791931" cy="878468"/>
+          </a:xfrm>
+        </p:spPr>
+        <p:txBody>
+          <a:bodyPr tIns="0" anchor="b">
+            <a:normAutofit/>
+          </a:bodyPr>
           <a:lstStyle>
-            <a:lvl1pPr marL="0" indent="0">
-              <a:buNone/>
-              <a:defRPr sz="2400">
+            <a:lvl1pPr marL="0" indent="0" algn="r">
+              <a:buNone/>
+              <a:defRPr sz="1800">
                 <a:solidFill>
-                  <a:schemeClr val="tx1">
-                    <a:tint val="75000"/>
-                  </a:schemeClr>
+                  <a:schemeClr val="tx1"/>
                 </a:solidFill>
               </a:defRPr>
             </a:lvl1pPr>
             <a:lvl2pPr marL="457200" indent="0">
               <a:buNone/>
-              <a:defRPr sz="2000">
+              <a:defRPr sz="1800">
                 <a:solidFill>
                   <a:schemeClr val="tx1">
                     <a:tint val="75000"/>
@@ -993,7 +1612,7 @@
       </p:sp>
       <p:sp>
         <p:nvSpPr>
-          <p:cNvPr id="4" name="Dátum helye 3"/>
+          <p:cNvPr id="4" name="Date Placeholder 3"/>
           <p:cNvSpPr>
             <a:spLocks noGrp="1"/>
           </p:cNvSpPr>
@@ -1008,7 +1627,7 @@
           <a:p>
             <a:fld id="{7F46E5F8-1B34-4EE5-A95A-9B2AAC9135C0}" type="datetimeFigureOut">
               <a:rPr lang="hu-HU" smtClean="0"/>
-              <a:t>2022.09.12.</a:t>
+              <a:t>2022.09.19.</a:t>
             </a:fld>
             <a:endParaRPr lang="hu-HU"/>
           </a:p>
@@ -1016,7 +1635,7 @@
       </p:sp>
       <p:sp>
         <p:nvSpPr>
-          <p:cNvPr id="5" name="Élőláb helye 4"/>
+          <p:cNvPr id="5" name="Footer Placeholder 4"/>
           <p:cNvSpPr>
             <a:spLocks noGrp="1"/>
           </p:cNvSpPr>
@@ -1035,7 +1654,7 @@
       </p:sp>
       <p:sp>
         <p:nvSpPr>
-          <p:cNvPr id="6" name="Dia számának helye 5"/>
+          <p:cNvPr id="6" name="Slide Number Placeholder 5"/>
           <p:cNvSpPr>
             <a:spLocks noGrp="1"/>
           </p:cNvSpPr>
@@ -1059,7 +1678,7 @@
     </p:spTree>
     <p:extLst>
       <p:ext uri="{BB962C8B-B14F-4D97-AF65-F5344CB8AC3E}">
-        <p14:creationId xmlns:p14="http://schemas.microsoft.com/office/powerpoint/2010/main" val="4032924098"/>
+        <p14:creationId xmlns:p14="http://schemas.microsoft.com/office/powerpoint/2010/main" val="4010957990"/>
       </p:ext>
     </p:extLst>
   </p:cSld>
@@ -1088,7 +1707,85 @@
       </p:grpSpPr>
       <p:sp>
         <p:nvSpPr>
-          <p:cNvPr id="2" name="Cím 1"/>
+          <p:cNvPr id="26" name="Rectangle 25"/>
+          <p:cNvSpPr/>
+          <p:nvPr/>
+        </p:nvSpPr>
+        <p:spPr>
+          <a:xfrm>
+            <a:off x="1004479" y="0"/>
+            <a:ext cx="10372316" cy="6858000"/>
+          </a:xfrm>
+          <a:prstGeom prst="rect">
+            <a:avLst/>
+          </a:prstGeom>
+          <a:solidFill>
+            <a:schemeClr val="bg2">
+              <a:alpha val="92000"/>
+            </a:schemeClr>
+          </a:solidFill>
+          <a:ln>
+            <a:noFill/>
+          </a:ln>
+        </p:spPr>
+        <p:style>
+          <a:lnRef idx="2">
+            <a:schemeClr val="accent1">
+              <a:shade val="50000"/>
+            </a:schemeClr>
+          </a:lnRef>
+          <a:fillRef idx="1">
+            <a:schemeClr val="accent1"/>
+          </a:fillRef>
+          <a:effectRef idx="0">
+            <a:schemeClr val="accent1"/>
+          </a:effectRef>
+          <a:fontRef idx="minor">
+            <a:schemeClr val="lt1"/>
+          </a:fontRef>
+        </p:style>
+      </p:sp>
+      <p:sp>
+        <p:nvSpPr>
+          <p:cNvPr id="27" name="Rectangle 26"/>
+          <p:cNvSpPr/>
+          <p:nvPr/>
+        </p:nvSpPr>
+        <p:spPr>
+          <a:xfrm>
+            <a:off x="11377328" y="0"/>
+            <a:ext cx="27432" cy="6858000"/>
+          </a:xfrm>
+          <a:prstGeom prst="rect">
+            <a:avLst/>
+          </a:prstGeom>
+          <a:solidFill>
+            <a:schemeClr val="accent6"/>
+          </a:solidFill>
+          <a:ln>
+            <a:noFill/>
+          </a:ln>
+        </p:spPr>
+        <p:style>
+          <a:lnRef idx="2">
+            <a:schemeClr val="accent1">
+              <a:shade val="50000"/>
+            </a:schemeClr>
+          </a:lnRef>
+          <a:fillRef idx="1">
+            <a:schemeClr val="accent1"/>
+          </a:fillRef>
+          <a:effectRef idx="0">
+            <a:schemeClr val="accent1"/>
+          </a:effectRef>
+          <a:fontRef idx="minor">
+            <a:schemeClr val="lt1"/>
+          </a:fontRef>
+        </p:style>
+      </p:sp>
+      <p:sp>
+        <p:nvSpPr>
+          <p:cNvPr id="2" name="Title 1"/>
           <p:cNvSpPr>
             <a:spLocks noGrp="1"/>
           </p:cNvSpPr>
@@ -1096,151 +1793,156 @@
             <p:ph type="title"/>
           </p:nvPr>
         </p:nvSpPr>
+        <p:spPr>
+          <a:xfrm>
+            <a:off x="2609873" y="805817"/>
+            <a:ext cx="7950984" cy="1081705"/>
+          </a:xfrm>
+        </p:spPr>
+        <p:txBody>
+          <a:bodyPr/>
+          <a:lstStyle/>
+          <a:p>
+            <a:r>
+              <a:rPr lang="hu-HU" smtClean="0"/>
+              <a:t>Mintacím szerkesztése</a:t>
+            </a:r>
+            <a:endParaRPr lang="en-US" dirty="0"/>
+          </a:p>
+        </p:txBody>
+      </p:sp>
+      <p:sp>
+        <p:nvSpPr>
+          <p:cNvPr id="3" name="Content Placeholder 2"/>
+          <p:cNvSpPr>
+            <a:spLocks noGrp="1"/>
+          </p:cNvSpPr>
+          <p:nvPr>
+            <p:ph sz="half" idx="1"/>
+          </p:nvPr>
+        </p:nvSpPr>
+        <p:spPr>
+          <a:xfrm>
+            <a:off x="2605374" y="2052116"/>
+            <a:ext cx="3891960" cy="3997828"/>
+          </a:xfrm>
+        </p:spPr>
+        <p:txBody>
+          <a:bodyPr/>
+          <a:lstStyle/>
+          <a:p>
+            <a:pPr lvl="0"/>
+            <a:r>
+              <a:rPr lang="hu-HU" smtClean="0"/>
+              <a:t>Mintaszöveg szerkesztése</a:t>
+            </a:r>
+          </a:p>
+          <a:p>
+            <a:pPr lvl="1"/>
+            <a:r>
+              <a:rPr lang="hu-HU" smtClean="0"/>
+              <a:t>Második szint</a:t>
+            </a:r>
+          </a:p>
+          <a:p>
+            <a:pPr lvl="2"/>
+            <a:r>
+              <a:rPr lang="hu-HU" smtClean="0"/>
+              <a:t>Harmadik szint</a:t>
+            </a:r>
+          </a:p>
+          <a:p>
+            <a:pPr lvl="3"/>
+            <a:r>
+              <a:rPr lang="hu-HU" smtClean="0"/>
+              <a:t>Negyedik szint</a:t>
+            </a:r>
+          </a:p>
+          <a:p>
+            <a:pPr lvl="4"/>
+            <a:r>
+              <a:rPr lang="hu-HU" smtClean="0"/>
+              <a:t>Ötödik szint</a:t>
+            </a:r>
+            <a:endParaRPr lang="en-US" dirty="0"/>
+          </a:p>
+        </p:txBody>
+      </p:sp>
+      <p:sp>
+        <p:nvSpPr>
+          <p:cNvPr id="4" name="Content Placeholder 3"/>
+          <p:cNvSpPr>
+            <a:spLocks noGrp="1"/>
+          </p:cNvSpPr>
+          <p:nvPr>
+            <p:ph sz="half" idx="2"/>
+          </p:nvPr>
+        </p:nvSpPr>
+        <p:spPr>
+          <a:xfrm>
+            <a:off x="6666636" y="2052114"/>
+            <a:ext cx="3894222" cy="3997829"/>
+          </a:xfrm>
+        </p:spPr>
+        <p:txBody>
+          <a:bodyPr/>
+          <a:lstStyle/>
+          <a:p>
+            <a:pPr lvl="0"/>
+            <a:r>
+              <a:rPr lang="hu-HU" smtClean="0"/>
+              <a:t>Mintaszöveg szerkesztése</a:t>
+            </a:r>
+          </a:p>
+          <a:p>
+            <a:pPr lvl="1"/>
+            <a:r>
+              <a:rPr lang="hu-HU" smtClean="0"/>
+              <a:t>Második szint</a:t>
+            </a:r>
+          </a:p>
+          <a:p>
+            <a:pPr lvl="2"/>
+            <a:r>
+              <a:rPr lang="hu-HU" smtClean="0"/>
+              <a:t>Harmadik szint</a:t>
+            </a:r>
+          </a:p>
+          <a:p>
+            <a:pPr lvl="3"/>
+            <a:r>
+              <a:rPr lang="hu-HU" smtClean="0"/>
+              <a:t>Negyedik szint</a:t>
+            </a:r>
+          </a:p>
+          <a:p>
+            <a:pPr lvl="4"/>
+            <a:r>
+              <a:rPr lang="hu-HU" smtClean="0"/>
+              <a:t>Ötödik szint</a:t>
+            </a:r>
+            <a:endParaRPr lang="en-US" dirty="0"/>
+          </a:p>
+        </p:txBody>
+      </p:sp>
+      <p:sp>
+        <p:nvSpPr>
+          <p:cNvPr id="5" name="Date Placeholder 4"/>
+          <p:cNvSpPr>
+            <a:spLocks noGrp="1"/>
+          </p:cNvSpPr>
+          <p:nvPr>
+            <p:ph type="dt" sz="half" idx="10"/>
+          </p:nvPr>
+        </p:nvSpPr>
         <p:spPr/>
         <p:txBody>
           <a:bodyPr/>
           <a:lstStyle/>
           <a:p>
-            <a:r>
-              <a:rPr lang="hu-HU" smtClean="0"/>
-              <a:t>Mintacím szerkesztése</a:t>
-            </a:r>
-            <a:endParaRPr lang="hu-HU"/>
-          </a:p>
-        </p:txBody>
-      </p:sp>
-      <p:sp>
-        <p:nvSpPr>
-          <p:cNvPr id="3" name="Tartalom helye 2"/>
-          <p:cNvSpPr>
-            <a:spLocks noGrp="1"/>
-          </p:cNvSpPr>
-          <p:nvPr>
-            <p:ph sz="half" idx="1"/>
-          </p:nvPr>
-        </p:nvSpPr>
-        <p:spPr>
-          <a:xfrm>
-            <a:off x="838200" y="1825625"/>
-            <a:ext cx="5181600" cy="4351338"/>
-          </a:xfrm>
-        </p:spPr>
-        <p:txBody>
-          <a:bodyPr/>
-          <a:lstStyle/>
-          <a:p>
-            <a:pPr lvl="0"/>
-            <a:r>
-              <a:rPr lang="hu-HU" smtClean="0"/>
-              <a:t>Mintaszöveg szerkesztése</a:t>
-            </a:r>
-          </a:p>
-          <a:p>
-            <a:pPr lvl="1"/>
-            <a:r>
-              <a:rPr lang="hu-HU" smtClean="0"/>
-              <a:t>Második szint</a:t>
-            </a:r>
-          </a:p>
-          <a:p>
-            <a:pPr lvl="2"/>
-            <a:r>
-              <a:rPr lang="hu-HU" smtClean="0"/>
-              <a:t>Harmadik szint</a:t>
-            </a:r>
-          </a:p>
-          <a:p>
-            <a:pPr lvl="3"/>
-            <a:r>
-              <a:rPr lang="hu-HU" smtClean="0"/>
-              <a:t>Negyedik szint</a:t>
-            </a:r>
-          </a:p>
-          <a:p>
-            <a:pPr lvl="4"/>
-            <a:r>
-              <a:rPr lang="hu-HU" smtClean="0"/>
-              <a:t>Ötödik szint</a:t>
-            </a:r>
-            <a:endParaRPr lang="hu-HU"/>
-          </a:p>
-        </p:txBody>
-      </p:sp>
-      <p:sp>
-        <p:nvSpPr>
-          <p:cNvPr id="4" name="Tartalom helye 3"/>
-          <p:cNvSpPr>
-            <a:spLocks noGrp="1"/>
-          </p:cNvSpPr>
-          <p:nvPr>
-            <p:ph sz="half" idx="2"/>
-          </p:nvPr>
-        </p:nvSpPr>
-        <p:spPr>
-          <a:xfrm>
-            <a:off x="6172200" y="1825625"/>
-            <a:ext cx="5181600" cy="4351338"/>
-          </a:xfrm>
-        </p:spPr>
-        <p:txBody>
-          <a:bodyPr/>
-          <a:lstStyle/>
-          <a:p>
-            <a:pPr lvl="0"/>
-            <a:r>
-              <a:rPr lang="hu-HU" smtClean="0"/>
-              <a:t>Mintaszöveg szerkesztése</a:t>
-            </a:r>
-          </a:p>
-          <a:p>
-            <a:pPr lvl="1"/>
-            <a:r>
-              <a:rPr lang="hu-HU" smtClean="0"/>
-              <a:t>Második szint</a:t>
-            </a:r>
-          </a:p>
-          <a:p>
-            <a:pPr lvl="2"/>
-            <a:r>
-              <a:rPr lang="hu-HU" smtClean="0"/>
-              <a:t>Harmadik szint</a:t>
-            </a:r>
-          </a:p>
-          <a:p>
-            <a:pPr lvl="3"/>
-            <a:r>
-              <a:rPr lang="hu-HU" smtClean="0"/>
-              <a:t>Negyedik szint</a:t>
-            </a:r>
-          </a:p>
-          <a:p>
-            <a:pPr lvl="4"/>
-            <a:r>
-              <a:rPr lang="hu-HU" smtClean="0"/>
-              <a:t>Ötödik szint</a:t>
-            </a:r>
-            <a:endParaRPr lang="hu-HU"/>
-          </a:p>
-        </p:txBody>
-      </p:sp>
-      <p:sp>
-        <p:nvSpPr>
-          <p:cNvPr id="5" name="Dátum helye 4"/>
-          <p:cNvSpPr>
-            <a:spLocks noGrp="1"/>
-          </p:cNvSpPr>
-          <p:nvPr>
-            <p:ph type="dt" sz="half" idx="10"/>
-          </p:nvPr>
-        </p:nvSpPr>
-        <p:spPr/>
-        <p:txBody>
-          <a:bodyPr/>
-          <a:lstStyle/>
-          <a:p>
             <a:fld id="{7F46E5F8-1B34-4EE5-A95A-9B2AAC9135C0}" type="datetimeFigureOut">
               <a:rPr lang="hu-HU" smtClean="0"/>
-              <a:t>2022.09.12.</a:t>
+              <a:t>2022.09.19.</a:t>
             </a:fld>
             <a:endParaRPr lang="hu-HU"/>
           </a:p>
@@ -1248,7 +1950,7 @@
       </p:sp>
       <p:sp>
         <p:nvSpPr>
-          <p:cNvPr id="6" name="Élőláb helye 5"/>
+          <p:cNvPr id="6" name="Footer Placeholder 5"/>
           <p:cNvSpPr>
             <a:spLocks noGrp="1"/>
           </p:cNvSpPr>
@@ -1267,7 +1969,7 @@
       </p:sp>
       <p:sp>
         <p:nvSpPr>
-          <p:cNvPr id="7" name="Dia számának helye 6"/>
+          <p:cNvPr id="7" name="Slide Number Placeholder 6"/>
           <p:cNvSpPr>
             <a:spLocks noGrp="1"/>
           </p:cNvSpPr>
@@ -1288,10 +1990,51 @@
           </a:p>
         </p:txBody>
       </p:sp>
+      <p:sp>
+        <p:nvSpPr>
+          <p:cNvPr id="10" name="TextBox 9"/>
+          <p:cNvSpPr txBox="1"/>
+          <p:nvPr/>
+        </p:nvSpPr>
+        <p:spPr>
+          <a:xfrm>
+            <a:off x="2196172" y="641223"/>
+            <a:ext cx="415636" cy="369332"/>
+          </a:xfrm>
+          <a:prstGeom prst="rect">
+            <a:avLst/>
+          </a:prstGeom>
+          <a:noFill/>
+        </p:spPr>
+        <p:txBody>
+          <a:bodyPr wrap="square" rtlCol="0">
+            <a:spAutoFit/>
+          </a:bodyPr>
+          <a:lstStyle/>
+          <a:p>
+            <a:pPr algn="r"/>
+            <a:r>
+              <a:rPr lang="en-US" sz="1800" dirty="0">
+                <a:solidFill>
+                  <a:schemeClr val="accent6"/>
+                </a:solidFill>
+                <a:latin typeface="Wingdings 3" panose="05040102010807070707" pitchFamily="18" charset="2"/>
+              </a:rPr>
+              <a:t>z</a:t>
+            </a:r>
+            <a:endParaRPr lang="en-US" sz="1000" dirty="0">
+              <a:solidFill>
+                <a:schemeClr val="accent6"/>
+              </a:solidFill>
+              <a:latin typeface="MS Shell Dlg 2" panose="020B0604030504040204" pitchFamily="34" charset="0"/>
+            </a:endParaRPr>
+          </a:p>
+        </p:txBody>
+      </p:sp>
     </p:spTree>
     <p:extLst>
       <p:ext uri="{BB962C8B-B14F-4D97-AF65-F5344CB8AC3E}">
-        <p14:creationId xmlns:p14="http://schemas.microsoft.com/office/powerpoint/2010/main" val="105469036"/>
+        <p14:creationId xmlns:p14="http://schemas.microsoft.com/office/powerpoint/2010/main" val="3299686576"/>
       </p:ext>
     </p:extLst>
   </p:cSld>
@@ -1320,7 +2063,126 @@
       </p:grpSpPr>
       <p:sp>
         <p:nvSpPr>
-          <p:cNvPr id="2" name="Cím 1"/>
+          <p:cNvPr id="20" name="Rectangle 19"/>
+          <p:cNvSpPr/>
+          <p:nvPr/>
+        </p:nvSpPr>
+        <p:spPr>
+          <a:xfrm>
+            <a:off x="1004479" y="0"/>
+            <a:ext cx="10372316" cy="6858000"/>
+          </a:xfrm>
+          <a:prstGeom prst="rect">
+            <a:avLst/>
+          </a:prstGeom>
+          <a:solidFill>
+            <a:schemeClr val="bg2">
+              <a:alpha val="92000"/>
+            </a:schemeClr>
+          </a:solidFill>
+          <a:ln>
+            <a:noFill/>
+          </a:ln>
+        </p:spPr>
+        <p:style>
+          <a:lnRef idx="2">
+            <a:schemeClr val="accent1">
+              <a:shade val="50000"/>
+            </a:schemeClr>
+          </a:lnRef>
+          <a:fillRef idx="1">
+            <a:schemeClr val="accent1"/>
+          </a:fillRef>
+          <a:effectRef idx="0">
+            <a:schemeClr val="accent1"/>
+          </a:effectRef>
+          <a:fontRef idx="minor">
+            <a:schemeClr val="lt1"/>
+          </a:fontRef>
+        </p:style>
+      </p:sp>
+      <p:sp>
+        <p:nvSpPr>
+          <p:cNvPr id="21" name="Rectangle 20"/>
+          <p:cNvSpPr/>
+          <p:nvPr/>
+        </p:nvSpPr>
+        <p:spPr>
+          <a:xfrm>
+            <a:off x="11377328" y="0"/>
+            <a:ext cx="27432" cy="6858000"/>
+          </a:xfrm>
+          <a:prstGeom prst="rect">
+            <a:avLst/>
+          </a:prstGeom>
+          <a:solidFill>
+            <a:schemeClr val="accent6"/>
+          </a:solidFill>
+          <a:ln>
+            <a:noFill/>
+          </a:ln>
+        </p:spPr>
+        <p:style>
+          <a:lnRef idx="2">
+            <a:schemeClr val="accent1">
+              <a:shade val="50000"/>
+            </a:schemeClr>
+          </a:lnRef>
+          <a:fillRef idx="1">
+            <a:schemeClr val="accent1"/>
+          </a:fillRef>
+          <a:effectRef idx="0">
+            <a:schemeClr val="accent1"/>
+          </a:effectRef>
+          <a:fontRef idx="minor">
+            <a:schemeClr val="lt1"/>
+          </a:fontRef>
+        </p:style>
+      </p:sp>
+      <p:sp>
+        <p:nvSpPr>
+          <p:cNvPr id="12" name="TextBox 11"/>
+          <p:cNvSpPr txBox="1"/>
+          <p:nvPr/>
+        </p:nvSpPr>
+        <p:spPr>
+          <a:xfrm>
+            <a:off x="2193650" y="636424"/>
+            <a:ext cx="415636" cy="369332"/>
+          </a:xfrm>
+          <a:prstGeom prst="rect">
+            <a:avLst/>
+          </a:prstGeom>
+          <a:noFill/>
+        </p:spPr>
+        <p:txBody>
+          <a:bodyPr wrap="square" rtlCol="0">
+            <a:spAutoFit/>
+          </a:bodyPr>
+          <a:lstStyle/>
+          <a:p>
+            <a:pPr algn="r"/>
+            <a:r>
+              <a:rPr lang="en-US" sz="1800" dirty="0">
+                <a:solidFill>
+                  <a:schemeClr val="accent6"/>
+                </a:solidFill>
+                <a:latin typeface="Wingdings 3" panose="05040102010807070707" pitchFamily="18" charset="2"/>
+              </a:rPr>
+              <a:t>z</a:t>
+            </a:r>
+            <a:endParaRPr lang="en-US" sz="1000" dirty="0">
+              <a:solidFill>
+                <a:schemeClr val="accent6"/>
+              </a:solidFill>
+              <a:latin typeface="MS Shell Dlg 2" panose="020B0604030504040204" pitchFamily="34" charset="0"/>
+            </a:endParaRPr>
+          </a:p>
+        </p:txBody>
+      </p:sp>
+      <p:sp>
+        <p:nvSpPr>
+          <p:cNvPr id="2" name="Title 1"/>
           <p:cNvSpPr>
             <a:spLocks noGrp="1"/>
           </p:cNvSpPr>
@@ -1330,8 +2192,8 @@
         </p:nvSpPr>
         <p:spPr>
           <a:xfrm>
-            <a:off x="839788" y="365125"/>
-            <a:ext cx="10515600" cy="1325563"/>
+            <a:off x="2609873" y="805818"/>
+            <a:ext cx="7956560" cy="1078348"/>
           </a:xfrm>
         </p:spPr>
         <p:txBody>
@@ -1342,13 +2204,13 @@
               <a:rPr lang="hu-HU" smtClean="0"/>
               <a:t>Mintacím szerkesztése</a:t>
             </a:r>
-            <a:endParaRPr lang="hu-HU"/>
-          </a:p>
-        </p:txBody>
-      </p:sp>
-      <p:sp>
-        <p:nvSpPr>
-          <p:cNvPr id="3" name="Szöveg helye 2"/>
+            <a:endParaRPr lang="en-US" dirty="0"/>
+          </a:p>
+        </p:txBody>
+      </p:sp>
+      <p:sp>
+        <p:nvSpPr>
+          <p:cNvPr id="3" name="Text Placeholder 2"/>
           <p:cNvSpPr>
             <a:spLocks noGrp="1"/>
           </p:cNvSpPr>
@@ -1358,16 +2220,25 @@
         </p:nvSpPr>
         <p:spPr>
           <a:xfrm>
-            <a:off x="839788" y="1681163"/>
-            <a:ext cx="5157787" cy="823912"/>
-          </a:xfrm>
-        </p:spPr>
-        <p:txBody>
-          <a:bodyPr anchor="b"/>
+            <a:off x="2609285" y="2052115"/>
+            <a:ext cx="3896467" cy="713818"/>
+          </a:xfrm>
+        </p:spPr>
+        <p:txBody>
+          <a:bodyPr anchor="b">
+            <a:noAutofit/>
+          </a:bodyPr>
           <a:lstStyle>
-            <a:lvl1pPr marL="0" indent="0">
-              <a:buNone/>
-              <a:defRPr sz="2400" b="1"/>
+            <a:lvl1pPr marL="0" indent="0" algn="l">
+              <a:lnSpc>
+                <a:spcPct val="100000"/>
+              </a:lnSpc>
+              <a:buNone/>
+              <a:defRPr sz="2200" b="0" cap="none" baseline="0">
+                <a:solidFill>
+                  <a:schemeClr val="accent6"/>
+                </a:solidFill>
+              </a:defRPr>
             </a:lvl1pPr>
             <a:lvl2pPr marL="457200" indent="0">
               <a:buNone/>
@@ -1413,7 +2284,7 @@
       </p:sp>
       <p:sp>
         <p:nvSpPr>
-          <p:cNvPr id="4" name="Tartalom helye 3"/>
+          <p:cNvPr id="4" name="Content Placeholder 3"/>
           <p:cNvSpPr>
             <a:spLocks noGrp="1"/>
           </p:cNvSpPr>
@@ -1423,8 +2294,8 @@
         </p:nvSpPr>
         <p:spPr>
           <a:xfrm>
-            <a:off x="839788" y="2505075"/>
-            <a:ext cx="5157787" cy="3684588"/>
+            <a:off x="2609285" y="2851331"/>
+            <a:ext cx="3893623" cy="3071434"/>
           </a:xfrm>
         </p:spPr>
         <p:txBody>
@@ -1464,13 +2335,13 @@
               <a:rPr lang="hu-HU" smtClean="0"/>
               <a:t>Ötödik szint</a:t>
             </a:r>
-            <a:endParaRPr lang="hu-HU"/>
-          </a:p>
-        </p:txBody>
-      </p:sp>
-      <p:sp>
-        <p:nvSpPr>
-          <p:cNvPr id="5" name="Szöveg helye 4"/>
+            <a:endParaRPr lang="en-US" dirty="0"/>
+          </a:p>
+        </p:txBody>
+      </p:sp>
+      <p:sp>
+        <p:nvSpPr>
+          <p:cNvPr id="5" name="Text Placeholder 4"/>
           <p:cNvSpPr>
             <a:spLocks noGrp="1"/>
           </p:cNvSpPr>
@@ -1480,16 +2351,25 @@
         </p:nvSpPr>
         <p:spPr>
           <a:xfrm>
-            <a:off x="6172200" y="1681163"/>
-            <a:ext cx="5183188" cy="823912"/>
-          </a:xfrm>
-        </p:spPr>
-        <p:txBody>
-          <a:bodyPr anchor="b"/>
+            <a:off x="6666634" y="2052115"/>
+            <a:ext cx="3899798" cy="713818"/>
+          </a:xfrm>
+        </p:spPr>
+        <p:txBody>
+          <a:bodyPr anchor="b">
+            <a:noAutofit/>
+          </a:bodyPr>
           <a:lstStyle>
-            <a:lvl1pPr marL="0" indent="0">
-              <a:buNone/>
-              <a:defRPr sz="2400" b="1"/>
+            <a:lvl1pPr marL="0" indent="0" algn="l">
+              <a:lnSpc>
+                <a:spcPct val="100000"/>
+              </a:lnSpc>
+              <a:buNone/>
+              <a:defRPr sz="2200" b="0" cap="none" baseline="0">
+                <a:solidFill>
+                  <a:schemeClr val="accent6"/>
+                </a:solidFill>
+              </a:defRPr>
             </a:lvl1pPr>
             <a:lvl2pPr marL="457200" indent="0">
               <a:buNone/>
@@ -1535,7 +2415,7 @@
       </p:sp>
       <p:sp>
         <p:nvSpPr>
-          <p:cNvPr id="6" name="Tartalom helye 5"/>
+          <p:cNvPr id="6" name="Content Placeholder 5"/>
           <p:cNvSpPr>
             <a:spLocks noGrp="1"/>
           </p:cNvSpPr>
@@ -1545,8 +2425,8 @@
         </p:nvSpPr>
         <p:spPr>
           <a:xfrm>
-            <a:off x="6172200" y="2505075"/>
-            <a:ext cx="5183188" cy="3684588"/>
+            <a:off x="6666635" y="2851331"/>
+            <a:ext cx="3899798" cy="3071434"/>
           </a:xfrm>
         </p:spPr>
         <p:txBody>
@@ -1586,13 +2466,13 @@
               <a:rPr lang="hu-HU" smtClean="0"/>
               <a:t>Ötödik szint</a:t>
             </a:r>
-            <a:endParaRPr lang="hu-HU"/>
-          </a:p>
-        </p:txBody>
-      </p:sp>
-      <p:sp>
-        <p:nvSpPr>
-          <p:cNvPr id="7" name="Dátum helye 6"/>
+            <a:endParaRPr lang="en-US" dirty="0"/>
+          </a:p>
+        </p:txBody>
+      </p:sp>
+      <p:sp>
+        <p:nvSpPr>
+          <p:cNvPr id="7" name="Date Placeholder 6"/>
           <p:cNvSpPr>
             <a:spLocks noGrp="1"/>
           </p:cNvSpPr>
@@ -1607,7 +2487,7 @@
           <a:p>
             <a:fld id="{7F46E5F8-1B34-4EE5-A95A-9B2AAC9135C0}" type="datetimeFigureOut">
               <a:rPr lang="hu-HU" smtClean="0"/>
-              <a:t>2022.09.12.</a:t>
+              <a:t>2022.09.19.</a:t>
             </a:fld>
             <a:endParaRPr lang="hu-HU"/>
           </a:p>
@@ -1615,7 +2495,7 @@
       </p:sp>
       <p:sp>
         <p:nvSpPr>
-          <p:cNvPr id="8" name="Élőláb helye 7"/>
+          <p:cNvPr id="8" name="Footer Placeholder 7"/>
           <p:cNvSpPr>
             <a:spLocks noGrp="1"/>
           </p:cNvSpPr>
@@ -1634,7 +2514,7 @@
       </p:sp>
       <p:sp>
         <p:nvSpPr>
-          <p:cNvPr id="9" name="Dia számának helye 8"/>
+          <p:cNvPr id="9" name="Slide Number Placeholder 8"/>
           <p:cNvSpPr>
             <a:spLocks noGrp="1"/>
           </p:cNvSpPr>
@@ -1658,7 +2538,7 @@
     </p:spTree>
     <p:extLst>
       <p:ext uri="{BB962C8B-B14F-4D97-AF65-F5344CB8AC3E}">
-        <p14:creationId xmlns:p14="http://schemas.microsoft.com/office/powerpoint/2010/main" val="2089652271"/>
+        <p14:creationId xmlns:p14="http://schemas.microsoft.com/office/powerpoint/2010/main" val="2836958486"/>
       </p:ext>
     </p:extLst>
   </p:cSld>
@@ -1687,7 +2567,85 @@
       </p:grpSpPr>
       <p:sp>
         <p:nvSpPr>
-          <p:cNvPr id="2" name="Cím 1"/>
+          <p:cNvPr id="13" name="Rectangle 12"/>
+          <p:cNvSpPr/>
+          <p:nvPr/>
+        </p:nvSpPr>
+        <p:spPr>
+          <a:xfrm>
+            <a:off x="1004479" y="0"/>
+            <a:ext cx="10372316" cy="6858000"/>
+          </a:xfrm>
+          <a:prstGeom prst="rect">
+            <a:avLst/>
+          </a:prstGeom>
+          <a:solidFill>
+            <a:schemeClr val="bg2">
+              <a:alpha val="92000"/>
+            </a:schemeClr>
+          </a:solidFill>
+          <a:ln>
+            <a:noFill/>
+          </a:ln>
+        </p:spPr>
+        <p:style>
+          <a:lnRef idx="2">
+            <a:schemeClr val="accent1">
+              <a:shade val="50000"/>
+            </a:schemeClr>
+          </a:lnRef>
+          <a:fillRef idx="1">
+            <a:schemeClr val="accent1"/>
+          </a:fillRef>
+          <a:effectRef idx="0">
+            <a:schemeClr val="accent1"/>
+          </a:effectRef>
+          <a:fontRef idx="minor">
+            <a:schemeClr val="lt1"/>
+          </a:fontRef>
+        </p:style>
+      </p:sp>
+      <p:sp>
+        <p:nvSpPr>
+          <p:cNvPr id="14" name="Rectangle 13"/>
+          <p:cNvSpPr/>
+          <p:nvPr/>
+        </p:nvSpPr>
+        <p:spPr>
+          <a:xfrm>
+            <a:off x="11377328" y="0"/>
+            <a:ext cx="27432" cy="6858000"/>
+          </a:xfrm>
+          <a:prstGeom prst="rect">
+            <a:avLst/>
+          </a:prstGeom>
+          <a:solidFill>
+            <a:schemeClr val="accent6"/>
+          </a:solidFill>
+          <a:ln>
+            <a:noFill/>
+          </a:ln>
+        </p:spPr>
+        <p:style>
+          <a:lnRef idx="2">
+            <a:schemeClr val="accent1">
+              <a:shade val="50000"/>
+            </a:schemeClr>
+          </a:lnRef>
+          <a:fillRef idx="1">
+            <a:schemeClr val="accent1"/>
+          </a:fillRef>
+          <a:effectRef idx="0">
+            <a:schemeClr val="accent1"/>
+          </a:effectRef>
+          <a:fontRef idx="minor">
+            <a:schemeClr val="lt1"/>
+          </a:fontRef>
+        </p:style>
+      </p:sp>
+      <p:sp>
+        <p:nvSpPr>
+          <p:cNvPr id="2" name="Title 1"/>
           <p:cNvSpPr>
             <a:spLocks noGrp="1"/>
           </p:cNvSpPr>
@@ -1704,13 +2662,13 @@
               <a:rPr lang="hu-HU" smtClean="0"/>
               <a:t>Mintacím szerkesztése</a:t>
             </a:r>
-            <a:endParaRPr lang="hu-HU"/>
-          </a:p>
-        </p:txBody>
-      </p:sp>
-      <p:sp>
-        <p:nvSpPr>
-          <p:cNvPr id="3" name="Dátum helye 2"/>
+            <a:endParaRPr lang="en-US" dirty="0"/>
+          </a:p>
+        </p:txBody>
+      </p:sp>
+      <p:sp>
+        <p:nvSpPr>
+          <p:cNvPr id="3" name="Date Placeholder 2"/>
           <p:cNvSpPr>
             <a:spLocks noGrp="1"/>
           </p:cNvSpPr>
@@ -1725,7 +2683,7 @@
           <a:p>
             <a:fld id="{7F46E5F8-1B34-4EE5-A95A-9B2AAC9135C0}" type="datetimeFigureOut">
               <a:rPr lang="hu-HU" smtClean="0"/>
-              <a:t>2022.09.12.</a:t>
+              <a:t>2022.09.19.</a:t>
             </a:fld>
             <a:endParaRPr lang="hu-HU"/>
           </a:p>
@@ -1733,7 +2691,7 @@
       </p:sp>
       <p:sp>
         <p:nvSpPr>
-          <p:cNvPr id="4" name="Élőláb helye 3"/>
+          <p:cNvPr id="4" name="Footer Placeholder 3"/>
           <p:cNvSpPr>
             <a:spLocks noGrp="1"/>
           </p:cNvSpPr>
@@ -1752,7 +2710,7 @@
       </p:sp>
       <p:sp>
         <p:nvSpPr>
-          <p:cNvPr id="5" name="Dia számának helye 4"/>
+          <p:cNvPr id="5" name="Slide Number Placeholder 4"/>
           <p:cNvSpPr>
             <a:spLocks noGrp="1"/>
           </p:cNvSpPr>
@@ -1773,10 +2731,51 @@
           </a:p>
         </p:txBody>
       </p:sp>
+      <p:sp>
+        <p:nvSpPr>
+          <p:cNvPr id="8" name="TextBox 7"/>
+          <p:cNvSpPr txBox="1"/>
+          <p:nvPr/>
+        </p:nvSpPr>
+        <p:spPr>
+          <a:xfrm>
+            <a:off x="2196172" y="641226"/>
+            <a:ext cx="415636" cy="369332"/>
+          </a:xfrm>
+          <a:prstGeom prst="rect">
+            <a:avLst/>
+          </a:prstGeom>
+          <a:noFill/>
+        </p:spPr>
+        <p:txBody>
+          <a:bodyPr wrap="square" rtlCol="0">
+            <a:spAutoFit/>
+          </a:bodyPr>
+          <a:lstStyle/>
+          <a:p>
+            <a:pPr algn="r"/>
+            <a:r>
+              <a:rPr lang="en-US" sz="1800" dirty="0">
+                <a:solidFill>
+                  <a:schemeClr val="accent6"/>
+                </a:solidFill>
+                <a:latin typeface="Wingdings 3" panose="05040102010807070707" pitchFamily="18" charset="2"/>
+              </a:rPr>
+              <a:t>z</a:t>
+            </a:r>
+            <a:endParaRPr lang="en-US" sz="1000" dirty="0">
+              <a:solidFill>
+                <a:schemeClr val="accent6"/>
+              </a:solidFill>
+              <a:latin typeface="MS Shell Dlg 2" panose="020B0604030504040204" pitchFamily="34" charset="0"/>
+            </a:endParaRPr>
+          </a:p>
+        </p:txBody>
+      </p:sp>
     </p:spTree>
     <p:extLst>
       <p:ext uri="{BB962C8B-B14F-4D97-AF65-F5344CB8AC3E}">
-        <p14:creationId xmlns:p14="http://schemas.microsoft.com/office/powerpoint/2010/main" val="1357758973"/>
+        <p14:creationId xmlns:p14="http://schemas.microsoft.com/office/powerpoint/2010/main" val="3649267369"/>
       </p:ext>
     </p:extLst>
   </p:cSld>
@@ -1805,7 +2804,85 @@
       </p:grpSpPr>
       <p:sp>
         <p:nvSpPr>
-          <p:cNvPr id="2" name="Dátum helye 1"/>
+          <p:cNvPr id="12" name="Rectangle 11"/>
+          <p:cNvSpPr/>
+          <p:nvPr/>
+        </p:nvSpPr>
+        <p:spPr>
+          <a:xfrm>
+            <a:off x="1004479" y="0"/>
+            <a:ext cx="10372316" cy="6858000"/>
+          </a:xfrm>
+          <a:prstGeom prst="rect">
+            <a:avLst/>
+          </a:prstGeom>
+          <a:solidFill>
+            <a:schemeClr val="bg2">
+              <a:alpha val="92000"/>
+            </a:schemeClr>
+          </a:solidFill>
+          <a:ln>
+            <a:noFill/>
+          </a:ln>
+        </p:spPr>
+        <p:style>
+          <a:lnRef idx="2">
+            <a:schemeClr val="accent1">
+              <a:shade val="50000"/>
+            </a:schemeClr>
+          </a:lnRef>
+          <a:fillRef idx="1">
+            <a:schemeClr val="accent1"/>
+          </a:fillRef>
+          <a:effectRef idx="0">
+            <a:schemeClr val="accent1"/>
+          </a:effectRef>
+          <a:fontRef idx="minor">
+            <a:schemeClr val="lt1"/>
+          </a:fontRef>
+        </p:style>
+      </p:sp>
+      <p:sp>
+        <p:nvSpPr>
+          <p:cNvPr id="13" name="Rectangle 12"/>
+          <p:cNvSpPr/>
+          <p:nvPr/>
+        </p:nvSpPr>
+        <p:spPr>
+          <a:xfrm>
+            <a:off x="11377328" y="0"/>
+            <a:ext cx="27432" cy="6858000"/>
+          </a:xfrm>
+          <a:prstGeom prst="rect">
+            <a:avLst/>
+          </a:prstGeom>
+          <a:solidFill>
+            <a:schemeClr val="accent6"/>
+          </a:solidFill>
+          <a:ln>
+            <a:noFill/>
+          </a:ln>
+        </p:spPr>
+        <p:style>
+          <a:lnRef idx="2">
+            <a:schemeClr val="accent1">
+              <a:shade val="50000"/>
+            </a:schemeClr>
+          </a:lnRef>
+          <a:fillRef idx="1">
+            <a:schemeClr val="accent1"/>
+          </a:fillRef>
+          <a:effectRef idx="0">
+            <a:schemeClr val="accent1"/>
+          </a:effectRef>
+          <a:fontRef idx="minor">
+            <a:schemeClr val="lt1"/>
+          </a:fontRef>
+        </p:style>
+      </p:sp>
+      <p:sp>
+        <p:nvSpPr>
+          <p:cNvPr id="2" name="Date Placeholder 1"/>
           <p:cNvSpPr>
             <a:spLocks noGrp="1"/>
           </p:cNvSpPr>
@@ -1820,7 +2897,7 @@
           <a:p>
             <a:fld id="{7F46E5F8-1B34-4EE5-A95A-9B2AAC9135C0}" type="datetimeFigureOut">
               <a:rPr lang="hu-HU" smtClean="0"/>
-              <a:t>2022.09.12.</a:t>
+              <a:t>2022.09.19.</a:t>
             </a:fld>
             <a:endParaRPr lang="hu-HU"/>
           </a:p>
@@ -1828,7 +2905,7 @@
       </p:sp>
       <p:sp>
         <p:nvSpPr>
-          <p:cNvPr id="3" name="Élőláb helye 2"/>
+          <p:cNvPr id="3" name="Footer Placeholder 2"/>
           <p:cNvSpPr>
             <a:spLocks noGrp="1"/>
           </p:cNvSpPr>
@@ -1847,7 +2924,7 @@
       </p:sp>
       <p:sp>
         <p:nvSpPr>
-          <p:cNvPr id="4" name="Dia számának helye 3"/>
+          <p:cNvPr id="4" name="Slide Number Placeholder 3"/>
           <p:cNvSpPr>
             <a:spLocks noGrp="1"/>
           </p:cNvSpPr>
@@ -1871,7 +2948,7 @@
     </p:spTree>
     <p:extLst>
       <p:ext uri="{BB962C8B-B14F-4D97-AF65-F5344CB8AC3E}">
-        <p14:creationId xmlns:p14="http://schemas.microsoft.com/office/powerpoint/2010/main" val="3501222032"/>
+        <p14:creationId xmlns:p14="http://schemas.microsoft.com/office/powerpoint/2010/main" val="3925968802"/>
       </p:ext>
     </p:extLst>
   </p:cSld>
@@ -1900,7 +2977,126 @@
       </p:grpSpPr>
       <p:sp>
         <p:nvSpPr>
-          <p:cNvPr id="2" name="Cím 1"/>
+          <p:cNvPr id="25" name="Rectangle 24"/>
+          <p:cNvSpPr/>
+          <p:nvPr/>
+        </p:nvSpPr>
+        <p:spPr>
+          <a:xfrm>
+            <a:off x="1004479" y="0"/>
+            <a:ext cx="10372316" cy="6858000"/>
+          </a:xfrm>
+          <a:prstGeom prst="rect">
+            <a:avLst/>
+          </a:prstGeom>
+          <a:solidFill>
+            <a:schemeClr val="bg2">
+              <a:alpha val="92000"/>
+            </a:schemeClr>
+          </a:solidFill>
+          <a:ln>
+            <a:noFill/>
+          </a:ln>
+        </p:spPr>
+        <p:style>
+          <a:lnRef idx="2">
+            <a:schemeClr val="accent1">
+              <a:shade val="50000"/>
+            </a:schemeClr>
+          </a:lnRef>
+          <a:fillRef idx="1">
+            <a:schemeClr val="accent1"/>
+          </a:fillRef>
+          <a:effectRef idx="0">
+            <a:schemeClr val="accent1"/>
+          </a:effectRef>
+          <a:fontRef idx="minor">
+            <a:schemeClr val="lt1"/>
+          </a:fontRef>
+        </p:style>
+      </p:sp>
+      <p:sp>
+        <p:nvSpPr>
+          <p:cNvPr id="26" name="Rectangle 25"/>
+          <p:cNvSpPr/>
+          <p:nvPr/>
+        </p:nvSpPr>
+        <p:spPr>
+          <a:xfrm>
+            <a:off x="11377328" y="0"/>
+            <a:ext cx="27432" cy="6858000"/>
+          </a:xfrm>
+          <a:prstGeom prst="rect">
+            <a:avLst/>
+          </a:prstGeom>
+          <a:solidFill>
+            <a:schemeClr val="accent6"/>
+          </a:solidFill>
+          <a:ln>
+            <a:noFill/>
+          </a:ln>
+        </p:spPr>
+        <p:style>
+          <a:lnRef idx="2">
+            <a:schemeClr val="accent1">
+              <a:shade val="50000"/>
+            </a:schemeClr>
+          </a:lnRef>
+          <a:fillRef idx="1">
+            <a:schemeClr val="accent1"/>
+          </a:fillRef>
+          <a:effectRef idx="0">
+            <a:schemeClr val="accent1"/>
+          </a:effectRef>
+          <a:fontRef idx="minor">
+            <a:schemeClr val="lt1"/>
+          </a:fontRef>
+        </p:style>
+      </p:sp>
+      <p:sp>
+        <p:nvSpPr>
+          <p:cNvPr id="10" name="TextBox 9"/>
+          <p:cNvSpPr txBox="1"/>
+          <p:nvPr/>
+        </p:nvSpPr>
+        <p:spPr>
+          <a:xfrm>
+            <a:off x="1554154" y="1127550"/>
+            <a:ext cx="415636" cy="369332"/>
+          </a:xfrm>
+          <a:prstGeom prst="rect">
+            <a:avLst/>
+          </a:prstGeom>
+          <a:noFill/>
+        </p:spPr>
+        <p:txBody>
+          <a:bodyPr wrap="square" rtlCol="0">
+            <a:spAutoFit/>
+          </a:bodyPr>
+          <a:lstStyle/>
+          <a:p>
+            <a:pPr algn="r"/>
+            <a:r>
+              <a:rPr lang="en-US" sz="1800" dirty="0">
+                <a:solidFill>
+                  <a:schemeClr val="accent6"/>
+                </a:solidFill>
+                <a:latin typeface="Wingdings 3" panose="05040102010807070707" pitchFamily="18" charset="2"/>
+              </a:rPr>
+              <a:t>z</a:t>
+            </a:r>
+            <a:endParaRPr lang="en-US" sz="1000" dirty="0">
+              <a:solidFill>
+                <a:schemeClr val="accent6"/>
+              </a:solidFill>
+              <a:latin typeface="MS Shell Dlg 2" panose="020B0604030504040204" pitchFamily="34" charset="0"/>
+            </a:endParaRPr>
+          </a:p>
+        </p:txBody>
+      </p:sp>
+      <p:sp>
+        <p:nvSpPr>
+          <p:cNvPr id="2" name="Title 1"/>
           <p:cNvSpPr>
             <a:spLocks noGrp="1"/>
           </p:cNvSpPr>
@@ -1910,15 +3106,17 @@
         </p:nvSpPr>
         <p:spPr>
           <a:xfrm>
-            <a:off x="839788" y="457200"/>
-            <a:ext cx="3932237" cy="1600200"/>
-          </a:xfrm>
-        </p:spPr>
-        <p:txBody>
-          <a:bodyPr anchor="b"/>
+            <a:off x="1970323" y="1282451"/>
+            <a:ext cx="2664361" cy="1903241"/>
+          </a:xfrm>
+        </p:spPr>
+        <p:txBody>
+          <a:bodyPr anchor="b">
+            <a:normAutofit/>
+          </a:bodyPr>
           <a:lstStyle>
-            <a:lvl1pPr>
-              <a:defRPr sz="3200"/>
+            <a:lvl1pPr algn="l">
+              <a:defRPr sz="2400"/>
             </a:lvl1pPr>
           </a:lstStyle>
           <a:p>
@@ -1926,13 +3124,13 @@
               <a:rPr lang="hu-HU" smtClean="0"/>
               <a:t>Mintacím szerkesztése</a:t>
             </a:r>
-            <a:endParaRPr lang="hu-HU"/>
-          </a:p>
-        </p:txBody>
-      </p:sp>
-      <p:sp>
-        <p:nvSpPr>
-          <p:cNvPr id="3" name="Tartalom helye 2"/>
+            <a:endParaRPr lang="en-US" dirty="0"/>
+          </a:p>
+        </p:txBody>
+      </p:sp>
+      <p:sp>
+        <p:nvSpPr>
+          <p:cNvPr id="3" name="Content Placeholder 2"/>
           <p:cNvSpPr>
             <a:spLocks noGrp="1"/>
           </p:cNvSpPr>
@@ -1942,99 +3140,71 @@
         </p:nvSpPr>
         <p:spPr>
           <a:xfrm>
-            <a:off x="5183188" y="987425"/>
-            <a:ext cx="6172200" cy="4873625"/>
+            <a:off x="5120154" y="805818"/>
+            <a:ext cx="5446278" cy="5244126"/>
+          </a:xfrm>
+        </p:spPr>
+        <p:txBody>
+          <a:bodyPr anchor="ctr"/>
+          <a:lstStyle/>
+          <a:p>
+            <a:pPr lvl="0"/>
+            <a:r>
+              <a:rPr lang="hu-HU" smtClean="0"/>
+              <a:t>Mintaszöveg szerkesztése</a:t>
+            </a:r>
+          </a:p>
+          <a:p>
+            <a:pPr lvl="1"/>
+            <a:r>
+              <a:rPr lang="hu-HU" smtClean="0"/>
+              <a:t>Második szint</a:t>
+            </a:r>
+          </a:p>
+          <a:p>
+            <a:pPr lvl="2"/>
+            <a:r>
+              <a:rPr lang="hu-HU" smtClean="0"/>
+              <a:t>Harmadik szint</a:t>
+            </a:r>
+          </a:p>
+          <a:p>
+            <a:pPr lvl="3"/>
+            <a:r>
+              <a:rPr lang="hu-HU" smtClean="0"/>
+              <a:t>Negyedik szint</a:t>
+            </a:r>
+          </a:p>
+          <a:p>
+            <a:pPr lvl="4"/>
+            <a:r>
+              <a:rPr lang="hu-HU" smtClean="0"/>
+              <a:t>Ötödik szint</a:t>
+            </a:r>
+            <a:endParaRPr lang="en-US" dirty="0"/>
+          </a:p>
+        </p:txBody>
+      </p:sp>
+      <p:sp>
+        <p:nvSpPr>
+          <p:cNvPr id="4" name="Text Placeholder 3"/>
+          <p:cNvSpPr>
+            <a:spLocks noGrp="1"/>
+          </p:cNvSpPr>
+          <p:nvPr>
+            <p:ph type="body" sz="half" idx="2"/>
+          </p:nvPr>
+        </p:nvSpPr>
+        <p:spPr>
+          <a:xfrm>
+            <a:off x="1970322" y="3186154"/>
+            <a:ext cx="2664361" cy="2386397"/>
           </a:xfrm>
         </p:spPr>
         <p:txBody>
           <a:bodyPr/>
           <a:lstStyle>
-            <a:lvl1pPr>
-              <a:defRPr sz="3200"/>
-            </a:lvl1pPr>
-            <a:lvl2pPr>
-              <a:defRPr sz="2800"/>
-            </a:lvl2pPr>
-            <a:lvl3pPr>
-              <a:defRPr sz="2400"/>
-            </a:lvl3pPr>
-            <a:lvl4pPr>
-              <a:defRPr sz="2000"/>
-            </a:lvl4pPr>
-            <a:lvl5pPr>
-              <a:defRPr sz="2000"/>
-            </a:lvl5pPr>
-            <a:lvl6pPr>
-              <a:defRPr sz="2000"/>
-            </a:lvl6pPr>
-            <a:lvl7pPr>
-              <a:defRPr sz="2000"/>
-            </a:lvl7pPr>
-            <a:lvl8pPr>
-              <a:defRPr sz="2000"/>
-            </a:lvl8pPr>
-            <a:lvl9pPr>
-              <a:defRPr sz="2000"/>
-            </a:lvl9pPr>
-          </a:lstStyle>
-          <a:p>
-            <a:pPr lvl="0"/>
-            <a:r>
-              <a:rPr lang="hu-HU" smtClean="0"/>
-              <a:t>Mintaszöveg szerkesztése</a:t>
-            </a:r>
-          </a:p>
-          <a:p>
-            <a:pPr lvl="1"/>
-            <a:r>
-              <a:rPr lang="hu-HU" smtClean="0"/>
-              <a:t>Második szint</a:t>
-            </a:r>
-          </a:p>
-          <a:p>
-            <a:pPr lvl="2"/>
-            <a:r>
-              <a:rPr lang="hu-HU" smtClean="0"/>
-              <a:t>Harmadik szint</a:t>
-            </a:r>
-          </a:p>
-          <a:p>
-            <a:pPr lvl="3"/>
-            <a:r>
-              <a:rPr lang="hu-HU" smtClean="0"/>
-              <a:t>Negyedik szint</a:t>
-            </a:r>
-          </a:p>
-          <a:p>
-            <a:pPr lvl="4"/>
-            <a:r>
-              <a:rPr lang="hu-HU" smtClean="0"/>
-              <a:t>Ötödik szint</a:t>
-            </a:r>
-            <a:endParaRPr lang="hu-HU"/>
-          </a:p>
-        </p:txBody>
-      </p:sp>
-      <p:sp>
-        <p:nvSpPr>
-          <p:cNvPr id="4" name="Szöveg helye 3"/>
-          <p:cNvSpPr>
-            <a:spLocks noGrp="1"/>
-          </p:cNvSpPr>
-          <p:nvPr>
-            <p:ph type="body" sz="half" idx="2"/>
-          </p:nvPr>
-        </p:nvSpPr>
-        <p:spPr>
-          <a:xfrm>
-            <a:off x="839788" y="2057400"/>
-            <a:ext cx="3932237" cy="3811588"/>
-          </a:xfrm>
-        </p:spPr>
-        <p:txBody>
-          <a:bodyPr/>
-          <a:lstStyle>
-            <a:lvl1pPr marL="0" indent="0">
+            <a:lvl1pPr marL="0" indent="0" algn="l">
               <a:buNone/>
               <a:defRPr sz="1600"/>
             </a:lvl1pPr>
@@ -2082,7 +3252,7 @@
       </p:sp>
       <p:sp>
         <p:nvSpPr>
-          <p:cNvPr id="5" name="Dátum helye 4"/>
+          <p:cNvPr id="5" name="Date Placeholder 4"/>
           <p:cNvSpPr>
             <a:spLocks noGrp="1"/>
           </p:cNvSpPr>
@@ -2097,7 +3267,7 @@
           <a:p>
             <a:fld id="{7F46E5F8-1B34-4EE5-A95A-9B2AAC9135C0}" type="datetimeFigureOut">
               <a:rPr lang="hu-HU" smtClean="0"/>
-              <a:t>2022.09.12.</a:t>
+              <a:t>2022.09.19.</a:t>
             </a:fld>
             <a:endParaRPr lang="hu-HU"/>
           </a:p>
@@ -2105,7 +3275,7 @@
       </p:sp>
       <p:sp>
         <p:nvSpPr>
-          <p:cNvPr id="6" name="Élőláb helye 5"/>
+          <p:cNvPr id="6" name="Footer Placeholder 5"/>
           <p:cNvSpPr>
             <a:spLocks noGrp="1"/>
           </p:cNvSpPr>
@@ -2124,7 +3294,7 @@
       </p:sp>
       <p:sp>
         <p:nvSpPr>
-          <p:cNvPr id="7" name="Dia számának helye 6"/>
+          <p:cNvPr id="7" name="Slide Number Placeholder 6"/>
           <p:cNvSpPr>
             <a:spLocks noGrp="1"/>
           </p:cNvSpPr>
@@ -2148,7 +3318,7 @@
     </p:spTree>
     <p:extLst>
       <p:ext uri="{BB962C8B-B14F-4D97-AF65-F5344CB8AC3E}">
-        <p14:creationId xmlns:p14="http://schemas.microsoft.com/office/powerpoint/2010/main" val="3796537419"/>
+        <p14:creationId xmlns:p14="http://schemas.microsoft.com/office/powerpoint/2010/main" val="3139625403"/>
       </p:ext>
     </p:extLst>
   </p:cSld>
@@ -2177,7 +3347,215 @@
       </p:grpSpPr>
       <p:sp>
         <p:nvSpPr>
-          <p:cNvPr id="2" name="Cím 1"/>
+          <p:cNvPr id="19" name="Rectangle 18"/>
+          <p:cNvSpPr/>
+          <p:nvPr/>
+        </p:nvSpPr>
+        <p:spPr>
+          <a:xfrm>
+            <a:off x="1004479" y="0"/>
+            <a:ext cx="10372316" cy="6858000"/>
+          </a:xfrm>
+          <a:prstGeom prst="rect">
+            <a:avLst/>
+          </a:prstGeom>
+          <a:solidFill>
+            <a:schemeClr val="bg2">
+              <a:alpha val="92000"/>
+            </a:schemeClr>
+          </a:solidFill>
+          <a:ln>
+            <a:noFill/>
+          </a:ln>
+        </p:spPr>
+        <p:style>
+          <a:lnRef idx="2">
+            <a:schemeClr val="accent1">
+              <a:shade val="50000"/>
+            </a:schemeClr>
+          </a:lnRef>
+          <a:fillRef idx="1">
+            <a:schemeClr val="accent1"/>
+          </a:fillRef>
+          <a:effectRef idx="0">
+            <a:schemeClr val="accent1"/>
+          </a:effectRef>
+          <a:fontRef idx="minor">
+            <a:schemeClr val="lt1"/>
+          </a:fontRef>
+        </p:style>
+      </p:sp>
+      <p:sp>
+        <p:nvSpPr>
+          <p:cNvPr id="20" name="Rectangle 19"/>
+          <p:cNvSpPr/>
+          <p:nvPr/>
+        </p:nvSpPr>
+        <p:spPr>
+          <a:xfrm>
+            <a:off x="11377328" y="0"/>
+            <a:ext cx="27432" cy="6858000"/>
+          </a:xfrm>
+          <a:prstGeom prst="rect">
+            <a:avLst/>
+          </a:prstGeom>
+          <a:solidFill>
+            <a:schemeClr val="accent6"/>
+          </a:solidFill>
+          <a:ln>
+            <a:noFill/>
+          </a:ln>
+        </p:spPr>
+        <p:style>
+          <a:lnRef idx="2">
+            <a:schemeClr val="accent1">
+              <a:shade val="50000"/>
+            </a:schemeClr>
+          </a:lnRef>
+          <a:fillRef idx="1">
+            <a:schemeClr val="accent1"/>
+          </a:fillRef>
+          <a:effectRef idx="0">
+            <a:schemeClr val="accent1"/>
+          </a:effectRef>
+          <a:fontRef idx="minor">
+            <a:schemeClr val="lt1"/>
+          </a:fontRef>
+        </p:style>
+      </p:sp>
+      <p:sp>
+        <p:nvSpPr>
+          <p:cNvPr id="3" name="Picture Placeholder 2"/>
+          <p:cNvSpPr>
+            <a:spLocks noGrp="1" noChangeAspect="1"/>
+          </p:cNvSpPr>
+          <p:nvPr>
+            <p:ph type="pic" idx="1"/>
+          </p:nvPr>
+        </p:nvSpPr>
+        <p:spPr>
+          <a:xfrm>
+            <a:off x="6747062" y="3229"/>
+            <a:ext cx="4629734" cy="6858000"/>
+          </a:xfrm>
+          <a:solidFill>
+            <a:schemeClr val="tx1">
+              <a:alpha val="10000"/>
+            </a:schemeClr>
+          </a:solidFill>
+          <a:ln w="9525" cap="sq">
+            <a:noFill/>
+            <a:miter lim="800000"/>
+          </a:ln>
+          <a:effectLst/>
+          <a:scene3d>
+            <a:camera prst="orthographicFront"/>
+            <a:lightRig rig="twoPt" dir="t">
+              <a:rot lat="0" lon="0" rev="7200000"/>
+            </a:lightRig>
+          </a:scene3d>
+          <a:sp3d>
+            <a:bevelT w="25400" h="19050"/>
+            <a:contourClr>
+              <a:srgbClr val="FFFFFF"/>
+            </a:contourClr>
+          </a:sp3d>
+        </p:spPr>
+        <p:txBody>
+          <a:bodyPr anchor="t">
+            <a:normAutofit/>
+          </a:bodyPr>
+          <a:lstStyle>
+            <a:lvl1pPr marL="0" indent="0" algn="ctr">
+              <a:buNone/>
+              <a:defRPr sz="2800"/>
+            </a:lvl1pPr>
+            <a:lvl2pPr marL="457200" indent="0">
+              <a:buNone/>
+              <a:defRPr sz="2800"/>
+            </a:lvl2pPr>
+            <a:lvl3pPr marL="914400" indent="0">
+              <a:buNone/>
+              <a:defRPr sz="2400"/>
+            </a:lvl3pPr>
+            <a:lvl4pPr marL="1371600" indent="0">
+              <a:buNone/>
+              <a:defRPr sz="2000"/>
+            </a:lvl4pPr>
+            <a:lvl5pPr marL="1828800" indent="0">
+              <a:buNone/>
+              <a:defRPr sz="2000"/>
+            </a:lvl5pPr>
+            <a:lvl6pPr marL="2286000" indent="0">
+              <a:buNone/>
+              <a:defRPr sz="2000"/>
+            </a:lvl6pPr>
+            <a:lvl7pPr marL="2743200" indent="0">
+              <a:buNone/>
+              <a:defRPr sz="2000"/>
+            </a:lvl7pPr>
+            <a:lvl8pPr marL="3200400" indent="0">
+              <a:buNone/>
+              <a:defRPr sz="2000"/>
+            </a:lvl8pPr>
+            <a:lvl9pPr marL="3657600" indent="0">
+              <a:buNone/>
+              <a:defRPr sz="2000"/>
+            </a:lvl9pPr>
+          </a:lstStyle>
+          <a:p>
+            <a:r>
+              <a:rPr lang="hu-HU" smtClean="0"/>
+              <a:t>Kép beszúrásához kattintson az ikonra</a:t>
+            </a:r>
+            <a:endParaRPr lang="en-US" dirty="0"/>
+          </a:p>
+        </p:txBody>
+      </p:sp>
+      <p:sp>
+        <p:nvSpPr>
+          <p:cNvPr id="10" name="TextBox 9"/>
+          <p:cNvSpPr txBox="1"/>
+          <p:nvPr/>
+        </p:nvSpPr>
+        <p:spPr>
+          <a:xfrm>
+            <a:off x="1554686" y="1127550"/>
+            <a:ext cx="415636" cy="369332"/>
+          </a:xfrm>
+          <a:prstGeom prst="rect">
+            <a:avLst/>
+          </a:prstGeom>
+          <a:noFill/>
+        </p:spPr>
+        <p:txBody>
+          <a:bodyPr wrap="square" rtlCol="0">
+            <a:spAutoFit/>
+          </a:bodyPr>
+          <a:lstStyle/>
+          <a:p>
+            <a:pPr algn="r"/>
+            <a:r>
+              <a:rPr lang="en-US" sz="1800" dirty="0">
+                <a:solidFill>
+                  <a:schemeClr val="accent6"/>
+                </a:solidFill>
+                <a:latin typeface="Wingdings 3" panose="05040102010807070707" pitchFamily="18" charset="2"/>
+              </a:rPr>
+              <a:t>z</a:t>
+            </a:r>
+            <a:endParaRPr lang="en-US" sz="1000" dirty="0">
+              <a:solidFill>
+                <a:schemeClr val="accent6"/>
+              </a:solidFill>
+              <a:latin typeface="MS Shell Dlg 2" panose="020B0604030504040204" pitchFamily="34" charset="0"/>
+            </a:endParaRPr>
+          </a:p>
+        </p:txBody>
+      </p:sp>
+      <p:sp>
+        <p:nvSpPr>
+          <p:cNvPr id="2" name="Title 1"/>
           <p:cNvSpPr>
             <a:spLocks noGrp="1"/>
           </p:cNvSpPr>
@@ -2187,14 +3565,16 @@
         </p:nvSpPr>
         <p:spPr>
           <a:xfrm>
-            <a:off x="839788" y="457200"/>
-            <a:ext cx="3932237" cy="1600200"/>
-          </a:xfrm>
-        </p:spPr>
-        <p:txBody>
-          <a:bodyPr anchor="b"/>
+            <a:off x="1971241" y="1282452"/>
+            <a:ext cx="3970986" cy="1900473"/>
+          </a:xfrm>
+        </p:spPr>
+        <p:txBody>
+          <a:bodyPr anchor="b">
+            <a:normAutofit/>
+          </a:bodyPr>
           <a:lstStyle>
-            <a:lvl1pPr>
+            <a:lvl1pPr algn="l">
               <a:defRPr sz="3200"/>
             </a:lvl1pPr>
           </a:lstStyle>
@@ -2203,93 +3583,34 @@
               <a:rPr lang="hu-HU" smtClean="0"/>
               <a:t>Mintacím szerkesztése</a:t>
             </a:r>
-            <a:endParaRPr lang="hu-HU"/>
-          </a:p>
-        </p:txBody>
-      </p:sp>
-      <p:sp>
-        <p:nvSpPr>
-          <p:cNvPr id="3" name="Kép helye 2"/>
-          <p:cNvSpPr>
-            <a:spLocks noGrp="1"/>
-          </p:cNvSpPr>
-          <p:nvPr>
-            <p:ph type="pic" idx="1"/>
-          </p:nvPr>
-        </p:nvSpPr>
-        <p:spPr>
-          <a:xfrm>
-            <a:off x="5183188" y="987425"/>
-            <a:ext cx="6172200" cy="4873625"/>
-          </a:xfrm>
-        </p:spPr>
-        <p:txBody>
-          <a:bodyPr/>
+            <a:endParaRPr lang="en-US" dirty="0"/>
+          </a:p>
+        </p:txBody>
+      </p:sp>
+      <p:sp>
+        <p:nvSpPr>
+          <p:cNvPr id="4" name="Text Placeholder 3"/>
+          <p:cNvSpPr>
+            <a:spLocks noGrp="1"/>
+          </p:cNvSpPr>
+          <p:nvPr>
+            <p:ph type="body" sz="half" idx="2"/>
+          </p:nvPr>
+        </p:nvSpPr>
+        <p:spPr>
+          <a:xfrm>
+            <a:off x="1970322" y="3182928"/>
+            <a:ext cx="3971874" cy="2386394"/>
+          </a:xfrm>
+        </p:spPr>
+        <p:txBody>
+          <a:bodyPr>
+            <a:normAutofit/>
+          </a:bodyPr>
           <a:lstStyle>
-            <a:lvl1pPr marL="0" indent="0">
-              <a:buNone/>
-              <a:defRPr sz="3200"/>
-            </a:lvl1pPr>
-            <a:lvl2pPr marL="457200" indent="0">
-              <a:buNone/>
-              <a:defRPr sz="2800"/>
-            </a:lvl2pPr>
-            <a:lvl3pPr marL="914400" indent="0">
-              <a:buNone/>
-              <a:defRPr sz="2400"/>
-            </a:lvl3pPr>
-            <a:lvl4pPr marL="1371600" indent="0">
+            <a:lvl1pPr marL="0" indent="0" algn="l">
               <a:buNone/>
               <a:defRPr sz="2000"/>
-            </a:lvl4pPr>
-            <a:lvl5pPr marL="1828800" indent="0">
-              <a:buNone/>
-              <a:defRPr sz="2000"/>
-            </a:lvl5pPr>
-            <a:lvl6pPr marL="2286000" indent="0">
-              <a:buNone/>
-              <a:defRPr sz="2000"/>
-            </a:lvl6pPr>
-            <a:lvl7pPr marL="2743200" indent="0">
-              <a:buNone/>
-              <a:defRPr sz="2000"/>
-            </a:lvl7pPr>
-            <a:lvl8pPr marL="3200400" indent="0">
-              <a:buNone/>
-              <a:defRPr sz="2000"/>
-            </a:lvl8pPr>
-            <a:lvl9pPr marL="3657600" indent="0">
-              <a:buNone/>
-              <a:defRPr sz="2000"/>
-            </a:lvl9pPr>
-          </a:lstStyle>
-          <a:p>
-            <a:endParaRPr lang="hu-HU"/>
-          </a:p>
-        </p:txBody>
-      </p:sp>
-      <p:sp>
-        <p:nvSpPr>
-          <p:cNvPr id="4" name="Szöveg helye 3"/>
-          <p:cNvSpPr>
-            <a:spLocks noGrp="1"/>
-          </p:cNvSpPr>
-          <p:nvPr>
-            <p:ph type="body" sz="half" idx="2"/>
-          </p:nvPr>
-        </p:nvSpPr>
-        <p:spPr>
-          <a:xfrm>
-            <a:off x="839788" y="2057400"/>
-            <a:ext cx="3932237" cy="3811588"/>
-          </a:xfrm>
-        </p:spPr>
-        <p:txBody>
-          <a:bodyPr/>
-          <a:lstStyle>
-            <a:lvl1pPr marL="0" indent="0">
-              <a:buNone/>
-              <a:defRPr sz="1600"/>
             </a:lvl1pPr>
             <a:lvl2pPr marL="457200" indent="0">
               <a:buNone/>
@@ -2335,7 +3656,7 @@
       </p:sp>
       <p:sp>
         <p:nvSpPr>
-          <p:cNvPr id="5" name="Dátum helye 4"/>
+          <p:cNvPr id="5" name="Date Placeholder 4"/>
           <p:cNvSpPr>
             <a:spLocks noGrp="1"/>
           </p:cNvSpPr>
@@ -2350,7 +3671,7 @@
           <a:p>
             <a:fld id="{7F46E5F8-1B34-4EE5-A95A-9B2AAC9135C0}" type="datetimeFigureOut">
               <a:rPr lang="hu-HU" smtClean="0"/>
-              <a:t>2022.09.12.</a:t>
+              <a:t>2022.09.19.</a:t>
             </a:fld>
             <a:endParaRPr lang="hu-HU"/>
           </a:p>
@@ -2358,7 +3679,7 @@
       </p:sp>
       <p:sp>
         <p:nvSpPr>
-          <p:cNvPr id="6" name="Élőláb helye 5"/>
+          <p:cNvPr id="6" name="Footer Placeholder 5"/>
           <p:cNvSpPr>
             <a:spLocks noGrp="1"/>
           </p:cNvSpPr>
@@ -2377,7 +3698,7 @@
       </p:sp>
       <p:sp>
         <p:nvSpPr>
-          <p:cNvPr id="7" name="Dia számának helye 6"/>
+          <p:cNvPr id="7" name="Slide Number Placeholder 6"/>
           <p:cNvSpPr>
             <a:spLocks noGrp="1"/>
           </p:cNvSpPr>
@@ -2401,7 +3722,7 @@
     </p:spTree>
     <p:extLst>
       <p:ext uri="{BB962C8B-B14F-4D97-AF65-F5344CB8AC3E}">
-        <p14:creationId xmlns:p14="http://schemas.microsoft.com/office/powerpoint/2010/main" val="3175473793"/>
+        <p14:creationId xmlns:p14="http://schemas.microsoft.com/office/powerpoint/2010/main" val="2567393057"/>
       </p:ext>
     </p:extLst>
   </p:cSld>
@@ -2415,7 +3736,7 @@
 <p:sldMaster xmlns:a="http://schemas.openxmlformats.org/drawingml/2006/main" xmlns:r="http://schemas.openxmlformats.org/officeDocument/2006/relationships" xmlns:p="http://schemas.openxmlformats.org/presentationml/2006/main">
   <p:cSld>
     <p:bg>
-      <p:bgRef idx="1001">
+      <p:bgRef idx="1003">
         <a:schemeClr val="bg1"/>
       </p:bgRef>
     </p:bg>
@@ -2433,58 +3754,156 @@
           <a:chExt cx="0" cy="0"/>
         </a:xfrm>
       </p:grpSpPr>
-      <p:sp>
-        <p:nvSpPr>
-          <p:cNvPr id="2" name="Cím helye 1"/>
-          <p:cNvSpPr>
-            <a:spLocks noGrp="1"/>
-          </p:cNvSpPr>
-          <p:nvPr>
-            <p:ph type="title"/>
-          </p:nvPr>
-        </p:nvSpPr>
-        <p:spPr>
-          <a:xfrm>
-            <a:off x="838200" y="365125"/>
-            <a:ext cx="10515600" cy="1325563"/>
+      <p:pic>
+        <p:nvPicPr>
+          <p:cNvPr id="18" name="Picture 17"/>
+          <p:cNvPicPr>
+            <a:picLocks noChangeAspect="1"/>
+          </p:cNvPicPr>
+          <p:nvPr/>
+        </p:nvPicPr>
+        <p:blipFill>
+          <a:blip r:embed="rId13">
+            <a:extLst>
+              <a:ext uri="{28A0092B-C50C-407E-A947-70E740481C1C}">
+                <a14:useLocalDpi xmlns:a14="http://schemas.microsoft.com/office/drawing/2010/main" val="0"/>
+              </a:ext>
+            </a:extLst>
+          </a:blip>
+          <a:stretch>
+            <a:fillRect/>
+          </a:stretch>
+        </p:blipFill>
+        <p:spPr>
+          <a:xfrm>
+            <a:off x="2831794" y="2105202"/>
+            <a:ext cx="9360205" cy="4752798"/>
           </a:xfrm>
           <a:prstGeom prst="rect">
             <a:avLst/>
           </a:prstGeom>
         </p:spPr>
-        <p:txBody>
-          <a:bodyPr vert="horz" lIns="91440" tIns="45720" rIns="91440" bIns="45720" rtlCol="0" anchor="ctr">
-            <a:normAutofit/>
-          </a:bodyPr>
-          <a:lstStyle/>
-          <a:p>
-            <a:r>
-              <a:rPr lang="hu-HU" smtClean="0"/>
-              <a:t>Mintacím szerkesztése</a:t>
-            </a:r>
-            <a:endParaRPr lang="hu-HU"/>
-          </a:p>
-        </p:txBody>
-      </p:sp>
-      <p:sp>
-        <p:nvSpPr>
-          <p:cNvPr id="3" name="Szöveg helye 2"/>
-          <p:cNvSpPr>
-            <a:spLocks noGrp="1"/>
-          </p:cNvSpPr>
-          <p:nvPr>
-            <p:ph type="body" idx="1"/>
-          </p:nvPr>
-        </p:nvSpPr>
-        <p:spPr>
-          <a:xfrm>
-            <a:off x="838200" y="1825625"/>
-            <a:ext cx="10515600" cy="4351338"/>
+      </p:pic>
+      <p:pic>
+        <p:nvPicPr>
+          <p:cNvPr id="15" name="Picture 14"/>
+          <p:cNvPicPr>
+            <a:picLocks noChangeAspect="1"/>
+          </p:cNvPicPr>
+          <p:nvPr/>
+        </p:nvPicPr>
+        <p:blipFill>
+          <a:blip r:embed="rId14">
+            <a:extLst>
+              <a:ext uri="{28A0092B-C50C-407E-A947-70E740481C1C}">
+                <a14:useLocalDpi xmlns:a14="http://schemas.microsoft.com/office/drawing/2010/main" val="0"/>
+              </a:ext>
+            </a:extLst>
+          </a:blip>
+          <a:stretch>
+            <a:fillRect/>
+          </a:stretch>
+        </p:blipFill>
+        <p:spPr>
+          <a:xfrm>
+            <a:off x="0" y="0"/>
+            <a:ext cx="12189867" cy="6858000"/>
           </a:xfrm>
           <a:prstGeom prst="rect">
             <a:avLst/>
           </a:prstGeom>
         </p:spPr>
+      </p:pic>
+      <p:sp>
+        <p:nvSpPr>
+          <p:cNvPr id="8" name="Rectangle 7"/>
+          <p:cNvSpPr/>
+          <p:nvPr/>
+        </p:nvSpPr>
+        <p:spPr>
+          <a:xfrm>
+            <a:off x="0" y="0"/>
+            <a:ext cx="964174" cy="6858000"/>
+          </a:xfrm>
+          <a:prstGeom prst="rect">
+            <a:avLst/>
+          </a:prstGeom>
+          <a:solidFill>
+            <a:schemeClr val="bg2"/>
+          </a:solidFill>
+          <a:ln>
+            <a:noFill/>
+          </a:ln>
+        </p:spPr>
+        <p:style>
+          <a:lnRef idx="2">
+            <a:schemeClr val="accent1">
+              <a:shade val="50000"/>
+            </a:schemeClr>
+          </a:lnRef>
+          <a:fillRef idx="1">
+            <a:schemeClr val="accent1"/>
+          </a:fillRef>
+          <a:effectRef idx="0">
+            <a:schemeClr val="accent1"/>
+          </a:effectRef>
+          <a:fontRef idx="minor">
+            <a:schemeClr val="lt1"/>
+          </a:fontRef>
+        </p:style>
+      </p:sp>
+      <p:sp>
+        <p:nvSpPr>
+          <p:cNvPr id="2" name="Title Placeholder 1"/>
+          <p:cNvSpPr>
+            <a:spLocks noGrp="1"/>
+          </p:cNvSpPr>
+          <p:nvPr>
+            <p:ph type="title"/>
+          </p:nvPr>
+        </p:nvSpPr>
+        <p:spPr>
+          <a:xfrm>
+            <a:off x="2611808" y="808056"/>
+            <a:ext cx="7958331" cy="1077229"/>
+          </a:xfrm>
+          <a:prstGeom prst="rect">
+            <a:avLst/>
+          </a:prstGeom>
+        </p:spPr>
+        <p:txBody>
+          <a:bodyPr vert="horz" lIns="91440" tIns="45720" rIns="91440" bIns="45720" rtlCol="0" anchor="t">
+            <a:normAutofit/>
+          </a:bodyPr>
+          <a:lstStyle/>
+          <a:p>
+            <a:r>
+              <a:rPr lang="hu-HU" smtClean="0"/>
+              <a:t>Mintacím szerkesztése</a:t>
+            </a:r>
+            <a:endParaRPr lang="en-US" dirty="0"/>
+          </a:p>
+        </p:txBody>
+      </p:sp>
+      <p:sp>
+        <p:nvSpPr>
+          <p:cNvPr id="3" name="Text Placeholder 2"/>
+          <p:cNvSpPr>
+            <a:spLocks noGrp="1"/>
+          </p:cNvSpPr>
+          <p:nvPr>
+            <p:ph type="body" idx="1"/>
+          </p:nvPr>
+        </p:nvSpPr>
+        <p:spPr>
+          <a:xfrm>
+            <a:off x="2773599" y="2052116"/>
+            <a:ext cx="7796540" cy="3997828"/>
+          </a:xfrm>
+          <a:prstGeom prst="rect">
+            <a:avLst/>
+          </a:prstGeom>
+        </p:spPr>
         <p:txBody>
           <a:bodyPr vert="horz" lIns="91440" tIns="45720" rIns="91440" bIns="45720" rtlCol="0">
             <a:normAutofit/>
@@ -2493,44 +3912,71 @@
           <a:p>
             <a:pPr lvl="0"/>
             <a:r>
-              <a:rPr lang="hu-HU" smtClean="0"/>
-              <a:t>Mintaszöveg szerkesztése</a:t>
+              <a:rPr lang="en-US" dirty="0"/>
+              <a:t>Edit Master text styles</a:t>
             </a:r>
           </a:p>
           <a:p>
             <a:pPr lvl="1"/>
             <a:r>
-              <a:rPr lang="hu-HU" smtClean="0"/>
-              <a:t>Második szint</a:t>
+              <a:rPr lang="en-US" dirty="0"/>
+              <a:t>Second level</a:t>
             </a:r>
           </a:p>
           <a:p>
             <a:pPr lvl="2"/>
             <a:r>
-              <a:rPr lang="hu-HU" smtClean="0"/>
-              <a:t>Harmadik szint</a:t>
+              <a:rPr lang="en-US" dirty="0"/>
+              <a:t>Third level</a:t>
             </a:r>
           </a:p>
           <a:p>
             <a:pPr lvl="3"/>
             <a:r>
-              <a:rPr lang="hu-HU" smtClean="0"/>
-              <a:t>Negyedik szint</a:t>
+              <a:rPr lang="en-US" dirty="0"/>
+              <a:t>Fourth level</a:t>
             </a:r>
           </a:p>
           <a:p>
             <a:pPr lvl="4"/>
             <a:r>
-              <a:rPr lang="hu-HU" smtClean="0"/>
-              <a:t>Ötödik szint</a:t>
-            </a:r>
-            <a:endParaRPr lang="hu-HU"/>
-          </a:p>
-        </p:txBody>
-      </p:sp>
-      <p:sp>
-        <p:nvSpPr>
-          <p:cNvPr id="4" name="Dátum helye 3"/>
+              <a:rPr lang="en-US" dirty="0"/>
+              <a:t>Fifth level</a:t>
+            </a:r>
+          </a:p>
+          <a:p>
+            <a:pPr lvl="5"/>
+            <a:r>
+              <a:rPr lang="en-US" dirty="0"/>
+              <a:t>Sixth level</a:t>
+            </a:r>
+          </a:p>
+          <a:p>
+            <a:pPr lvl="6"/>
+            <a:r>
+              <a:rPr lang="en-US" dirty="0"/>
+              <a:t>Seventh level</a:t>
+            </a:r>
+          </a:p>
+          <a:p>
+            <a:pPr lvl="7"/>
+            <a:r>
+              <a:rPr lang="en-US" dirty="0"/>
+              <a:t>Eigth level</a:t>
+            </a:r>
+          </a:p>
+          <a:p>
+            <a:pPr lvl="8"/>
+            <a:r>
+              <a:rPr lang="en-US" dirty="0"/>
+              <a:t>Ninth level</a:t>
+            </a:r>
+          </a:p>
+        </p:txBody>
+      </p:sp>
+      <p:sp>
+        <p:nvSpPr>
+          <p:cNvPr id="4" name="Date Placeholder 3"/>
           <p:cNvSpPr>
             <a:spLocks noGrp="1"/>
           </p:cNvSpPr>
@@ -2539,19 +3985,61 @@
           </p:nvPr>
         </p:nvSpPr>
         <p:spPr>
-          <a:xfrm>
-            <a:off x="838200" y="6356350"/>
-            <a:ext cx="2743200" cy="365125"/>
+          <a:xfrm rot="5400000">
+            <a:off x="-810065" y="5270604"/>
+            <a:ext cx="2662729" cy="182880"/>
           </a:xfrm>
           <a:prstGeom prst="rect">
             <a:avLst/>
           </a:prstGeom>
         </p:spPr>
         <p:txBody>
-          <a:bodyPr vert="horz" lIns="91440" tIns="45720" rIns="91440" bIns="45720" rtlCol="0" anchor="ctr"/>
+          <a:bodyPr vert="horz" lIns="91440" tIns="18288" rIns="91440" bIns="45720" rtlCol="0" anchor="t"/>
           <a:lstStyle>
-            <a:lvl1pPr algn="l">
-              <a:defRPr sz="1200">
+            <a:lvl1pPr algn="r">
+              <a:defRPr sz="800">
+                <a:solidFill>
+                  <a:schemeClr val="tx1">
+                    <a:tint val="75000"/>
+                  </a:schemeClr>
+                </a:solidFill>
+                <a:latin typeface="+mn-lt"/>
+              </a:defRPr>
+            </a:lvl1pPr>
+          </a:lstStyle>
+          <a:p>
+            <a:fld id="{7F46E5F8-1B34-4EE5-A95A-9B2AAC9135C0}" type="datetimeFigureOut">
+              <a:rPr lang="hu-HU" smtClean="0"/>
+              <a:t>2022.09.19.</a:t>
+            </a:fld>
+            <a:endParaRPr lang="hu-HU"/>
+          </a:p>
+        </p:txBody>
+      </p:sp>
+      <p:sp>
+        <p:nvSpPr>
+          <p:cNvPr id="5" name="Footer Placeholder 4"/>
+          <p:cNvSpPr>
+            <a:spLocks noGrp="1"/>
+          </p:cNvSpPr>
+          <p:nvPr>
+            <p:ph type="ftr" sz="quarter" idx="3"/>
+          </p:nvPr>
+        </p:nvSpPr>
+        <p:spPr>
+          <a:xfrm rot="5400000">
+            <a:off x="-2237130" y="3661144"/>
+            <a:ext cx="5885352" cy="179176"/>
+          </a:xfrm>
+          <a:prstGeom prst="rect">
+            <a:avLst/>
+          </a:prstGeom>
+        </p:spPr>
+        <p:txBody>
+          <a:bodyPr vert="horz" lIns="91440" tIns="45720" rIns="91440" bIns="18288" rtlCol="0" anchor="b"/>
+          <a:lstStyle>
+            <a:lvl1pPr algn="r">
+              <a:defRPr sz="800">
                 <a:solidFill>
                   <a:schemeClr val="tx1">
                     <a:tint val="75000"/>
@@ -2561,38 +4049,34 @@
             </a:lvl1pPr>
           </a:lstStyle>
           <a:p>
-            <a:fld id="{7F46E5F8-1B34-4EE5-A95A-9B2AAC9135C0}" type="datetimeFigureOut">
-              <a:rPr lang="hu-HU" smtClean="0"/>
-              <a:t>2022.09.12.</a:t>
-            </a:fld>
             <a:endParaRPr lang="hu-HU"/>
           </a:p>
         </p:txBody>
       </p:sp>
       <p:sp>
         <p:nvSpPr>
-          <p:cNvPr id="5" name="Élőláb helye 4"/>
-          <p:cNvSpPr>
-            <a:spLocks noGrp="1"/>
-          </p:cNvSpPr>
-          <p:nvPr>
-            <p:ph type="ftr" sz="quarter" idx="3"/>
-          </p:nvPr>
-        </p:nvSpPr>
-        <p:spPr>
-          <a:xfrm>
-            <a:off x="4038600" y="6356350"/>
-            <a:ext cx="4114800" cy="365125"/>
+          <p:cNvPr id="6" name="Slide Number Placeholder 5"/>
+          <p:cNvSpPr>
+            <a:spLocks noGrp="1"/>
+          </p:cNvSpPr>
+          <p:nvPr>
+            <p:ph type="sldNum" sz="quarter" idx="4"/>
+          </p:nvPr>
+        </p:nvSpPr>
+        <p:spPr>
+          <a:xfrm>
+            <a:off x="158407" y="164592"/>
+            <a:ext cx="636727" cy="322851"/>
           </a:xfrm>
           <a:prstGeom prst="rect">
             <a:avLst/>
           </a:prstGeom>
         </p:spPr>
         <p:txBody>
-          <a:bodyPr vert="horz" lIns="91440" tIns="45720" rIns="91440" bIns="45720" rtlCol="0" anchor="ctr"/>
+          <a:bodyPr vert="horz" lIns="91440" tIns="45720" rIns="45720" bIns="45720" rtlCol="0" anchor="ctr"/>
           <a:lstStyle>
-            <a:lvl1pPr algn="ctr">
-              <a:defRPr sz="1200">
+            <a:lvl1pPr algn="r">
+              <a:defRPr sz="1800">
                 <a:solidFill>
                   <a:schemeClr val="tx1">
                     <a:tint val="75000"/>
@@ -2602,75 +4086,76 @@
             </a:lvl1pPr>
           </a:lstStyle>
           <a:p>
+            <a:fld id="{9FA9F63E-6CAF-491C-A847-638724652965}" type="slidenum">
+              <a:rPr lang="hu-HU" smtClean="0"/>
+              <a:t>‹#›</a:t>
+            </a:fld>
             <a:endParaRPr lang="hu-HU"/>
           </a:p>
         </p:txBody>
       </p:sp>
       <p:sp>
         <p:nvSpPr>
-          <p:cNvPr id="6" name="Dia számának helye 5"/>
-          <p:cNvSpPr>
-            <a:spLocks noGrp="1"/>
-          </p:cNvSpPr>
-          <p:nvPr>
-            <p:ph type="sldNum" sz="quarter" idx="4"/>
-          </p:nvPr>
-        </p:nvSpPr>
-        <p:spPr>
-          <a:xfrm>
-            <a:off x="8610600" y="6356350"/>
-            <a:ext cx="2743200" cy="365125"/>
+          <p:cNvPr id="57" name="Rectangle 56"/>
+          <p:cNvSpPr/>
+          <p:nvPr/>
+        </p:nvSpPr>
+        <p:spPr>
+          <a:xfrm>
+            <a:off x="962042" y="0"/>
+            <a:ext cx="45719" cy="6858000"/>
           </a:xfrm>
           <a:prstGeom prst="rect">
             <a:avLst/>
           </a:prstGeom>
-        </p:spPr>
-        <p:txBody>
-          <a:bodyPr vert="horz" lIns="91440" tIns="45720" rIns="91440" bIns="45720" rtlCol="0" anchor="ctr"/>
-          <a:lstStyle>
-            <a:lvl1pPr algn="r">
-              <a:defRPr sz="1200">
-                <a:solidFill>
-                  <a:schemeClr val="tx1">
-                    <a:tint val="75000"/>
-                  </a:schemeClr>
-                </a:solidFill>
-              </a:defRPr>
-            </a:lvl1pPr>
-          </a:lstStyle>
-          <a:p>
-            <a:fld id="{9FA9F63E-6CAF-491C-A847-638724652965}" type="slidenum">
-              <a:rPr lang="hu-HU" smtClean="0"/>
-              <a:t>‹#›</a:t>
-            </a:fld>
-            <a:endParaRPr lang="hu-HU"/>
-          </a:p>
-        </p:txBody>
+          <a:solidFill>
+            <a:schemeClr val="accent6"/>
+          </a:solidFill>
+          <a:ln>
+            <a:noFill/>
+          </a:ln>
+        </p:spPr>
+        <p:style>
+          <a:lnRef idx="2">
+            <a:schemeClr val="accent1">
+              <a:shade val="50000"/>
+            </a:schemeClr>
+          </a:lnRef>
+          <a:fillRef idx="1">
+            <a:schemeClr val="accent1"/>
+          </a:fillRef>
+          <a:effectRef idx="0">
+            <a:schemeClr val="accent1"/>
+          </a:effectRef>
+          <a:fontRef idx="minor">
+            <a:schemeClr val="lt1"/>
+          </a:fontRef>
+        </p:style>
       </p:sp>
     </p:spTree>
     <p:extLst>
       <p:ext uri="{BB962C8B-B14F-4D97-AF65-F5344CB8AC3E}">
-        <p14:creationId xmlns:p14="http://schemas.microsoft.com/office/powerpoint/2010/main" val="817891887"/>
+        <p14:creationId xmlns:p14="http://schemas.microsoft.com/office/powerpoint/2010/main" val="1190123821"/>
       </p:ext>
     </p:extLst>
   </p:cSld>
-  <p:clrMap bg1="lt1" tx1="dk1" bg2="lt2" tx2="dk2" accent1="accent1" accent2="accent2" accent3="accent3" accent4="accent4" accent5="accent5" accent6="accent6" hlink="hlink" folHlink="folHlink"/>
+  <p:clrMap bg1="dk1" tx1="lt1" bg2="dk2" tx2="lt2" accent1="accent1" accent2="accent2" accent3="accent3" accent4="accent4" accent5="accent5" accent6="accent6" hlink="hlink" folHlink="folHlink"/>
   <p:sldLayoutIdLst>
-    <p:sldLayoutId id="2147483649" r:id="rId1"/>
-    <p:sldLayoutId id="2147483650" r:id="rId2"/>
-    <p:sldLayoutId id="2147483651" r:id="rId3"/>
-    <p:sldLayoutId id="2147483652" r:id="rId4"/>
-    <p:sldLayoutId id="2147483653" r:id="rId5"/>
-    <p:sldLayoutId id="2147483654" r:id="rId6"/>
-    <p:sldLayoutId id="2147483655" r:id="rId7"/>
-    <p:sldLayoutId id="2147483656" r:id="rId8"/>
-    <p:sldLayoutId id="2147483657" r:id="rId9"/>
-    <p:sldLayoutId id="2147483658" r:id="rId10"/>
-    <p:sldLayoutId id="2147483659" r:id="rId11"/>
+    <p:sldLayoutId id="2147483673" r:id="rId1"/>
+    <p:sldLayoutId id="2147483674" r:id="rId2"/>
+    <p:sldLayoutId id="2147483675" r:id="rId3"/>
+    <p:sldLayoutId id="2147483676" r:id="rId4"/>
+    <p:sldLayoutId id="2147483677" r:id="rId5"/>
+    <p:sldLayoutId id="2147483678" r:id="rId6"/>
+    <p:sldLayoutId id="2147483679" r:id="rId7"/>
+    <p:sldLayoutId id="2147483680" r:id="rId8"/>
+    <p:sldLayoutId id="2147483681" r:id="rId9"/>
+    <p:sldLayoutId id="2147483682" r:id="rId10"/>
+    <p:sldLayoutId id="2147483683" r:id="rId11"/>
   </p:sldLayoutIdLst>
   <p:txStyles>
     <p:titleStyle>
-      <a:lvl1pPr algn="l" defTabSz="914400" rtl="0" eaLnBrk="1" latinLnBrk="0" hangingPunct="1">
+      <a:lvl1pPr algn="r" defTabSz="914400" rtl="0" eaLnBrk="1" latinLnBrk="0" hangingPunct="1">
         <a:lnSpc>
           <a:spcPct val="90000"/>
         </a:lnSpc>
@@ -2678,10 +4163,11 @@
           <a:spcPct val="0"/>
         </a:spcBef>
         <a:buNone/>
-        <a:defRPr sz="4400" kern="1200">
+        <a:defRPr sz="3400" b="0" i="0" kern="1200" cap="none">
           <a:solidFill>
             <a:schemeClr val="tx1"/>
           </a:solidFill>
+          <a:effectLst/>
           <a:latin typeface="+mj-lt"/>
           <a:ea typeface="+mj-ea"/>
           <a:cs typeface="+mj-cs"/>
@@ -2689,163 +4175,235 @@
       </a:lvl1pPr>
     </p:titleStyle>
     <p:bodyStyle>
-      <a:lvl1pPr marL="228600" indent="-228600" algn="l" defTabSz="914400" rtl="0" eaLnBrk="1" latinLnBrk="0" hangingPunct="1">
+      <a:lvl1pPr marL="344488" indent="-344488" algn="l" defTabSz="914400" rtl="0" eaLnBrk="1" latinLnBrk="0" hangingPunct="1">
         <a:lnSpc>
-          <a:spcPct val="90000"/>
+          <a:spcPct val="120000"/>
         </a:lnSpc>
         <a:spcBef>
           <a:spcPts val="1000"/>
         </a:spcBef>
-        <a:buFont typeface="Arial" panose="020B0604020202020204" pitchFamily="34" charset="0"/>
-        <a:buChar char="•"/>
-        <a:defRPr sz="2800" kern="1200">
+        <a:spcAft>
+          <a:spcPts val="600"/>
+        </a:spcAft>
+        <a:buClr>
+          <a:schemeClr val="accent6"/>
+        </a:buClr>
+        <a:buSzPct val="90000"/>
+        <a:buFont typeface="Wingdings" panose="05000000000000000000" pitchFamily="2" charset="2"/>
+        <a:buChar char="§"/>
+        <a:defRPr sz="2000" kern="1200">
           <a:solidFill>
             <a:schemeClr val="tx1"/>
           </a:solidFill>
+          <a:effectLst/>
           <a:latin typeface="+mn-lt"/>
           <a:ea typeface="+mn-ea"/>
           <a:cs typeface="+mn-cs"/>
         </a:defRPr>
       </a:lvl1pPr>
-      <a:lvl2pPr marL="685800" indent="-228600" algn="l" defTabSz="914400" rtl="0" eaLnBrk="1" latinLnBrk="0" hangingPunct="1">
+      <a:lvl2pPr marL="795338" indent="-338138" algn="l" defTabSz="914400" rtl="0" eaLnBrk="1" latinLnBrk="0" hangingPunct="1">
         <a:lnSpc>
-          <a:spcPct val="90000"/>
+          <a:spcPct val="120000"/>
         </a:lnSpc>
         <a:spcBef>
           <a:spcPts val="500"/>
         </a:spcBef>
-        <a:buFont typeface="Arial" panose="020B0604020202020204" pitchFamily="34" charset="0"/>
-        <a:buChar char="•"/>
-        <a:defRPr sz="2400" kern="1200">
+        <a:spcAft>
+          <a:spcPts val="600"/>
+        </a:spcAft>
+        <a:buClr>
+          <a:schemeClr val="accent6"/>
+        </a:buClr>
+        <a:buSzPct val="90000"/>
+        <a:buFont typeface="Wingdings" panose="05000000000000000000" pitchFamily="2" charset="2"/>
+        <a:buChar char="§"/>
+        <a:defRPr sz="1800" kern="1200">
           <a:solidFill>
             <a:schemeClr val="tx1"/>
           </a:solidFill>
+          <a:effectLst/>
           <a:latin typeface="+mn-lt"/>
           <a:ea typeface="+mn-ea"/>
           <a:cs typeface="+mn-cs"/>
         </a:defRPr>
       </a:lvl2pPr>
-      <a:lvl3pPr marL="1143000" indent="-228600" algn="l" defTabSz="914400" rtl="0" eaLnBrk="1" latinLnBrk="0" hangingPunct="1">
+      <a:lvl3pPr marL="1258888" indent="-344488" algn="l" defTabSz="914400" rtl="0" eaLnBrk="1" latinLnBrk="0" hangingPunct="1">
         <a:lnSpc>
-          <a:spcPct val="90000"/>
+          <a:spcPct val="120000"/>
         </a:lnSpc>
         <a:spcBef>
           <a:spcPts val="500"/>
         </a:spcBef>
-        <a:buFont typeface="Arial" panose="020B0604020202020204" pitchFamily="34" charset="0"/>
-        <a:buChar char="•"/>
-        <a:defRPr sz="2000" kern="1200">
+        <a:spcAft>
+          <a:spcPts val="600"/>
+        </a:spcAft>
+        <a:buClr>
+          <a:schemeClr val="accent6"/>
+        </a:buClr>
+        <a:buSzPct val="90000"/>
+        <a:buFont typeface="Wingdings" panose="05000000000000000000" pitchFamily="2" charset="2"/>
+        <a:buChar char="§"/>
+        <a:defRPr sz="1600" kern="1200">
           <a:solidFill>
             <a:schemeClr val="tx1"/>
           </a:solidFill>
+          <a:effectLst/>
           <a:latin typeface="+mn-lt"/>
           <a:ea typeface="+mn-ea"/>
           <a:cs typeface="+mn-cs"/>
         </a:defRPr>
       </a:lvl3pPr>
-      <a:lvl4pPr marL="1600200" indent="-228600" algn="l" defTabSz="914400" rtl="0" eaLnBrk="1" latinLnBrk="0" hangingPunct="1">
+      <a:lvl4pPr marL="1709738" indent="-338138" algn="l" defTabSz="914400" rtl="0" eaLnBrk="1" latinLnBrk="0" hangingPunct="1">
         <a:lnSpc>
-          <a:spcPct val="90000"/>
+          <a:spcPct val="120000"/>
         </a:lnSpc>
         <a:spcBef>
           <a:spcPts val="500"/>
         </a:spcBef>
-        <a:buFont typeface="Arial" panose="020B0604020202020204" pitchFamily="34" charset="0"/>
-        <a:buChar char="•"/>
-        <a:defRPr sz="1800" kern="1200">
+        <a:spcAft>
+          <a:spcPts val="600"/>
+        </a:spcAft>
+        <a:buClr>
+          <a:schemeClr val="accent6"/>
+        </a:buClr>
+        <a:buSzPct val="90000"/>
+        <a:buFont typeface="Wingdings" panose="05000000000000000000" pitchFamily="2" charset="2"/>
+        <a:buChar char="§"/>
+        <a:defRPr sz="1400" kern="1200">
           <a:solidFill>
             <a:schemeClr val="tx1"/>
           </a:solidFill>
+          <a:effectLst/>
           <a:latin typeface="+mn-lt"/>
           <a:ea typeface="+mn-ea"/>
           <a:cs typeface="+mn-cs"/>
         </a:defRPr>
       </a:lvl4pPr>
-      <a:lvl5pPr marL="2057400" indent="-228600" algn="l" defTabSz="914400" rtl="0" eaLnBrk="1" latinLnBrk="0" hangingPunct="1">
+      <a:lvl5pPr marL="2173288" indent="-344488" algn="l" defTabSz="914400" rtl="0" eaLnBrk="1" latinLnBrk="0" hangingPunct="1">
         <a:lnSpc>
-          <a:spcPct val="90000"/>
+          <a:spcPct val="120000"/>
         </a:lnSpc>
         <a:spcBef>
           <a:spcPts val="500"/>
         </a:spcBef>
-        <a:buFont typeface="Arial" panose="020B0604020202020204" pitchFamily="34" charset="0"/>
-        <a:buChar char="•"/>
-        <a:defRPr sz="1800" kern="1200">
+        <a:spcAft>
+          <a:spcPts val="600"/>
+        </a:spcAft>
+        <a:buClr>
+          <a:schemeClr val="accent6"/>
+        </a:buClr>
+        <a:buSzPct val="90000"/>
+        <a:buFont typeface="Wingdings" panose="05000000000000000000" pitchFamily="2" charset="2"/>
+        <a:buChar char="§"/>
+        <a:defRPr sz="1200" kern="1200">
           <a:solidFill>
             <a:schemeClr val="tx1"/>
           </a:solidFill>
+          <a:effectLst/>
           <a:latin typeface="+mn-lt"/>
           <a:ea typeface="+mn-ea"/>
           <a:cs typeface="+mn-cs"/>
         </a:defRPr>
       </a:lvl5pPr>
-      <a:lvl6pPr marL="2514600" indent="-228600" algn="l" defTabSz="914400" rtl="0" eaLnBrk="1" latinLnBrk="0" hangingPunct="1">
+      <a:lvl6pPr marL="2642616" indent="-338328" algn="l" defTabSz="914400" rtl="0" eaLnBrk="1" latinLnBrk="0" hangingPunct="1">
         <a:lnSpc>
-          <a:spcPct val="90000"/>
+          <a:spcPct val="120000"/>
         </a:lnSpc>
         <a:spcBef>
           <a:spcPts val="500"/>
         </a:spcBef>
-        <a:buFont typeface="Arial" panose="020B0604020202020204" pitchFamily="34" charset="0"/>
-        <a:buChar char="•"/>
-        <a:defRPr sz="1800" kern="1200">
+        <a:spcAft>
+          <a:spcPts val="600"/>
+        </a:spcAft>
+        <a:buClr>
+          <a:schemeClr val="accent6"/>
+        </a:buClr>
+        <a:buSzPct val="90000"/>
+        <a:buFont typeface="Wingdings" panose="05000000000000000000" pitchFamily="2" charset="2"/>
+        <a:buChar char="§"/>
+        <a:defRPr sz="1200" kern="1200" baseline="0">
           <a:solidFill>
             <a:schemeClr val="tx1"/>
           </a:solidFill>
+          <a:effectLst/>
           <a:latin typeface="+mn-lt"/>
           <a:ea typeface="+mn-ea"/>
           <a:cs typeface="+mn-cs"/>
         </a:defRPr>
       </a:lvl6pPr>
-      <a:lvl7pPr marL="2971800" indent="-228600" algn="l" defTabSz="914400" rtl="0" eaLnBrk="1" latinLnBrk="0" hangingPunct="1">
+      <a:lvl7pPr marL="3108960" indent="-338328" algn="l" defTabSz="914400" rtl="0" eaLnBrk="1" latinLnBrk="0" hangingPunct="1">
         <a:lnSpc>
-          <a:spcPct val="90000"/>
+          <a:spcPct val="120000"/>
         </a:lnSpc>
         <a:spcBef>
           <a:spcPts val="500"/>
         </a:spcBef>
-        <a:buFont typeface="Arial" panose="020B0604020202020204" pitchFamily="34" charset="0"/>
-        <a:buChar char="•"/>
-        <a:defRPr sz="1800" kern="1200">
+        <a:spcAft>
+          <a:spcPts val="600"/>
+        </a:spcAft>
+        <a:buClr>
+          <a:schemeClr val="accent6"/>
+        </a:buClr>
+        <a:buSzPct val="90000"/>
+        <a:buFont typeface="Wingdings" panose="05000000000000000000" pitchFamily="2" charset="2"/>
+        <a:buChar char="§"/>
+        <a:defRPr sz="1200" kern="1200" baseline="0">
           <a:solidFill>
             <a:schemeClr val="tx1"/>
           </a:solidFill>
+          <a:effectLst/>
           <a:latin typeface="+mn-lt"/>
           <a:ea typeface="+mn-ea"/>
           <a:cs typeface="+mn-cs"/>
         </a:defRPr>
       </a:lvl7pPr>
-      <a:lvl8pPr marL="3429000" indent="-228600" algn="l" defTabSz="914400" rtl="0" eaLnBrk="1" latinLnBrk="0" hangingPunct="1">
+      <a:lvl8pPr marL="3575304" indent="-338328" algn="l" defTabSz="914400" rtl="0" eaLnBrk="1" latinLnBrk="0" hangingPunct="1">
         <a:lnSpc>
-          <a:spcPct val="90000"/>
+          <a:spcPct val="120000"/>
         </a:lnSpc>
         <a:spcBef>
           <a:spcPts val="500"/>
         </a:spcBef>
-        <a:buFont typeface="Arial" panose="020B0604020202020204" pitchFamily="34" charset="0"/>
-        <a:buChar char="•"/>
-        <a:defRPr sz="1800" kern="1200">
+        <a:spcAft>
+          <a:spcPts val="600"/>
+        </a:spcAft>
+        <a:buClr>
+          <a:schemeClr val="accent6"/>
+        </a:buClr>
+        <a:buSzPct val="90000"/>
+        <a:buFont typeface="Wingdings" panose="05000000000000000000" pitchFamily="2" charset="2"/>
+        <a:buChar char="§"/>
+        <a:defRPr sz="1200" kern="1200" baseline="0">
           <a:solidFill>
             <a:schemeClr val="tx1"/>
           </a:solidFill>
+          <a:effectLst/>
           <a:latin typeface="+mn-lt"/>
           <a:ea typeface="+mn-ea"/>
           <a:cs typeface="+mn-cs"/>
         </a:defRPr>
       </a:lvl8pPr>
-      <a:lvl9pPr marL="3886200" indent="-228600" algn="l" defTabSz="914400" rtl="0" eaLnBrk="1" latinLnBrk="0" hangingPunct="1">
+      <a:lvl9pPr marL="4041648" indent="-338328" algn="l" defTabSz="914400" rtl="0" eaLnBrk="1" latinLnBrk="0" hangingPunct="1">
         <a:lnSpc>
-          <a:spcPct val="90000"/>
+          <a:spcPct val="120000"/>
         </a:lnSpc>
         <a:spcBef>
           <a:spcPts val="500"/>
         </a:spcBef>
-        <a:buFont typeface="Arial" panose="020B0604020202020204" pitchFamily="34" charset="0"/>
-        <a:buChar char="•"/>
-        <a:defRPr sz="1800" kern="1200">
+        <a:spcAft>
+          <a:spcPts val="600"/>
+        </a:spcAft>
+        <a:buClr>
+          <a:schemeClr val="accent6"/>
+        </a:buClr>
+        <a:buSzPct val="90000"/>
+        <a:buFont typeface="Wingdings" panose="05000000000000000000" pitchFamily="2" charset="2"/>
+        <a:buChar char="§"/>
+        <a:defRPr sz="1200" kern="1200" baseline="0">
           <a:solidFill>
             <a:schemeClr val="tx1"/>
           </a:solidFill>
+          <a:effectLst/>
           <a:latin typeface="+mn-lt"/>
           <a:ea typeface="+mn-ea"/>
           <a:cs typeface="+mn-cs"/>
@@ -2854,7 +4412,7 @@
     </p:bodyStyle>
     <p:otherStyle>
       <a:defPPr>
-        <a:defRPr lang="hu-HU"/>
+        <a:defRPr lang="en-US"/>
       </a:defPPr>
       <a:lvl1pPr marL="0" algn="l" defTabSz="914400" rtl="0" eaLnBrk="1" latinLnBrk="0" hangingPunct="1">
         <a:defRPr sz="1800" kern="1200">
@@ -2954,16 +4512,6 @@
 <file path=ppt/slides/slide1.xml><?xml version="1.0" encoding="utf-8"?>
 <p:sld xmlns:a="http://schemas.openxmlformats.org/drawingml/2006/main" xmlns:r="http://schemas.openxmlformats.org/officeDocument/2006/relationships" xmlns:p="http://schemas.openxmlformats.org/presentationml/2006/main">
   <p:cSld>
-    <p:bg>
-      <p:bgPr>
-        <a:solidFill>
-          <a:schemeClr val="bg2">
-            <a:lumMod val="25000"/>
-          </a:schemeClr>
-        </a:solidFill>
-        <a:effectLst/>
-      </p:bgPr>
-    </p:bg>
     <p:spTree>
       <p:nvGrpSpPr>
         <p:cNvPr id="1" name=""/>
@@ -2985,171 +4533,38 @@
             <a:spLocks noGrp="1"/>
           </p:cNvSpPr>
           <p:nvPr>
-            <p:ph type="ctrTitle"/>
-          </p:nvPr>
-        </p:nvSpPr>
-        <p:spPr>
-          <a:xfrm>
-            <a:off x="1480969" y="1818042"/>
-            <a:ext cx="9144000" cy="1315403"/>
-          </a:xfrm>
-        </p:spPr>
-        <p:txBody>
-          <a:bodyPr/>
-          <a:lstStyle/>
-          <a:p>
-            <a:r>
-              <a:rPr lang="hu-HU" dirty="0" smtClean="0">
-                <a:solidFill>
-                  <a:schemeClr val="bg1"/>
-                </a:solidFill>
-                <a:latin typeface="Book Antiqua" panose="02040602050305030304" pitchFamily="18" charset="0"/>
+            <p:ph type="title"/>
+          </p:nvPr>
+        </p:nvSpPr>
+        <p:spPr>
+          <a:xfrm>
+            <a:off x="1990016" y="1734648"/>
+            <a:ext cx="7958331" cy="1077229"/>
+          </a:xfrm>
+        </p:spPr>
+        <p:txBody>
+          <a:bodyPr>
+            <a:noAutofit/>
+          </a:bodyPr>
+          <a:lstStyle/>
+          <a:p>
+            <a:pPr algn="ctr"/>
+            <a:r>
+              <a:rPr lang="hu-HU" sz="7200" dirty="0" smtClean="0">
+                <a:latin typeface="Garamond" panose="02020404030301010803" pitchFamily="18" charset="0"/>
               </a:rPr>
               <a:t>Japán technológia</a:t>
             </a:r>
-            <a:endParaRPr lang="hu-HU" dirty="0">
-              <a:solidFill>
-                <a:schemeClr val="bg1"/>
-              </a:solidFill>
-              <a:latin typeface="Book Antiqua" panose="02040602050305030304" pitchFamily="18" charset="0"/>
+            <a:endParaRPr lang="hu-HU" sz="7200" dirty="0">
+              <a:latin typeface="Garamond" panose="02020404030301010803" pitchFamily="18" charset="0"/>
             </a:endParaRPr>
-          </a:p>
-        </p:txBody>
-      </p:sp>
-      <p:sp>
-        <p:nvSpPr>
-          <p:cNvPr id="3" name="Alcím 2"/>
-          <p:cNvSpPr>
-            <a:spLocks noGrp="1"/>
-          </p:cNvSpPr>
-          <p:nvPr>
-            <p:ph type="subTitle" idx="1"/>
-          </p:nvPr>
-        </p:nvSpPr>
-        <p:spPr>
-          <a:xfrm>
-            <a:off x="1717638" y="4797910"/>
-            <a:ext cx="1402080" cy="943984"/>
-          </a:xfrm>
-        </p:spPr>
-        <p:txBody>
-          <a:bodyPr/>
-          <a:lstStyle/>
-          <a:p>
-            <a:r>
-              <a:rPr lang="hu-HU" dirty="0" smtClean="0">
-                <a:hlinkClick r:id="rId2" action="ppaction://hlinksldjump"/>
-              </a:rPr>
-              <a:t>1</a:t>
-            </a:r>
-            <a:r>
-              <a:rPr lang="hu-HU" dirty="0" smtClean="0"/>
-              <a:t> </a:t>
-            </a:r>
-            <a:endParaRPr lang="hu-HU" dirty="0"/>
-          </a:p>
-        </p:txBody>
-      </p:sp>
-      <p:sp>
-        <p:nvSpPr>
-          <p:cNvPr id="5" name="Szövegdoboz 4"/>
-          <p:cNvSpPr txBox="1"/>
-          <p:nvPr/>
-        </p:nvSpPr>
-        <p:spPr>
-          <a:xfrm>
-            <a:off x="4695712" y="4797910"/>
-            <a:ext cx="1506071" cy="369332"/>
-          </a:xfrm>
-          <a:prstGeom prst="rect">
-            <a:avLst/>
-          </a:prstGeom>
-          <a:noFill/>
-        </p:spPr>
-        <p:txBody>
-          <a:bodyPr wrap="square" rtlCol="0">
-            <a:spAutoFit/>
-          </a:bodyPr>
-          <a:lstStyle/>
-          <a:p>
-            <a:r>
-              <a:rPr lang="hu-HU" dirty="0" smtClean="0">
-                <a:hlinkClick r:id="rId3" action="ppaction://hlinksldjump"/>
-              </a:rPr>
-              <a:t>2</a:t>
-            </a:r>
-            <a:endParaRPr lang="hu-HU" dirty="0"/>
-          </a:p>
-        </p:txBody>
-      </p:sp>
-      <p:sp>
-        <p:nvSpPr>
-          <p:cNvPr id="6" name="Szövegdoboz 5"/>
-          <p:cNvSpPr txBox="1"/>
-          <p:nvPr/>
-        </p:nvSpPr>
-        <p:spPr>
-          <a:xfrm>
-            <a:off x="7121562" y="4797910"/>
-            <a:ext cx="2011680" cy="369332"/>
-          </a:xfrm>
-          <a:prstGeom prst="rect">
-            <a:avLst/>
-          </a:prstGeom>
-          <a:noFill/>
-        </p:spPr>
-        <p:txBody>
-          <a:bodyPr wrap="square" rtlCol="0">
-            <a:spAutoFit/>
-          </a:bodyPr>
-          <a:lstStyle/>
-          <a:p>
-            <a:r>
-              <a:rPr lang="hu-HU" dirty="0" smtClean="0">
-                <a:hlinkClick r:id="rId4" action="ppaction://hlinksldjump"/>
-              </a:rPr>
-              <a:t>3</a:t>
-            </a:r>
-            <a:endParaRPr lang="hu-HU" dirty="0"/>
-          </a:p>
-        </p:txBody>
-      </p:sp>
-      <p:sp>
-        <p:nvSpPr>
-          <p:cNvPr id="7" name="Szövegdoboz 6"/>
-          <p:cNvSpPr txBox="1"/>
-          <p:nvPr/>
-        </p:nvSpPr>
-        <p:spPr>
-          <a:xfrm>
-            <a:off x="9316122" y="4797910"/>
-            <a:ext cx="1914862" cy="369332"/>
-          </a:xfrm>
-          <a:prstGeom prst="rect">
-            <a:avLst/>
-          </a:prstGeom>
-          <a:noFill/>
-        </p:spPr>
-        <p:txBody>
-          <a:bodyPr wrap="square" rtlCol="0">
-            <a:spAutoFit/>
-          </a:bodyPr>
-          <a:lstStyle/>
-          <a:p>
-            <a:r>
-              <a:rPr lang="hu-HU" dirty="0" smtClean="0">
-                <a:hlinkClick r:id="rId5" action="ppaction://hlinksldjump"/>
-              </a:rPr>
-              <a:t>4</a:t>
-            </a:r>
-            <a:endParaRPr lang="hu-HU" dirty="0"/>
           </a:p>
         </p:txBody>
       </p:sp>
     </p:spTree>
     <p:extLst>
       <p:ext uri="{BB962C8B-B14F-4D97-AF65-F5344CB8AC3E}">
-        <p14:creationId xmlns:p14="http://schemas.microsoft.com/office/powerpoint/2010/main" val="101282150"/>
+        <p14:creationId xmlns:p14="http://schemas.microsoft.com/office/powerpoint/2010/main" val="1615244880"/>
       </p:ext>
     </p:extLst>
   </p:cSld>
@@ -3193,22 +4608,34 @@
             <p:ph type="title"/>
           </p:nvPr>
         </p:nvSpPr>
-        <p:spPr/>
-        <p:txBody>
-          <a:bodyPr/>
-          <a:lstStyle/>
-          <a:p>
-            <a:r>
-              <a:rPr lang="hu-HU" dirty="0" smtClean="0"/>
-              <a:t>Robotika</a:t>
-            </a:r>
-            <a:endParaRPr lang="hu-HU" dirty="0"/>
-          </a:p>
-        </p:txBody>
-      </p:sp>
-      <p:sp>
-        <p:nvSpPr>
-          <p:cNvPr id="3" name="Tartalom helye 2"/>
+        <p:spPr>
+          <a:xfrm>
+            <a:off x="2428928" y="795864"/>
+            <a:ext cx="7958331" cy="1077229"/>
+          </a:xfrm>
+        </p:spPr>
+        <p:txBody>
+          <a:bodyPr>
+            <a:normAutofit/>
+          </a:bodyPr>
+          <a:lstStyle/>
+          <a:p>
+            <a:pPr algn="ctr"/>
+            <a:r>
+              <a:rPr lang="hu-HU" sz="4000" dirty="0" smtClean="0">
+                <a:latin typeface="Georgia" panose="02040502050405020303" pitchFamily="18" charset="0"/>
+              </a:rPr>
+              <a:t>Tudomány és technológia</a:t>
+            </a:r>
+            <a:endParaRPr lang="hu-HU" sz="4000" dirty="0">
+              <a:latin typeface="Georgia" panose="02040502050405020303" pitchFamily="18" charset="0"/>
+            </a:endParaRPr>
+          </a:p>
+        </p:txBody>
+      </p:sp>
+      <p:sp>
+        <p:nvSpPr>
+          <p:cNvPr id="5" name="Tartalom helye 4"/>
           <p:cNvSpPr>
             <a:spLocks noGrp="1"/>
           </p:cNvSpPr>
@@ -3216,19 +4643,50 @@
             <p:ph idx="1"/>
           </p:nvPr>
         </p:nvSpPr>
-        <p:spPr/>
-        <p:txBody>
-          <a:bodyPr/>
-          <a:lstStyle/>
-          <a:p>
-            <a:endParaRPr lang="hu-HU"/>
+        <p:spPr>
+          <a:xfrm>
+            <a:off x="2176191" y="1873093"/>
+            <a:ext cx="7382337" cy="4324300"/>
+          </a:xfrm>
+        </p:spPr>
+        <p:txBody>
+          <a:bodyPr>
+            <a:normAutofit/>
+          </a:bodyPr>
+          <a:lstStyle/>
+          <a:p>
+            <a:r>
+              <a:rPr lang="hu-HU" sz="2400" dirty="0" smtClean="0">
+                <a:latin typeface="Bahnschrift SemiLight" panose="020B0502040204020203" pitchFamily="34" charset="0"/>
+              </a:rPr>
+              <a:t>Második világháború után</a:t>
+            </a:r>
+          </a:p>
+          <a:p>
+            <a:r>
+              <a:rPr lang="hu-HU" sz="2400" dirty="0" smtClean="0">
+                <a:latin typeface="Bahnschrift SemiLight" panose="020B0502040204020203" pitchFamily="34" charset="0"/>
+              </a:rPr>
+              <a:t>Járműtechnika, fogyasztói elektronika,</a:t>
+            </a:r>
+          </a:p>
+          <a:p>
+            <a:r>
+              <a:rPr lang="hu-HU" sz="2400" dirty="0" smtClean="0">
+                <a:latin typeface="Bahnschrift SemiLight" panose="020B0502040204020203" pitchFamily="34" charset="0"/>
+              </a:rPr>
+              <a:t> Robotika és orvosi eszközök, űrkutatás</a:t>
+            </a:r>
+            <a:endParaRPr lang="hu-HU" sz="2400" dirty="0">
+              <a:latin typeface="Bahnschrift SemiLight" panose="020B0502040204020203" pitchFamily="34" charset="0"/>
+            </a:endParaRPr>
           </a:p>
         </p:txBody>
       </p:sp>
     </p:spTree>
     <p:extLst>
       <p:ext uri="{BB962C8B-B14F-4D97-AF65-F5344CB8AC3E}">
-        <p14:creationId xmlns:p14="http://schemas.microsoft.com/office/powerpoint/2010/main" val="3310144137"/>
+        <p14:creationId xmlns:p14="http://schemas.microsoft.com/office/powerpoint/2010/main" val="126401003"/>
       </p:ext>
     </p:extLst>
   </p:cSld>
@@ -3277,9 +4735,10 @@
           <a:bodyPr/>
           <a:lstStyle/>
           <a:p>
+            <a:pPr algn="ctr"/>
             <a:r>
               <a:rPr lang="hu-HU" dirty="0" smtClean="0"/>
-              <a:t>Vasút</a:t>
+              <a:t>Nukleáris energia</a:t>
             </a:r>
             <a:endParaRPr lang="hu-HU" dirty="0"/>
           </a:p>
@@ -3300,14 +4759,14 @@
           <a:bodyPr/>
           <a:lstStyle/>
           <a:p>
-            <a:endParaRPr lang="hu-HU"/>
+            <a:endParaRPr lang="hu-HU" dirty="0"/>
           </a:p>
         </p:txBody>
       </p:sp>
     </p:spTree>
     <p:extLst>
       <p:ext uri="{BB962C8B-B14F-4D97-AF65-F5344CB8AC3E}">
-        <p14:creationId xmlns:p14="http://schemas.microsoft.com/office/powerpoint/2010/main" val="1426245422"/>
+        <p14:creationId xmlns:p14="http://schemas.microsoft.com/office/powerpoint/2010/main" val="25375693"/>
       </p:ext>
     </p:extLst>
   </p:cSld>
@@ -3356,6 +4815,11 @@
           <a:bodyPr/>
           <a:lstStyle/>
           <a:p>
+            <a:pPr algn="ctr"/>
+            <a:r>
+              <a:rPr lang="hu-HU" dirty="0" smtClean="0"/>
+              <a:t>Robotika</a:t>
+            </a:r>
             <a:endParaRPr lang="hu-HU" dirty="0"/>
           </a:p>
         </p:txBody>
@@ -3375,20 +4839,44 @@
           <a:bodyPr/>
           <a:lstStyle/>
           <a:p>
-            <a:endParaRPr lang="hu-HU"/>
+            <a:r>
+              <a:rPr lang="hu-HU" dirty="0" smtClean="0"/>
+              <a:t>A világ </a:t>
+            </a:r>
+            <a:r>
+              <a:rPr lang="hu-HU" dirty="0"/>
+              <a:t>vezető </a:t>
+            </a:r>
+            <a:r>
+              <a:rPr lang="hu-HU" dirty="0" smtClean="0"/>
+              <a:t>robot nemzetének nevezik</a:t>
+            </a:r>
+          </a:p>
+          <a:p>
+            <a:r>
+              <a:rPr lang="hu-HU" dirty="0" smtClean="0"/>
+              <a:t>3,4 milliárd yen () értéjű robotot szállított 2012-ben</a:t>
+            </a:r>
           </a:p>
         </p:txBody>
       </p:sp>
     </p:spTree>
     <p:extLst>
       <p:ext uri="{BB962C8B-B14F-4D97-AF65-F5344CB8AC3E}">
-        <p14:creationId xmlns:p14="http://schemas.microsoft.com/office/powerpoint/2010/main" val="1615244880"/>
+        <p14:creationId xmlns:p14="http://schemas.microsoft.com/office/powerpoint/2010/main" val="314881307"/>
       </p:ext>
     </p:extLst>
   </p:cSld>
   <p:clrMapOvr>
     <a:masterClrMapping/>
   </p:clrMapOvr>
+  <p:timing>
+    <p:tnLst>
+      <p:par>
+        <p:cTn id="1" dur="indefinite" restart="never" nodeType="tmRoot"/>
+      </p:par>
+    </p:tnLst>
+  </p:timing>
 </p:sld>
 </file>
 
@@ -3424,7 +4912,12 @@
           <a:bodyPr/>
           <a:lstStyle/>
           <a:p>
-            <a:endParaRPr lang="hu-HU"/>
+            <a:pPr algn="ctr"/>
+            <a:r>
+              <a:rPr lang="hu-HU" dirty="0" smtClean="0"/>
+              <a:t>Orvos tudomány</a:t>
+            </a:r>
+            <a:endParaRPr lang="hu-HU" dirty="0"/>
           </a:p>
         </p:txBody>
       </p:sp>
@@ -3450,20 +4943,27 @@
     </p:spTree>
     <p:extLst>
       <p:ext uri="{BB962C8B-B14F-4D97-AF65-F5344CB8AC3E}">
-        <p14:creationId xmlns:p14="http://schemas.microsoft.com/office/powerpoint/2010/main" val="126401003"/>
+        <p14:creationId xmlns:p14="http://schemas.microsoft.com/office/powerpoint/2010/main" val="3200307537"/>
       </p:ext>
     </p:extLst>
   </p:cSld>
   <p:clrMapOvr>
     <a:masterClrMapping/>
   </p:clrMapOvr>
+  <p:timing>
+    <p:tnLst>
+      <p:par>
+        <p:cTn id="1" dur="indefinite" restart="never" nodeType="tmRoot"/>
+      </p:par>
+    </p:tnLst>
+  </p:timing>
 </p:sld>
 </file>
 
 <file path=ppt/theme/theme1.xml><?xml version="1.0" encoding="utf-8"?>
-<a:theme xmlns:a="http://schemas.openxmlformats.org/drawingml/2006/main" name="Office-téma">
+<a:theme xmlns:a="http://schemas.openxmlformats.org/drawingml/2006/main" name="Madison">
   <a:themeElements>
-    <a:clrScheme name="Office">
+    <a:clrScheme name="Madison">
       <a:dk1>
         <a:sysClr val="windowText" lastClr="000000"/>
       </a:dk1>
@@ -3471,44 +4971,44 @@
         <a:sysClr val="window" lastClr="FFFFFF"/>
       </a:lt1>
       <a:dk2>
-        <a:srgbClr val="44546A"/>
+        <a:srgbClr val="1F2D29"/>
       </a:dk2>
       <a:lt2>
-        <a:srgbClr val="E7E6E6"/>
+        <a:srgbClr val="C5FAEB"/>
       </a:lt2>
       <a:accent1>
-        <a:srgbClr val="5B9BD5"/>
+        <a:srgbClr val="A1D68B"/>
       </a:accent1>
       <a:accent2>
-        <a:srgbClr val="ED7D31"/>
+        <a:srgbClr val="5EC795"/>
       </a:accent2>
       <a:accent3>
-        <a:srgbClr val="A5A5A5"/>
+        <a:srgbClr val="4DADCF"/>
       </a:accent3>
       <a:accent4>
-        <a:srgbClr val="FFC000"/>
+        <a:srgbClr val="CDB756"/>
       </a:accent4>
       <a:accent5>
-        <a:srgbClr val="4472C4"/>
+        <a:srgbClr val="E29C36"/>
       </a:accent5>
       <a:accent6>
-        <a:srgbClr val="70AD47"/>
+        <a:srgbClr val="8EC0C1"/>
       </a:accent6>
       <a:hlink>
-        <a:srgbClr val="0563C1"/>
+        <a:srgbClr val="6D9D9B"/>
       </a:hlink>
       <a:folHlink>
-        <a:srgbClr val="954F72"/>
+        <a:srgbClr val="6D8583"/>
       </a:folHlink>
     </a:clrScheme>
-    <a:fontScheme name="Office">
+    <a:fontScheme name="Madison">
       <a:majorFont>
-        <a:latin typeface="Calibri Light" panose="020F0302020204030204"/>
+        <a:latin typeface="Arial" panose="020B0604020202020204"/>
         <a:ea typeface=""/>
         <a:cs typeface=""/>
-        <a:font script="Jpan" typeface="游ゴシック Light"/>
+        <a:font script="Jpan" typeface="ＭＳ Ｐゴシック"/>
         <a:font script="Hang" typeface="맑은 고딕"/>
-        <a:font script="Hans" typeface="等线 Light"/>
+        <a:font script="Hans" typeface="宋体"/>
         <a:font script="Hant" typeface="新細明體"/>
         <a:font script="Arab" typeface="Times New Roman"/>
         <a:font script="Hebr" typeface="Times New Roman"/>
@@ -3538,12 +5038,12 @@
         <a:font script="Geor" typeface="Sylfaen"/>
       </a:majorFont>
       <a:minorFont>
-        <a:latin typeface="Calibri" panose="020F0502020204030204"/>
+        <a:latin typeface="Arial" panose="020B0604020202020204"/>
         <a:ea typeface=""/>
         <a:cs typeface=""/>
-        <a:font script="Jpan" typeface="游ゴシック"/>
+        <a:font script="Jpan" typeface="ＭＳ Ｐゴシック"/>
         <a:font script="Hang" typeface="맑은 고딕"/>
-        <a:font script="Hans" typeface="等线"/>
+        <a:font script="Hans" typeface="宋体"/>
         <a:font script="Hant" typeface="新細明體"/>
         <a:font script="Arab" typeface="Arial"/>
         <a:font script="Hebr" typeface="Arial"/>
@@ -3573,7 +5073,7 @@
         <a:font script="Geor" typeface="Sylfaen"/>
       </a:minorFont>
     </a:fontScheme>
-    <a:fmtScheme name="Office">
+    <a:fmtScheme name="Madison">
       <a:fillStyleLst>
         <a:solidFill>
           <a:schemeClr val="phClr"/>
@@ -3582,23 +5082,18 @@
           <a:gsLst>
             <a:gs pos="0">
               <a:schemeClr val="phClr">
+                <a:tint val="48000"/>
+                <a:alpha val="88000"/>
+                <a:satMod val="105000"/>
                 <a:lumMod val="110000"/>
-                <a:satMod val="105000"/>
-                <a:tint val="67000"/>
-              </a:schemeClr>
-            </a:gs>
-            <a:gs pos="50000">
-              <a:schemeClr val="phClr">
-                <a:lumMod val="105000"/>
-                <a:satMod val="103000"/>
-                <a:tint val="73000"/>
               </a:schemeClr>
             </a:gs>
             <a:gs pos="100000">
               <a:schemeClr val="phClr">
-                <a:lumMod val="105000"/>
+                <a:tint val="78000"/>
+                <a:alpha val="92000"/>
                 <a:satMod val="109000"/>
-                <a:tint val="81000"/>
+                <a:lumMod val="100000"/>
               </a:schemeClr>
             </a:gs>
           </a:gsLst>
@@ -3608,23 +5103,23 @@
           <a:gsLst>
             <a:gs pos="0">
               <a:schemeClr val="phClr">
-                <a:satMod val="103000"/>
-                <a:lumMod val="102000"/>
-                <a:tint val="94000"/>
+                <a:tint val="98000"/>
+                <a:satMod val="110000"/>
+                <a:lumMod val="104000"/>
               </a:schemeClr>
             </a:gs>
-            <a:gs pos="50000">
+            <a:gs pos="69000">
               <a:schemeClr val="phClr">
-                <a:satMod val="110000"/>
-                <a:lumMod val="100000"/>
-                <a:shade val="100000"/>
+                <a:shade val="84000"/>
+                <a:satMod val="130000"/>
+                <a:lumMod val="92000"/>
               </a:schemeClr>
             </a:gs>
             <a:gs pos="100000">
               <a:schemeClr val="phClr">
-                <a:lumMod val="99000"/>
-                <a:satMod val="120000"/>
-                <a:shade val="78000"/>
+                <a:shade val="76000"/>
+                <a:satMod val="130000"/>
+                <a:lumMod val="88000"/>
               </a:schemeClr>
             </a:gs>
           </a:gsLst>
@@ -3632,26 +5127,23 @@
         </a:gradFill>
       </a:fillStyleLst>
       <a:lnStyleLst>
-        <a:ln w="6350" cap="flat" cmpd="sng" algn="ctr">
+        <a:ln w="9525" cap="flat" cmpd="sng" algn="ctr">
           <a:solidFill>
             <a:schemeClr val="phClr"/>
           </a:solidFill>
           <a:prstDash val="solid"/>
-          <a:miter lim="800000"/>
         </a:ln>
-        <a:ln w="12700" cap="flat" cmpd="sng" algn="ctr">
+        <a:ln w="15875" cap="flat" cmpd="sng" algn="ctr">
           <a:solidFill>
             <a:schemeClr val="phClr"/>
           </a:solidFill>
           <a:prstDash val="solid"/>
-          <a:miter lim="800000"/>
         </a:ln>
-        <a:ln w="19050" cap="flat" cmpd="sng" algn="ctr">
+        <a:ln w="22225" cap="flat" cmpd="sng" algn="ctr">
           <a:solidFill>
             <a:schemeClr val="phClr"/>
           </a:solidFill>
           <a:prstDash val="solid"/>
-          <a:miter lim="800000"/>
         </a:ln>
       </a:lnStyleLst>
       <a:effectStyleLst>
@@ -3662,13 +5154,7 @@
           <a:effectLst/>
         </a:effectStyle>
         <a:effectStyle>
-          <a:effectLst>
-            <a:outerShdw blurRad="57150" dist="19050" dir="5400000" algn="ctr" rotWithShape="0">
-              <a:srgbClr val="000000">
-                <a:alpha val="63000"/>
-              </a:srgbClr>
-            </a:outerShdw>
-          </a:effectLst>
+          <a:effectLst/>
         </a:effectStyle>
       </a:effectStyleLst>
       <a:bgFillStyleLst>
@@ -3676,38 +5162,12 @@
           <a:schemeClr val="phClr"/>
         </a:solidFill>
         <a:solidFill>
-          <a:schemeClr val="phClr">
-            <a:tint val="95000"/>
-            <a:satMod val="170000"/>
-          </a:schemeClr>
+          <a:schemeClr val="phClr"/>
         </a:solidFill>
-        <a:gradFill rotWithShape="1">
-          <a:gsLst>
-            <a:gs pos="0">
-              <a:schemeClr val="phClr">
-                <a:tint val="93000"/>
-                <a:satMod val="150000"/>
-                <a:shade val="98000"/>
-                <a:lumMod val="102000"/>
-              </a:schemeClr>
-            </a:gs>
-            <a:gs pos="50000">
-              <a:schemeClr val="phClr">
-                <a:tint val="98000"/>
-                <a:satMod val="130000"/>
-                <a:shade val="90000"/>
-                <a:lumMod val="103000"/>
-              </a:schemeClr>
-            </a:gs>
-            <a:gs pos="100000">
-              <a:schemeClr val="phClr">
-                <a:shade val="63000"/>
-                <a:satMod val="120000"/>
-              </a:schemeClr>
-            </a:gs>
-          </a:gsLst>
-          <a:lin ang="5400000" scaled="0"/>
-        </a:gradFill>
+        <a:blipFill rotWithShape="1">
+          <a:blip xmlns:r="http://schemas.openxmlformats.org/officeDocument/2006/relationships" r:embed="rId1"/>
+          <a:stretch/>
+        </a:blipFill>
       </a:bgFillStyleLst>
     </a:fmtScheme>
   </a:themeElements>
@@ -3715,7 +5175,7 @@
   <a:extraClrSchemeLst/>
   <a:extLst>
     <a:ext uri="{05A4C25C-085E-4340-85A3-A5531E510DB2}">
-      <thm15:themeFamily xmlns:thm15="http://schemas.microsoft.com/office/thememl/2012/main" name="Office Theme" id="{62F939B6-93AF-4DB8-9C6B-D6C7DFDC589F}" vid="{4A3C46E8-61CC-4603-A589-7422A47A8E4A}"/>
+      <thm15:themeFamily xmlns:thm15="http://schemas.microsoft.com/office/thememl/2012/main" name="Madison" id="{025CB5FB-2DD3-45EE-B6F0-CC461540EB19}" vid="{6AC10936-2DFC-4054-9ADF-B5E2C5F86190}"/>
     </a:ext>
   </a:extLst>
 </a:theme>

--- a/Japán technológia.pptx
+++ b/Japán technológia.pptx
@@ -10,6 +10,8 @@
     <p:sldId id="261" r:id="rId4"/>
     <p:sldId id="262" r:id="rId5"/>
     <p:sldId id="263" r:id="rId6"/>
+    <p:sldId id="264" r:id="rId7"/>
+    <p:sldId id="265" r:id="rId8"/>
   </p:sldIdLst>
   <p:sldSz cx="12192000" cy="6858000"/>
   <p:notesSz cx="6858000" cy="9144000"/>
@@ -238,7 +240,7 @@
           </a:lstStyle>
           <a:p>
             <a:r>
-              <a:rPr lang="hu-HU" smtClean="0"/>
+              <a:rPr lang="hu-HU"/>
               <a:t>Mintacím szerkesztése</a:t>
             </a:r>
             <a:endParaRPr lang="en-US" dirty="0"/>
@@ -309,7 +311,7 @@
           </a:lstStyle>
           <a:p>
             <a:r>
-              <a:rPr lang="hu-HU" smtClean="0"/>
+              <a:rPr lang="hu-HU"/>
               <a:t>Kattintson ide az alcím mintájának szerkesztéséhez</a:t>
             </a:r>
             <a:endParaRPr lang="en-US" dirty="0"/>
@@ -333,7 +335,7 @@
           <a:p>
             <a:fld id="{7F46E5F8-1B34-4EE5-A95A-9B2AAC9135C0}" type="datetimeFigureOut">
               <a:rPr lang="hu-HU" smtClean="0"/>
-              <a:t>2022.09.19.</a:t>
+              <a:t>2022. 09. 27.</a:t>
             </a:fld>
             <a:endParaRPr lang="hu-HU"/>
           </a:p>
@@ -592,7 +594,7 @@
           <a:lstStyle/>
           <a:p>
             <a:r>
-              <a:rPr lang="hu-HU" smtClean="0"/>
+              <a:rPr lang="hu-HU"/>
               <a:t>Mintacím szerkesztése</a:t>
             </a:r>
             <a:endParaRPr lang="en-US" dirty="0"/>
@@ -616,35 +618,35 @@
           <a:p>
             <a:pPr lvl="0"/>
             <a:r>
-              <a:rPr lang="hu-HU" smtClean="0"/>
+              <a:rPr lang="hu-HU"/>
               <a:t>Mintaszöveg szerkesztése</a:t>
             </a:r>
           </a:p>
           <a:p>
             <a:pPr lvl="1"/>
             <a:r>
-              <a:rPr lang="hu-HU" smtClean="0"/>
+              <a:rPr lang="hu-HU"/>
               <a:t>Második szint</a:t>
             </a:r>
           </a:p>
           <a:p>
             <a:pPr lvl="2"/>
             <a:r>
-              <a:rPr lang="hu-HU" smtClean="0"/>
+              <a:rPr lang="hu-HU"/>
               <a:t>Harmadik szint</a:t>
             </a:r>
           </a:p>
           <a:p>
             <a:pPr lvl="3"/>
             <a:r>
-              <a:rPr lang="hu-HU" smtClean="0"/>
+              <a:rPr lang="hu-HU"/>
               <a:t>Negyedik szint</a:t>
             </a:r>
           </a:p>
           <a:p>
             <a:pPr lvl="4"/>
             <a:r>
-              <a:rPr lang="hu-HU" smtClean="0"/>
+              <a:rPr lang="hu-HU"/>
               <a:t>Ötödik szint</a:t>
             </a:r>
             <a:endParaRPr lang="en-US" dirty="0"/>
@@ -668,7 +670,7 @@
           <a:p>
             <a:fld id="{7F46E5F8-1B34-4EE5-A95A-9B2AAC9135C0}" type="datetimeFigureOut">
               <a:rPr lang="hu-HU" smtClean="0"/>
-              <a:t>2022.09.19.</a:t>
+              <a:t>2022. 09. 27.</a:t>
             </a:fld>
             <a:endParaRPr lang="hu-HU"/>
           </a:p>
@@ -890,7 +892,7 @@
           </a:lstStyle>
           <a:p>
             <a:r>
-              <a:rPr lang="hu-HU" smtClean="0"/>
+              <a:rPr lang="hu-HU"/>
               <a:t>Mintacím szerkesztése</a:t>
             </a:r>
             <a:endParaRPr lang="en-US" dirty="0"/>
@@ -919,35 +921,35 @@
           <a:p>
             <a:pPr lvl="0"/>
             <a:r>
-              <a:rPr lang="hu-HU" smtClean="0"/>
+              <a:rPr lang="hu-HU"/>
               <a:t>Mintaszöveg szerkesztése</a:t>
             </a:r>
           </a:p>
           <a:p>
             <a:pPr lvl="1"/>
             <a:r>
-              <a:rPr lang="hu-HU" smtClean="0"/>
+              <a:rPr lang="hu-HU"/>
               <a:t>Második szint</a:t>
             </a:r>
           </a:p>
           <a:p>
             <a:pPr lvl="2"/>
             <a:r>
-              <a:rPr lang="hu-HU" smtClean="0"/>
+              <a:rPr lang="hu-HU"/>
               <a:t>Harmadik szint</a:t>
             </a:r>
           </a:p>
           <a:p>
             <a:pPr lvl="3"/>
             <a:r>
-              <a:rPr lang="hu-HU" smtClean="0"/>
+              <a:rPr lang="hu-HU"/>
               <a:t>Negyedik szint</a:t>
             </a:r>
           </a:p>
           <a:p>
             <a:pPr lvl="4"/>
             <a:r>
-              <a:rPr lang="hu-HU" smtClean="0"/>
+              <a:rPr lang="hu-HU"/>
               <a:t>Ötödik szint</a:t>
             </a:r>
             <a:endParaRPr lang="en-US" dirty="0"/>
@@ -971,7 +973,7 @@
           <a:p>
             <a:fld id="{7F46E5F8-1B34-4EE5-A95A-9B2AAC9135C0}" type="datetimeFigureOut">
               <a:rPr lang="hu-HU" smtClean="0"/>
-              <a:t>2022.09.19.</a:t>
+              <a:t>2022. 09. 27.</a:t>
             </a:fld>
             <a:endParaRPr lang="hu-HU"/>
           </a:p>
@@ -1143,7 +1145,7 @@
           <a:lstStyle/>
           <a:p>
             <a:r>
-              <a:rPr lang="hu-HU" smtClean="0"/>
+              <a:rPr lang="hu-HU"/>
               <a:t>Mintacím szerkesztése</a:t>
             </a:r>
             <a:endParaRPr lang="en-US" dirty="0"/>
@@ -1167,35 +1169,35 @@
           <a:p>
             <a:pPr lvl="0"/>
             <a:r>
-              <a:rPr lang="hu-HU" smtClean="0"/>
+              <a:rPr lang="hu-HU"/>
               <a:t>Mintaszöveg szerkesztése</a:t>
             </a:r>
           </a:p>
           <a:p>
             <a:pPr lvl="1"/>
             <a:r>
-              <a:rPr lang="hu-HU" smtClean="0"/>
+              <a:rPr lang="hu-HU"/>
               <a:t>Második szint</a:t>
             </a:r>
           </a:p>
           <a:p>
             <a:pPr lvl="2"/>
             <a:r>
-              <a:rPr lang="hu-HU" smtClean="0"/>
+              <a:rPr lang="hu-HU"/>
               <a:t>Harmadik szint</a:t>
             </a:r>
           </a:p>
           <a:p>
             <a:pPr lvl="3"/>
             <a:r>
-              <a:rPr lang="hu-HU" smtClean="0"/>
+              <a:rPr lang="hu-HU"/>
               <a:t>Negyedik szint</a:t>
             </a:r>
           </a:p>
           <a:p>
             <a:pPr lvl="4"/>
             <a:r>
-              <a:rPr lang="hu-HU" smtClean="0"/>
+              <a:rPr lang="hu-HU"/>
               <a:t>Ötödik szint</a:t>
             </a:r>
             <a:endParaRPr lang="en-US" dirty="0"/>
@@ -1219,7 +1221,7 @@
           <a:p>
             <a:fld id="{7F46E5F8-1B34-4EE5-A95A-9B2AAC9135C0}" type="datetimeFigureOut">
               <a:rPr lang="hu-HU" smtClean="0"/>
-              <a:t>2022.09.19.</a:t>
+              <a:t>2022. 09. 27.</a:t>
             </a:fld>
             <a:endParaRPr lang="hu-HU"/>
           </a:p>
@@ -1484,7 +1486,7 @@
           </a:lstStyle>
           <a:p>
             <a:r>
-              <a:rPr lang="hu-HU" smtClean="0"/>
+              <a:rPr lang="hu-HU"/>
               <a:t>Mintacím szerkesztése</a:t>
             </a:r>
             <a:endParaRPr lang="en-US" dirty="0"/>
@@ -1604,7 +1606,7 @@
           <a:p>
             <a:pPr lvl="0"/>
             <a:r>
-              <a:rPr lang="hu-HU" smtClean="0"/>
+              <a:rPr lang="hu-HU"/>
               <a:t>Mintaszöveg szerkesztése</a:t>
             </a:r>
           </a:p>
@@ -1627,7 +1629,7 @@
           <a:p>
             <a:fld id="{7F46E5F8-1B34-4EE5-A95A-9B2AAC9135C0}" type="datetimeFigureOut">
               <a:rPr lang="hu-HU" smtClean="0"/>
-              <a:t>2022.09.19.</a:t>
+              <a:t>2022. 09. 27.</a:t>
             </a:fld>
             <a:endParaRPr lang="hu-HU"/>
           </a:p>
@@ -1804,7 +1806,7 @@
           <a:lstStyle/>
           <a:p>
             <a:r>
-              <a:rPr lang="hu-HU" smtClean="0"/>
+              <a:rPr lang="hu-HU"/>
               <a:t>Mintacím szerkesztése</a:t>
             </a:r>
             <a:endParaRPr lang="en-US" dirty="0"/>
@@ -1833,35 +1835,35 @@
           <a:p>
             <a:pPr lvl="0"/>
             <a:r>
-              <a:rPr lang="hu-HU" smtClean="0"/>
+              <a:rPr lang="hu-HU"/>
               <a:t>Mintaszöveg szerkesztése</a:t>
             </a:r>
           </a:p>
           <a:p>
             <a:pPr lvl="1"/>
             <a:r>
-              <a:rPr lang="hu-HU" smtClean="0"/>
+              <a:rPr lang="hu-HU"/>
               <a:t>Második szint</a:t>
             </a:r>
           </a:p>
           <a:p>
             <a:pPr lvl="2"/>
             <a:r>
-              <a:rPr lang="hu-HU" smtClean="0"/>
+              <a:rPr lang="hu-HU"/>
               <a:t>Harmadik szint</a:t>
             </a:r>
           </a:p>
           <a:p>
             <a:pPr lvl="3"/>
             <a:r>
-              <a:rPr lang="hu-HU" smtClean="0"/>
+              <a:rPr lang="hu-HU"/>
               <a:t>Negyedik szint</a:t>
             </a:r>
           </a:p>
           <a:p>
             <a:pPr lvl="4"/>
             <a:r>
-              <a:rPr lang="hu-HU" smtClean="0"/>
+              <a:rPr lang="hu-HU"/>
               <a:t>Ötödik szint</a:t>
             </a:r>
             <a:endParaRPr lang="en-US" dirty="0"/>
@@ -1890,35 +1892,35 @@
           <a:p>
             <a:pPr lvl="0"/>
             <a:r>
-              <a:rPr lang="hu-HU" smtClean="0"/>
+              <a:rPr lang="hu-HU"/>
               <a:t>Mintaszöveg szerkesztése</a:t>
             </a:r>
           </a:p>
           <a:p>
             <a:pPr lvl="1"/>
             <a:r>
-              <a:rPr lang="hu-HU" smtClean="0"/>
+              <a:rPr lang="hu-HU"/>
               <a:t>Második szint</a:t>
             </a:r>
           </a:p>
           <a:p>
             <a:pPr lvl="2"/>
             <a:r>
-              <a:rPr lang="hu-HU" smtClean="0"/>
+              <a:rPr lang="hu-HU"/>
               <a:t>Harmadik szint</a:t>
             </a:r>
           </a:p>
           <a:p>
             <a:pPr lvl="3"/>
             <a:r>
-              <a:rPr lang="hu-HU" smtClean="0"/>
+              <a:rPr lang="hu-HU"/>
               <a:t>Negyedik szint</a:t>
             </a:r>
           </a:p>
           <a:p>
             <a:pPr lvl="4"/>
             <a:r>
-              <a:rPr lang="hu-HU" smtClean="0"/>
+              <a:rPr lang="hu-HU"/>
               <a:t>Ötödik szint</a:t>
             </a:r>
             <a:endParaRPr lang="en-US" dirty="0"/>
@@ -1942,7 +1944,7 @@
           <a:p>
             <a:fld id="{7F46E5F8-1B34-4EE5-A95A-9B2AAC9135C0}" type="datetimeFigureOut">
               <a:rPr lang="hu-HU" smtClean="0"/>
-              <a:t>2022.09.19.</a:t>
+              <a:t>2022. 09. 27.</a:t>
             </a:fld>
             <a:endParaRPr lang="hu-HU"/>
           </a:p>
@@ -2201,7 +2203,7 @@
           <a:lstStyle/>
           <a:p>
             <a:r>
-              <a:rPr lang="hu-HU" smtClean="0"/>
+              <a:rPr lang="hu-HU"/>
               <a:t>Mintacím szerkesztése</a:t>
             </a:r>
             <a:endParaRPr lang="en-US" dirty="0"/>
@@ -2276,7 +2278,7 @@
           <a:p>
             <a:pPr lvl="0"/>
             <a:r>
-              <a:rPr lang="hu-HU" smtClean="0"/>
+              <a:rPr lang="hu-HU"/>
               <a:t>Mintaszöveg szerkesztése</a:t>
             </a:r>
           </a:p>
@@ -2304,35 +2306,35 @@
           <a:p>
             <a:pPr lvl="0"/>
             <a:r>
-              <a:rPr lang="hu-HU" smtClean="0"/>
+              <a:rPr lang="hu-HU"/>
               <a:t>Mintaszöveg szerkesztése</a:t>
             </a:r>
           </a:p>
           <a:p>
             <a:pPr lvl="1"/>
             <a:r>
-              <a:rPr lang="hu-HU" smtClean="0"/>
+              <a:rPr lang="hu-HU"/>
               <a:t>Második szint</a:t>
             </a:r>
           </a:p>
           <a:p>
             <a:pPr lvl="2"/>
             <a:r>
-              <a:rPr lang="hu-HU" smtClean="0"/>
+              <a:rPr lang="hu-HU"/>
               <a:t>Harmadik szint</a:t>
             </a:r>
           </a:p>
           <a:p>
             <a:pPr lvl="3"/>
             <a:r>
-              <a:rPr lang="hu-HU" smtClean="0"/>
+              <a:rPr lang="hu-HU"/>
               <a:t>Negyedik szint</a:t>
             </a:r>
           </a:p>
           <a:p>
             <a:pPr lvl="4"/>
             <a:r>
-              <a:rPr lang="hu-HU" smtClean="0"/>
+              <a:rPr lang="hu-HU"/>
               <a:t>Ötödik szint</a:t>
             </a:r>
             <a:endParaRPr lang="en-US" dirty="0"/>
@@ -2407,7 +2409,7 @@
           <a:p>
             <a:pPr lvl="0"/>
             <a:r>
-              <a:rPr lang="hu-HU" smtClean="0"/>
+              <a:rPr lang="hu-HU"/>
               <a:t>Mintaszöveg szerkesztése</a:t>
             </a:r>
           </a:p>
@@ -2435,35 +2437,35 @@
           <a:p>
             <a:pPr lvl="0"/>
             <a:r>
-              <a:rPr lang="hu-HU" smtClean="0"/>
+              <a:rPr lang="hu-HU"/>
               <a:t>Mintaszöveg szerkesztése</a:t>
             </a:r>
           </a:p>
           <a:p>
             <a:pPr lvl="1"/>
             <a:r>
-              <a:rPr lang="hu-HU" smtClean="0"/>
+              <a:rPr lang="hu-HU"/>
               <a:t>Második szint</a:t>
             </a:r>
           </a:p>
           <a:p>
             <a:pPr lvl="2"/>
             <a:r>
-              <a:rPr lang="hu-HU" smtClean="0"/>
+              <a:rPr lang="hu-HU"/>
               <a:t>Harmadik szint</a:t>
             </a:r>
           </a:p>
           <a:p>
             <a:pPr lvl="3"/>
             <a:r>
-              <a:rPr lang="hu-HU" smtClean="0"/>
+              <a:rPr lang="hu-HU"/>
               <a:t>Negyedik szint</a:t>
             </a:r>
           </a:p>
           <a:p>
             <a:pPr lvl="4"/>
             <a:r>
-              <a:rPr lang="hu-HU" smtClean="0"/>
+              <a:rPr lang="hu-HU"/>
               <a:t>Ötödik szint</a:t>
             </a:r>
             <a:endParaRPr lang="en-US" dirty="0"/>
@@ -2487,7 +2489,7 @@
           <a:p>
             <a:fld id="{7F46E5F8-1B34-4EE5-A95A-9B2AAC9135C0}" type="datetimeFigureOut">
               <a:rPr lang="hu-HU" smtClean="0"/>
-              <a:t>2022.09.19.</a:t>
+              <a:t>2022. 09. 27.</a:t>
             </a:fld>
             <a:endParaRPr lang="hu-HU"/>
           </a:p>
@@ -2659,7 +2661,7 @@
           <a:lstStyle/>
           <a:p>
             <a:r>
-              <a:rPr lang="hu-HU" smtClean="0"/>
+              <a:rPr lang="hu-HU"/>
               <a:t>Mintacím szerkesztése</a:t>
             </a:r>
             <a:endParaRPr lang="en-US" dirty="0"/>
@@ -2683,7 +2685,7 @@
           <a:p>
             <a:fld id="{7F46E5F8-1B34-4EE5-A95A-9B2AAC9135C0}" type="datetimeFigureOut">
               <a:rPr lang="hu-HU" smtClean="0"/>
-              <a:t>2022.09.19.</a:t>
+              <a:t>2022. 09. 27.</a:t>
             </a:fld>
             <a:endParaRPr lang="hu-HU"/>
           </a:p>
@@ -2897,7 +2899,7 @@
           <a:p>
             <a:fld id="{7F46E5F8-1B34-4EE5-A95A-9B2AAC9135C0}" type="datetimeFigureOut">
               <a:rPr lang="hu-HU" smtClean="0"/>
-              <a:t>2022.09.19.</a:t>
+              <a:t>2022. 09. 27.</a:t>
             </a:fld>
             <a:endParaRPr lang="hu-HU"/>
           </a:p>
@@ -3121,7 +3123,7 @@
           </a:lstStyle>
           <a:p>
             <a:r>
-              <a:rPr lang="hu-HU" smtClean="0"/>
+              <a:rPr lang="hu-HU"/>
               <a:t>Mintacím szerkesztése</a:t>
             </a:r>
             <a:endParaRPr lang="en-US" dirty="0"/>
@@ -3150,35 +3152,35 @@
           <a:p>
             <a:pPr lvl="0"/>
             <a:r>
-              <a:rPr lang="hu-HU" smtClean="0"/>
+              <a:rPr lang="hu-HU"/>
               <a:t>Mintaszöveg szerkesztése</a:t>
             </a:r>
           </a:p>
           <a:p>
             <a:pPr lvl="1"/>
             <a:r>
-              <a:rPr lang="hu-HU" smtClean="0"/>
+              <a:rPr lang="hu-HU"/>
               <a:t>Második szint</a:t>
             </a:r>
           </a:p>
           <a:p>
             <a:pPr lvl="2"/>
             <a:r>
-              <a:rPr lang="hu-HU" smtClean="0"/>
+              <a:rPr lang="hu-HU"/>
               <a:t>Harmadik szint</a:t>
             </a:r>
           </a:p>
           <a:p>
             <a:pPr lvl="3"/>
             <a:r>
-              <a:rPr lang="hu-HU" smtClean="0"/>
+              <a:rPr lang="hu-HU"/>
               <a:t>Negyedik szint</a:t>
             </a:r>
           </a:p>
           <a:p>
             <a:pPr lvl="4"/>
             <a:r>
-              <a:rPr lang="hu-HU" smtClean="0"/>
+              <a:rPr lang="hu-HU"/>
               <a:t>Ötödik szint</a:t>
             </a:r>
             <a:endParaRPr lang="en-US" dirty="0"/>
@@ -3244,7 +3246,7 @@
           <a:p>
             <a:pPr lvl="0"/>
             <a:r>
-              <a:rPr lang="hu-HU" smtClean="0"/>
+              <a:rPr lang="hu-HU"/>
               <a:t>Mintaszöveg szerkesztése</a:t>
             </a:r>
           </a:p>
@@ -3267,7 +3269,7 @@
           <a:p>
             <a:fld id="{7F46E5F8-1B34-4EE5-A95A-9B2AAC9135C0}" type="datetimeFigureOut">
               <a:rPr lang="hu-HU" smtClean="0"/>
-              <a:t>2022.09.19.</a:t>
+              <a:t>2022. 09. 27.</a:t>
             </a:fld>
             <a:endParaRPr lang="hu-HU"/>
           </a:p>
@@ -3505,7 +3507,7 @@
           </a:lstStyle>
           <a:p>
             <a:r>
-              <a:rPr lang="hu-HU" smtClean="0"/>
+              <a:rPr lang="hu-HU"/>
               <a:t>Kép beszúrásához kattintson az ikonra</a:t>
             </a:r>
             <a:endParaRPr lang="en-US" dirty="0"/>
@@ -3580,7 +3582,7 @@
           </a:lstStyle>
           <a:p>
             <a:r>
-              <a:rPr lang="hu-HU" smtClean="0"/>
+              <a:rPr lang="hu-HU"/>
               <a:t>Mintacím szerkesztése</a:t>
             </a:r>
             <a:endParaRPr lang="en-US" dirty="0"/>
@@ -3648,7 +3650,7 @@
           <a:p>
             <a:pPr lvl="0"/>
             <a:r>
-              <a:rPr lang="hu-HU" smtClean="0"/>
+              <a:rPr lang="hu-HU"/>
               <a:t>Mintaszöveg szerkesztése</a:t>
             </a:r>
           </a:p>
@@ -3671,7 +3673,7 @@
           <a:p>
             <a:fld id="{7F46E5F8-1B34-4EE5-A95A-9B2AAC9135C0}" type="datetimeFigureOut">
               <a:rPr lang="hu-HU" smtClean="0"/>
-              <a:t>2022.09.19.</a:t>
+              <a:t>2022. 09. 27.</a:t>
             </a:fld>
             <a:endParaRPr lang="hu-HU"/>
           </a:p>
@@ -3878,7 +3880,7 @@
           <a:lstStyle/>
           <a:p>
             <a:r>
-              <a:rPr lang="hu-HU" smtClean="0"/>
+              <a:rPr lang="hu-HU"/>
               <a:t>Mintacím szerkesztése</a:t>
             </a:r>
             <a:endParaRPr lang="en-US" dirty="0"/>
@@ -4010,7 +4012,7 @@
           <a:p>
             <a:fld id="{7F46E5F8-1B34-4EE5-A95A-9B2AAC9135C0}" type="datetimeFigureOut">
               <a:rPr lang="hu-HU" smtClean="0"/>
-              <a:t>2022.09.19.</a:t>
+              <a:t>2022. 09. 27.</a:t>
             </a:fld>
             <a:endParaRPr lang="hu-HU"/>
           </a:p>
@@ -4538,7 +4540,7 @@
         </p:nvSpPr>
         <p:spPr>
           <a:xfrm>
-            <a:off x="1990016" y="1734648"/>
+            <a:off x="2116834" y="2422711"/>
             <a:ext cx="7958331" cy="1077229"/>
           </a:xfrm>
         </p:spPr>
@@ -4550,14 +4552,11 @@
           <a:p>
             <a:pPr algn="ctr"/>
             <a:r>
-              <a:rPr lang="hu-HU" sz="7200" dirty="0" smtClean="0">
+              <a:rPr lang="hu-HU" sz="7200" dirty="0">
                 <a:latin typeface="Garamond" panose="02020404030301010803" pitchFamily="18" charset="0"/>
               </a:rPr>
               <a:t>Japán technológia</a:t>
             </a:r>
-            <a:endParaRPr lang="hu-HU" sz="7200" dirty="0">
-              <a:latin typeface="Garamond" panose="02020404030301010803" pitchFamily="18" charset="0"/>
-            </a:endParaRPr>
           </a:p>
         </p:txBody>
       </p:sp>
@@ -4571,13 +4570,6 @@
   <p:clrMapOvr>
     <a:masterClrMapping/>
   </p:clrMapOvr>
-  <p:timing>
-    <p:tnLst>
-      <p:par>
-        <p:cTn id="1" dur="indefinite" restart="never" nodeType="tmRoot"/>
-      </p:par>
-    </p:tnLst>
-  </p:timing>
 </p:sld>
 </file>
 
@@ -4610,8 +4602,8 @@
         </p:nvSpPr>
         <p:spPr>
           <a:xfrm>
-            <a:off x="2428928" y="795864"/>
-            <a:ext cx="7958331" cy="1077229"/>
+            <a:off x="1464985" y="895452"/>
+            <a:ext cx="4736640" cy="1077229"/>
           </a:xfrm>
         </p:spPr>
         <p:txBody>
@@ -4622,14 +4614,11 @@
           <a:p>
             <a:pPr algn="ctr"/>
             <a:r>
-              <a:rPr lang="hu-HU" sz="4000" dirty="0" smtClean="0">
+              <a:rPr lang="hu-HU" sz="4000" dirty="0">
                 <a:latin typeface="Georgia" panose="02040502050405020303" pitchFamily="18" charset="0"/>
               </a:rPr>
-              <a:t>Tudomány és technológia</a:t>
-            </a:r>
-            <a:endParaRPr lang="hu-HU" sz="4000" dirty="0">
-              <a:latin typeface="Georgia" panose="02040502050405020303" pitchFamily="18" charset="0"/>
-            </a:endParaRPr>
+              <a:t>Fejlődése</a:t>
+            </a:r>
           </a:p>
         </p:txBody>
       </p:sp>
@@ -4645,8 +4634,8 @@
         </p:nvSpPr>
         <p:spPr>
           <a:xfrm>
-            <a:off x="2176191" y="1873093"/>
-            <a:ext cx="7382337" cy="4324300"/>
+            <a:off x="2214709" y="2055137"/>
+            <a:ext cx="7382337" cy="3194282"/>
           </a:xfrm>
         </p:spPr>
         <p:txBody>
@@ -4656,7 +4645,7 @@
           <a:lstStyle/>
           <a:p>
             <a:r>
-              <a:rPr lang="hu-HU" sz="2400" dirty="0" smtClean="0">
+              <a:rPr lang="hu-HU" sz="2400" dirty="0">
                 <a:latin typeface="Bahnschrift SemiLight" panose="020B0502040204020203" pitchFamily="34" charset="0"/>
               </a:rPr>
               <a:t>Második világháború után</a:t>
@@ -4664,7 +4653,7 @@
           </a:p>
           <a:p>
             <a:r>
-              <a:rPr lang="hu-HU" sz="2400" dirty="0" smtClean="0">
+              <a:rPr lang="hu-HU" sz="2400" dirty="0">
                 <a:latin typeface="Bahnschrift SemiLight" panose="020B0502040204020203" pitchFamily="34" charset="0"/>
               </a:rPr>
               <a:t>Járműtechnika, fogyasztói elektronika,</a:t>
@@ -4672,14 +4661,11 @@
           </a:p>
           <a:p>
             <a:r>
-              <a:rPr lang="hu-HU" sz="2400" dirty="0" smtClean="0">
+              <a:rPr lang="hu-HU" sz="2400" dirty="0">
                 <a:latin typeface="Bahnschrift SemiLight" panose="020B0502040204020203" pitchFamily="34" charset="0"/>
               </a:rPr>
-              <a:t> Robotika és orvosi eszközök, űrkutatás</a:t>
-            </a:r>
-            <a:endParaRPr lang="hu-HU" sz="2400" dirty="0">
-              <a:latin typeface="Bahnschrift SemiLight" panose="020B0502040204020203" pitchFamily="34" charset="0"/>
-            </a:endParaRPr>
+              <a:t>Robotika és orvosi eszközök, űrkutatás</a:t>
+            </a:r>
           </a:p>
         </p:txBody>
       </p:sp>
@@ -4693,13 +4679,6 @@
   <p:clrMapOvr>
     <a:masterClrMapping/>
   </p:clrMapOvr>
-  <p:timing>
-    <p:tnLst>
-      <p:par>
-        <p:cTn id="1" dur="indefinite" restart="never" nodeType="tmRoot"/>
-      </p:par>
-    </p:tnLst>
-  </p:timing>
 </p:sld>
 </file>
 
@@ -4722,7 +4701,65 @@
       </p:grpSpPr>
       <p:sp>
         <p:nvSpPr>
-          <p:cNvPr id="2" name="Cím 1"/>
+          <p:cNvPr id="3" name="Tartalom helye 2"/>
+          <p:cNvSpPr>
+            <a:spLocks noGrp="1"/>
+          </p:cNvSpPr>
+          <p:nvPr>
+            <p:ph idx="1"/>
+          </p:nvPr>
+        </p:nvSpPr>
+        <p:spPr>
+          <a:xfrm>
+            <a:off x="2303355" y="2332774"/>
+            <a:ext cx="7796540" cy="3997828"/>
+          </a:xfrm>
+        </p:spPr>
+        <p:txBody>
+          <a:bodyPr/>
+          <a:lstStyle/>
+          <a:p>
+            <a:r>
+              <a:rPr lang="hu-HU" sz="2400" dirty="0"/>
+              <a:t>2012-ben 99 milliárd értékű robotot szállított</a:t>
+            </a:r>
+          </a:p>
+          <a:p>
+            <a:r>
+              <a:rPr lang="hu-HU" sz="2400" dirty="0"/>
+              <a:t>A világ vezető robot nemzetének nevezik</a:t>
+            </a:r>
+          </a:p>
+          <a:p>
+            <a:r>
+              <a:rPr lang="hu-HU" sz="2400" dirty="0">
+                <a:latin typeface="Arial" panose="020B0604020202020204" pitchFamily="34" charset="0"/>
+              </a:rPr>
+              <a:t>K</a:t>
+            </a:r>
+            <a:r>
+              <a:rPr lang="hu-HU" sz="2400" b="0" i="0" dirty="0">
+                <a:effectLst/>
+                <a:latin typeface="Arial" panose="020B0604020202020204" pitchFamily="34" charset="0"/>
+              </a:rPr>
+              <a:t>örülbelül negyedmilliónyi ipari robotmunkást foglalkoztat</a:t>
+            </a:r>
+            <a:endParaRPr lang="hu-HU" sz="2400" dirty="0"/>
+          </a:p>
+          <a:p>
+            <a:endParaRPr lang="hu-HU" dirty="0"/>
+          </a:p>
+        </p:txBody>
+      </p:sp>
+      <p:sp>
+        <p:nvSpPr>
+          <p:cNvPr id="4" name="Cím 1">
+            <a:extLst>
+              <a:ext uri="{FF2B5EF4-FFF2-40B4-BE49-F238E27FC236}">
+                <a16:creationId xmlns:a16="http://schemas.microsoft.com/office/drawing/2014/main" id="{2F24A1B1-E7A8-0563-CDD6-11274ACB9596}"/>
+              </a:ext>
+            </a:extLst>
+          </p:cNvPr>
           <p:cNvSpPr>
             <a:spLocks noGrp="1"/>
           </p:cNvSpPr>
@@ -4730,36 +4767,25 @@
             <p:ph type="title"/>
           </p:nvPr>
         </p:nvSpPr>
-        <p:spPr/>
-        <p:txBody>
-          <a:bodyPr/>
+        <p:spPr>
+          <a:xfrm>
+            <a:off x="1464985" y="895452"/>
+            <a:ext cx="4736640" cy="1077229"/>
+          </a:xfrm>
+        </p:spPr>
+        <p:txBody>
+          <a:bodyPr>
+            <a:normAutofit/>
+          </a:bodyPr>
           <a:lstStyle/>
           <a:p>
             <a:pPr algn="ctr"/>
             <a:r>
-              <a:rPr lang="hu-HU" dirty="0" smtClean="0"/>
-              <a:t>Nukleáris energia</a:t>
-            </a:r>
-            <a:endParaRPr lang="hu-HU" dirty="0"/>
-          </a:p>
-        </p:txBody>
-      </p:sp>
-      <p:sp>
-        <p:nvSpPr>
-          <p:cNvPr id="3" name="Tartalom helye 2"/>
-          <p:cNvSpPr>
-            <a:spLocks noGrp="1"/>
-          </p:cNvSpPr>
-          <p:nvPr>
-            <p:ph idx="1"/>
-          </p:nvPr>
-        </p:nvSpPr>
-        <p:spPr/>
-        <p:txBody>
-          <a:bodyPr/>
-          <a:lstStyle/>
-          <a:p>
-            <a:endParaRPr lang="hu-HU" dirty="0"/>
+              <a:rPr lang="hu-HU" sz="4000" dirty="0">
+                <a:latin typeface="Georgia" panose="02040502050405020303" pitchFamily="18" charset="0"/>
+              </a:rPr>
+              <a:t>Robotika</a:t>
+            </a:r>
           </a:p>
         </p:txBody>
       </p:sp>
@@ -4773,13 +4799,6 @@
   <p:clrMapOvr>
     <a:masterClrMapping/>
   </p:clrMapOvr>
-  <p:timing>
-    <p:tnLst>
-      <p:par>
-        <p:cTn id="1" dur="indefinite" restart="never" nodeType="tmRoot"/>
-      </p:par>
-    </p:tnLst>
-  </p:timing>
 </p:sld>
 </file>
 
@@ -4802,7 +4821,66 @@
       </p:grpSpPr>
       <p:sp>
         <p:nvSpPr>
-          <p:cNvPr id="2" name="Cím 1"/>
+          <p:cNvPr id="3" name="Tartalom helye 2"/>
+          <p:cNvSpPr>
+            <a:spLocks noGrp="1"/>
+          </p:cNvSpPr>
+          <p:nvPr>
+            <p:ph idx="1"/>
+          </p:nvPr>
+        </p:nvSpPr>
+        <p:spPr>
+          <a:xfrm>
+            <a:off x="2197730" y="1257708"/>
+            <a:ext cx="7796540" cy="3988642"/>
+          </a:xfrm>
+        </p:spPr>
+        <p:txBody>
+          <a:bodyPr/>
+          <a:lstStyle/>
+          <a:p>
+            <a:r>
+              <a:rPr lang="hu-HU" sz="2400" dirty="0"/>
+              <a:t>Honda, Sony, Fujitsu, Toyota</a:t>
+            </a:r>
+          </a:p>
+          <a:p>
+            <a:pPr marL="0" indent="0">
+              <a:buNone/>
+            </a:pPr>
+            <a:endParaRPr lang="hu-HU" sz="2400" dirty="0"/>
+          </a:p>
+          <a:p>
+            <a:pPr marL="0" indent="0">
+              <a:buNone/>
+            </a:pPr>
+            <a:r>
+              <a:rPr lang="hu-HU" sz="2400" dirty="0"/>
+              <a:t>	</a:t>
+            </a:r>
+            <a:r>
+              <a:rPr lang="hu-HU" b="0" i="0" dirty="0">
+                <a:solidFill>
+                  <a:srgbClr val="202122"/>
+                </a:solidFill>
+                <a:effectLst/>
+                <a:latin typeface="Arial" panose="020B0604020202020204" pitchFamily="34" charset="0"/>
+              </a:rPr>
+              <a:t>.</a:t>
+            </a:r>
+            <a:endParaRPr lang="hu-HU" dirty="0"/>
+          </a:p>
+        </p:txBody>
+      </p:sp>
+      <p:sp>
+        <p:nvSpPr>
+          <p:cNvPr id="6" name="Cím 1">
+            <a:extLst>
+              <a:ext uri="{FF2B5EF4-FFF2-40B4-BE49-F238E27FC236}">
+                <a16:creationId xmlns:a16="http://schemas.microsoft.com/office/drawing/2014/main" id="{7591AF9E-E099-B6E0-5296-8F6A79D54FD2}"/>
+              </a:ext>
+            </a:extLst>
+          </p:cNvPr>
           <p:cNvSpPr>
             <a:spLocks noGrp="1"/>
           </p:cNvSpPr>
@@ -4810,56 +4888,216 @@
             <p:ph type="title"/>
           </p:nvPr>
         </p:nvSpPr>
-        <p:spPr/>
-        <p:txBody>
-          <a:bodyPr/>
+        <p:spPr>
+          <a:xfrm>
+            <a:off x="1655108" y="904756"/>
+            <a:ext cx="4736640" cy="1077229"/>
+          </a:xfrm>
+        </p:spPr>
+        <p:txBody>
+          <a:bodyPr>
+            <a:normAutofit/>
+          </a:bodyPr>
           <a:lstStyle/>
           <a:p>
             <a:pPr algn="ctr"/>
             <a:r>
-              <a:rPr lang="hu-HU" dirty="0" smtClean="0"/>
-              <a:t>Robotika</a:t>
-            </a:r>
-            <a:endParaRPr lang="hu-HU" dirty="0"/>
-          </a:p>
-        </p:txBody>
-      </p:sp>
-      <p:sp>
-        <p:nvSpPr>
-          <p:cNvPr id="3" name="Tartalom helye 2"/>
-          <p:cNvSpPr>
-            <a:spLocks noGrp="1"/>
-          </p:cNvSpPr>
-          <p:nvPr>
-            <p:ph idx="1"/>
-          </p:nvPr>
-        </p:nvSpPr>
-        <p:spPr/>
-        <p:txBody>
-          <a:bodyPr/>
-          <a:lstStyle/>
-          <a:p>
-            <a:r>
-              <a:rPr lang="hu-HU" dirty="0" smtClean="0"/>
-              <a:t>A világ </a:t>
-            </a:r>
-            <a:r>
-              <a:rPr lang="hu-HU" dirty="0"/>
-              <a:t>vezető </a:t>
-            </a:r>
-            <a:r>
-              <a:rPr lang="hu-HU" dirty="0" smtClean="0"/>
-              <a:t>robot nemzetének nevezik</a:t>
-            </a:r>
-          </a:p>
-          <a:p>
-            <a:r>
-              <a:rPr lang="hu-HU" dirty="0" smtClean="0"/>
-              <a:t>3,4 milliárd yen () értéjű robotot szállított 2012-ben</a:t>
-            </a:r>
-          </a:p>
-        </p:txBody>
-      </p:sp>
+              <a:rPr lang="hu-HU" sz="4000" dirty="0">
+                <a:latin typeface="Georgia" panose="02040502050405020303" pitchFamily="18" charset="0"/>
+              </a:rPr>
+              <a:t>Főbb gyártók</a:t>
+            </a:r>
+          </a:p>
+        </p:txBody>
+      </p:sp>
+      <p:pic>
+        <p:nvPicPr>
+          <p:cNvPr id="8" name="Kép 7">
+            <a:extLst>
+              <a:ext uri="{FF2B5EF4-FFF2-40B4-BE49-F238E27FC236}">
+                <a16:creationId xmlns:a16="http://schemas.microsoft.com/office/drawing/2014/main" id="{CBAB08FF-DFDF-434A-0D47-ABF3D55FFEC5}"/>
+              </a:ext>
+            </a:extLst>
+          </p:cNvPr>
+          <p:cNvPicPr>
+            <a:picLocks noChangeAspect="1"/>
+          </p:cNvPicPr>
+          <p:nvPr/>
+        </p:nvPicPr>
+        <p:blipFill rotWithShape="1">
+          <a:blip r:embed="rId2">
+            <a:extLst>
+              <a:ext uri="{28A0092B-C50C-407E-A947-70E740481C1C}">
+                <a14:useLocalDpi xmlns:a14="http://schemas.microsoft.com/office/drawing/2010/main" val="0"/>
+              </a:ext>
+            </a:extLst>
+          </a:blip>
+          <a:srcRect l="6171" t="5412" r="10334" b="13193"/>
+          <a:stretch/>
+        </p:blipFill>
+        <p:spPr>
+          <a:xfrm>
+            <a:off x="2040143" y="1981985"/>
+            <a:ext cx="8111713" cy="4477529"/>
+          </a:xfrm>
+          <a:prstGeom prst="rect">
+            <a:avLst/>
+          </a:prstGeom>
+        </p:spPr>
+      </p:pic>
+      <p:pic>
+        <p:nvPicPr>
+          <p:cNvPr id="10" name="Kép 9" descr="A képen beltéri, szerszám, rendetlen látható&#10;&#10;Automatikusan generált leírás">
+            <a:extLst>
+              <a:ext uri="{FF2B5EF4-FFF2-40B4-BE49-F238E27FC236}">
+                <a16:creationId xmlns:a16="http://schemas.microsoft.com/office/drawing/2014/main" id="{852F1887-7BA4-994E-2FC2-449F2CC33AD9}"/>
+              </a:ext>
+            </a:extLst>
+          </p:cNvPr>
+          <p:cNvPicPr>
+            <a:picLocks noChangeAspect="1"/>
+          </p:cNvPicPr>
+          <p:nvPr/>
+        </p:nvPicPr>
+        <p:blipFill>
+          <a:blip r:embed="rId3">
+            <a:extLst>
+              <a:ext uri="{28A0092B-C50C-407E-A947-70E740481C1C}">
+                <a14:useLocalDpi xmlns:a14="http://schemas.microsoft.com/office/drawing/2010/main" val="0"/>
+              </a:ext>
+            </a:extLst>
+          </a:blip>
+          <a:stretch>
+            <a:fillRect/>
+          </a:stretch>
+        </p:blipFill>
+        <p:spPr>
+          <a:xfrm>
+            <a:off x="3119106" y="2555870"/>
+            <a:ext cx="5782765" cy="3238348"/>
+          </a:xfrm>
+          <a:prstGeom prst="rect">
+            <a:avLst/>
+          </a:prstGeom>
+        </p:spPr>
+      </p:pic>
+      <p:pic>
+        <p:nvPicPr>
+          <p:cNvPr id="12" name="Kép 11" descr="A képen szöveg, emlősök látható">
+            <a:extLst>
+              <a:ext uri="{FF2B5EF4-FFF2-40B4-BE49-F238E27FC236}">
+                <a16:creationId xmlns:a16="http://schemas.microsoft.com/office/drawing/2014/main" id="{849B2E1E-67E8-54E9-0695-1B75E3AACE1D}"/>
+              </a:ext>
+            </a:extLst>
+          </p:cNvPr>
+          <p:cNvPicPr>
+            <a:picLocks noChangeAspect="1"/>
+          </p:cNvPicPr>
+          <p:nvPr/>
+        </p:nvPicPr>
+        <p:blipFill rotWithShape="1">
+          <a:blip r:embed="rId4">
+            <a:extLst>
+              <a:ext uri="{28A0092B-C50C-407E-A947-70E740481C1C}">
+                <a14:useLocalDpi xmlns:a14="http://schemas.microsoft.com/office/drawing/2010/main" val="0"/>
+              </a:ext>
+            </a:extLst>
+          </a:blip>
+          <a:srcRect l="2634" t="2719" r="4146" b="11142"/>
+          <a:stretch/>
+        </p:blipFill>
+        <p:spPr>
+          <a:xfrm>
+            <a:off x="2787477" y="2555870"/>
+            <a:ext cx="6617046" cy="3546726"/>
+          </a:xfrm>
+          <a:prstGeom prst="rect">
+            <a:avLst/>
+          </a:prstGeom>
+        </p:spPr>
+      </p:pic>
+      <p:pic>
+        <p:nvPicPr>
+          <p:cNvPr id="13" name="Kép 12" descr="ábra Távirányítós robot MHI-MEISTeR.  Ennek a robotnak a fejlesztését a Természeti Erőforrások és Energia Ügynökség megbízásából az IRID, a fejlesztés egy részét pedig a Mitsubishi Heavy Industries végezte, amely az IRID tagja.">
+            <a:extLst>
+              <a:ext uri="{FF2B5EF4-FFF2-40B4-BE49-F238E27FC236}">
+                <a16:creationId xmlns:a16="http://schemas.microsoft.com/office/drawing/2014/main" id="{5AD71C89-5488-90F0-D9BE-FB237AC57C29}"/>
+              </a:ext>
+            </a:extLst>
+          </p:cNvPr>
+          <p:cNvPicPr>
+            <a:picLocks noChangeAspect="1"/>
+          </p:cNvPicPr>
+          <p:nvPr/>
+        </p:nvPicPr>
+        <p:blipFill>
+          <a:blip r:embed="rId5">
+            <a:extLst>
+              <a:ext uri="{28A0092B-C50C-407E-A947-70E740481C1C}">
+                <a14:useLocalDpi xmlns:a14="http://schemas.microsoft.com/office/drawing/2010/main" val="0"/>
+              </a:ext>
+            </a:extLst>
+          </a:blip>
+          <a:srcRect/>
+          <a:stretch>
+            <a:fillRect/>
+          </a:stretch>
+        </p:blipFill>
+        <p:spPr bwMode="auto">
+          <a:xfrm>
+            <a:off x="3119106" y="2087630"/>
+            <a:ext cx="5688318" cy="4266239"/>
+          </a:xfrm>
+          <a:prstGeom prst="rect">
+            <a:avLst/>
+          </a:prstGeom>
+          <a:noFill/>
+          <a:ln>
+            <a:noFill/>
+          </a:ln>
+        </p:spPr>
+      </p:pic>
+      <p:pic>
+        <p:nvPicPr>
+          <p:cNvPr id="14" name="Kép 13" descr="ábra A mester manipulátorokat kezelő sebész">
+            <a:extLst>
+              <a:ext uri="{FF2B5EF4-FFF2-40B4-BE49-F238E27FC236}">
+                <a16:creationId xmlns:a16="http://schemas.microsoft.com/office/drawing/2014/main" id="{66C85FE1-9A6F-F320-0C68-6E2C2AF3C436}"/>
+              </a:ext>
+            </a:extLst>
+          </p:cNvPr>
+          <p:cNvPicPr>
+            <a:picLocks noChangeAspect="1"/>
+          </p:cNvPicPr>
+          <p:nvPr/>
+        </p:nvPicPr>
+        <p:blipFill>
+          <a:blip r:embed="rId6">
+            <a:extLst>
+              <a:ext uri="{28A0092B-C50C-407E-A947-70E740481C1C}">
+                <a14:useLocalDpi xmlns:a14="http://schemas.microsoft.com/office/drawing/2010/main" val="0"/>
+              </a:ext>
+            </a:extLst>
+          </a:blip>
+          <a:srcRect/>
+          <a:stretch>
+            <a:fillRect/>
+          </a:stretch>
+        </p:blipFill>
+        <p:spPr bwMode="auto">
+          <a:xfrm>
+            <a:off x="2546285" y="1861668"/>
+            <a:ext cx="7099427" cy="4718161"/>
+          </a:xfrm>
+          <a:prstGeom prst="rect">
+            <a:avLst/>
+          </a:prstGeom>
+          <a:noFill/>
+          <a:ln>
+            <a:noFill/>
+          </a:ln>
+        </p:spPr>
+      </p:pic>
     </p:spTree>
     <p:extLst>
       <p:ext uri="{BB962C8B-B14F-4D97-AF65-F5344CB8AC3E}">
@@ -4873,7 +5111,485 @@
   <p:timing>
     <p:tnLst>
       <p:par>
-        <p:cTn id="1" dur="indefinite" restart="never" nodeType="tmRoot"/>
+        <p:cTn id="1" dur="indefinite" restart="never" nodeType="tmRoot">
+          <p:childTnLst>
+            <p:seq concurrent="1" nextAc="seek">
+              <p:cTn id="2" dur="indefinite" nodeType="mainSeq">
+                <p:childTnLst>
+                  <p:par>
+                    <p:cTn id="3" fill="hold">
+                      <p:stCondLst>
+                        <p:cond delay="indefinite"/>
+                      </p:stCondLst>
+                      <p:childTnLst>
+                        <p:par>
+                          <p:cTn id="4" fill="hold">
+                            <p:stCondLst>
+                              <p:cond delay="0"/>
+                            </p:stCondLst>
+                            <p:childTnLst>
+                              <p:par>
+                                <p:cTn id="5" presetID="2" presetClass="entr" presetSubtype="4" fill="hold" nodeType="clickEffect">
+                                  <p:stCondLst>
+                                    <p:cond delay="0"/>
+                                  </p:stCondLst>
+                                  <p:childTnLst>
+                                    <p:set>
+                                      <p:cBhvr>
+                                        <p:cTn id="6" dur="1" fill="hold">
+                                          <p:stCondLst>
+                                            <p:cond delay="0"/>
+                                          </p:stCondLst>
+                                        </p:cTn>
+                                        <p:tgtEl>
+                                          <p:spTgt spid="8"/>
+                                        </p:tgtEl>
+                                        <p:attrNameLst>
+                                          <p:attrName>style.visibility</p:attrName>
+                                        </p:attrNameLst>
+                                      </p:cBhvr>
+                                      <p:to>
+                                        <p:strVal val="visible"/>
+                                      </p:to>
+                                    </p:set>
+                                    <p:anim calcmode="lin" valueType="num">
+                                      <p:cBhvr additive="base">
+                                        <p:cTn id="7" dur="500" fill="hold"/>
+                                        <p:tgtEl>
+                                          <p:spTgt spid="8"/>
+                                        </p:tgtEl>
+                                        <p:attrNameLst>
+                                          <p:attrName>ppt_x</p:attrName>
+                                        </p:attrNameLst>
+                                      </p:cBhvr>
+                                      <p:tavLst>
+                                        <p:tav tm="0">
+                                          <p:val>
+                                            <p:strVal val="#ppt_x"/>
+                                          </p:val>
+                                        </p:tav>
+                                        <p:tav tm="100000">
+                                          <p:val>
+                                            <p:strVal val="#ppt_x"/>
+                                          </p:val>
+                                        </p:tav>
+                                      </p:tavLst>
+                                    </p:anim>
+                                    <p:anim calcmode="lin" valueType="num">
+                                      <p:cBhvr additive="base">
+                                        <p:cTn id="8" dur="500" fill="hold"/>
+                                        <p:tgtEl>
+                                          <p:spTgt spid="8"/>
+                                        </p:tgtEl>
+                                        <p:attrNameLst>
+                                          <p:attrName>ppt_y</p:attrName>
+                                        </p:attrNameLst>
+                                      </p:cBhvr>
+                                      <p:tavLst>
+                                        <p:tav tm="0">
+                                          <p:val>
+                                            <p:strVal val="1+#ppt_h/2"/>
+                                          </p:val>
+                                        </p:tav>
+                                        <p:tav tm="100000">
+                                          <p:val>
+                                            <p:strVal val="#ppt_y"/>
+                                          </p:val>
+                                        </p:tav>
+                                      </p:tavLst>
+                                    </p:anim>
+                                  </p:childTnLst>
+                                </p:cTn>
+                              </p:par>
+                            </p:childTnLst>
+                          </p:cTn>
+                        </p:par>
+                      </p:childTnLst>
+                    </p:cTn>
+                  </p:par>
+                  <p:par>
+                    <p:cTn id="9" fill="hold">
+                      <p:stCondLst>
+                        <p:cond delay="indefinite"/>
+                      </p:stCondLst>
+                      <p:childTnLst>
+                        <p:par>
+                          <p:cTn id="10" fill="hold">
+                            <p:stCondLst>
+                              <p:cond delay="0"/>
+                            </p:stCondLst>
+                            <p:childTnLst>
+                              <p:par>
+                                <p:cTn id="11" presetID="2" presetClass="entr" presetSubtype="4" fill="hold" nodeType="clickEffect">
+                                  <p:stCondLst>
+                                    <p:cond delay="0"/>
+                                  </p:stCondLst>
+                                  <p:childTnLst>
+                                    <p:set>
+                                      <p:cBhvr>
+                                        <p:cTn id="12" dur="1" fill="hold">
+                                          <p:stCondLst>
+                                            <p:cond delay="0"/>
+                                          </p:stCondLst>
+                                        </p:cTn>
+                                        <p:tgtEl>
+                                          <p:spTgt spid="10"/>
+                                        </p:tgtEl>
+                                        <p:attrNameLst>
+                                          <p:attrName>style.visibility</p:attrName>
+                                        </p:attrNameLst>
+                                      </p:cBhvr>
+                                      <p:to>
+                                        <p:strVal val="visible"/>
+                                      </p:to>
+                                    </p:set>
+                                    <p:anim calcmode="lin" valueType="num">
+                                      <p:cBhvr additive="base">
+                                        <p:cTn id="13" dur="500" fill="hold"/>
+                                        <p:tgtEl>
+                                          <p:spTgt spid="10"/>
+                                        </p:tgtEl>
+                                        <p:attrNameLst>
+                                          <p:attrName>ppt_x</p:attrName>
+                                        </p:attrNameLst>
+                                      </p:cBhvr>
+                                      <p:tavLst>
+                                        <p:tav tm="0">
+                                          <p:val>
+                                            <p:strVal val="#ppt_x"/>
+                                          </p:val>
+                                        </p:tav>
+                                        <p:tav tm="100000">
+                                          <p:val>
+                                            <p:strVal val="#ppt_x"/>
+                                          </p:val>
+                                        </p:tav>
+                                      </p:tavLst>
+                                    </p:anim>
+                                    <p:anim calcmode="lin" valueType="num">
+                                      <p:cBhvr additive="base">
+                                        <p:cTn id="14" dur="500" fill="hold"/>
+                                        <p:tgtEl>
+                                          <p:spTgt spid="10"/>
+                                        </p:tgtEl>
+                                        <p:attrNameLst>
+                                          <p:attrName>ppt_y</p:attrName>
+                                        </p:attrNameLst>
+                                      </p:cBhvr>
+                                      <p:tavLst>
+                                        <p:tav tm="0">
+                                          <p:val>
+                                            <p:strVal val="1+#ppt_h/2"/>
+                                          </p:val>
+                                        </p:tav>
+                                        <p:tav tm="100000">
+                                          <p:val>
+                                            <p:strVal val="#ppt_y"/>
+                                          </p:val>
+                                        </p:tav>
+                                      </p:tavLst>
+                                    </p:anim>
+                                  </p:childTnLst>
+                                </p:cTn>
+                              </p:par>
+                            </p:childTnLst>
+                          </p:cTn>
+                        </p:par>
+                      </p:childTnLst>
+                    </p:cTn>
+                  </p:par>
+                  <p:par>
+                    <p:cTn id="15" fill="hold">
+                      <p:stCondLst>
+                        <p:cond delay="indefinite"/>
+                      </p:stCondLst>
+                      <p:childTnLst>
+                        <p:par>
+                          <p:cTn id="16" fill="hold">
+                            <p:stCondLst>
+                              <p:cond delay="0"/>
+                            </p:stCondLst>
+                            <p:childTnLst>
+                              <p:par>
+                                <p:cTn id="17" presetID="2" presetClass="entr" presetSubtype="4" fill="hold" nodeType="clickEffect">
+                                  <p:stCondLst>
+                                    <p:cond delay="0"/>
+                                  </p:stCondLst>
+                                  <p:childTnLst>
+                                    <p:set>
+                                      <p:cBhvr>
+                                        <p:cTn id="18" dur="1" fill="hold">
+                                          <p:stCondLst>
+                                            <p:cond delay="0"/>
+                                          </p:stCondLst>
+                                        </p:cTn>
+                                        <p:tgtEl>
+                                          <p:spTgt spid="12"/>
+                                        </p:tgtEl>
+                                        <p:attrNameLst>
+                                          <p:attrName>style.visibility</p:attrName>
+                                        </p:attrNameLst>
+                                      </p:cBhvr>
+                                      <p:to>
+                                        <p:strVal val="visible"/>
+                                      </p:to>
+                                    </p:set>
+                                    <p:anim calcmode="lin" valueType="num">
+                                      <p:cBhvr additive="base">
+                                        <p:cTn id="19" dur="500" fill="hold"/>
+                                        <p:tgtEl>
+                                          <p:spTgt spid="12"/>
+                                        </p:tgtEl>
+                                        <p:attrNameLst>
+                                          <p:attrName>ppt_x</p:attrName>
+                                        </p:attrNameLst>
+                                      </p:cBhvr>
+                                      <p:tavLst>
+                                        <p:tav tm="0">
+                                          <p:val>
+                                            <p:strVal val="#ppt_x"/>
+                                          </p:val>
+                                        </p:tav>
+                                        <p:tav tm="100000">
+                                          <p:val>
+                                            <p:strVal val="#ppt_x"/>
+                                          </p:val>
+                                        </p:tav>
+                                      </p:tavLst>
+                                    </p:anim>
+                                    <p:anim calcmode="lin" valueType="num">
+                                      <p:cBhvr additive="base">
+                                        <p:cTn id="20" dur="500" fill="hold"/>
+                                        <p:tgtEl>
+                                          <p:spTgt spid="12"/>
+                                        </p:tgtEl>
+                                        <p:attrNameLst>
+                                          <p:attrName>ppt_y</p:attrName>
+                                        </p:attrNameLst>
+                                      </p:cBhvr>
+                                      <p:tavLst>
+                                        <p:tav tm="0">
+                                          <p:val>
+                                            <p:strVal val="1+#ppt_h/2"/>
+                                          </p:val>
+                                        </p:tav>
+                                        <p:tav tm="100000">
+                                          <p:val>
+                                            <p:strVal val="#ppt_y"/>
+                                          </p:val>
+                                        </p:tav>
+                                      </p:tavLst>
+                                    </p:anim>
+                                  </p:childTnLst>
+                                </p:cTn>
+                              </p:par>
+                            </p:childTnLst>
+                          </p:cTn>
+                        </p:par>
+                      </p:childTnLst>
+                    </p:cTn>
+                  </p:par>
+                  <p:par>
+                    <p:cTn id="21" fill="hold">
+                      <p:stCondLst>
+                        <p:cond delay="indefinite"/>
+                      </p:stCondLst>
+                      <p:childTnLst>
+                        <p:par>
+                          <p:cTn id="22" fill="hold">
+                            <p:stCondLst>
+                              <p:cond delay="0"/>
+                            </p:stCondLst>
+                            <p:childTnLst>
+                              <p:par>
+                                <p:cTn id="23" presetID="2" presetClass="entr" presetSubtype="4" fill="hold" nodeType="clickEffect">
+                                  <p:stCondLst>
+                                    <p:cond delay="0"/>
+                                  </p:stCondLst>
+                                  <p:childTnLst>
+                                    <p:set>
+                                      <p:cBhvr>
+                                        <p:cTn id="24" dur="1" fill="hold">
+                                          <p:stCondLst>
+                                            <p:cond delay="0"/>
+                                          </p:stCondLst>
+                                        </p:cTn>
+                                        <p:tgtEl>
+                                          <p:spTgt spid="13"/>
+                                        </p:tgtEl>
+                                        <p:attrNameLst>
+                                          <p:attrName>style.visibility</p:attrName>
+                                        </p:attrNameLst>
+                                      </p:cBhvr>
+                                      <p:to>
+                                        <p:strVal val="visible"/>
+                                      </p:to>
+                                    </p:set>
+                                    <p:anim calcmode="lin" valueType="num">
+                                      <p:cBhvr additive="base">
+                                        <p:cTn id="25" dur="500" fill="hold"/>
+                                        <p:tgtEl>
+                                          <p:spTgt spid="13"/>
+                                        </p:tgtEl>
+                                        <p:attrNameLst>
+                                          <p:attrName>ppt_x</p:attrName>
+                                        </p:attrNameLst>
+                                      </p:cBhvr>
+                                      <p:tavLst>
+                                        <p:tav tm="0">
+                                          <p:val>
+                                            <p:strVal val="#ppt_x"/>
+                                          </p:val>
+                                        </p:tav>
+                                        <p:tav tm="100000">
+                                          <p:val>
+                                            <p:strVal val="#ppt_x"/>
+                                          </p:val>
+                                        </p:tav>
+                                      </p:tavLst>
+                                    </p:anim>
+                                    <p:anim calcmode="lin" valueType="num">
+                                      <p:cBhvr additive="base">
+                                        <p:cTn id="26" dur="500" fill="hold"/>
+                                        <p:tgtEl>
+                                          <p:spTgt spid="13"/>
+                                        </p:tgtEl>
+                                        <p:attrNameLst>
+                                          <p:attrName>ppt_y</p:attrName>
+                                        </p:attrNameLst>
+                                      </p:cBhvr>
+                                      <p:tavLst>
+                                        <p:tav tm="0">
+                                          <p:val>
+                                            <p:strVal val="1+#ppt_h/2"/>
+                                          </p:val>
+                                        </p:tav>
+                                        <p:tav tm="100000">
+                                          <p:val>
+                                            <p:strVal val="#ppt_y"/>
+                                          </p:val>
+                                        </p:tav>
+                                      </p:tavLst>
+                                    </p:anim>
+                                  </p:childTnLst>
+                                </p:cTn>
+                              </p:par>
+                            </p:childTnLst>
+                          </p:cTn>
+                        </p:par>
+                      </p:childTnLst>
+                    </p:cTn>
+                  </p:par>
+                  <p:par>
+                    <p:cTn id="27" fill="hold">
+                      <p:stCondLst>
+                        <p:cond delay="indefinite"/>
+                      </p:stCondLst>
+                      <p:childTnLst>
+                        <p:par>
+                          <p:cTn id="28" fill="hold">
+                            <p:stCondLst>
+                              <p:cond delay="0"/>
+                            </p:stCondLst>
+                            <p:childTnLst>
+                              <p:par>
+                                <p:cTn id="29" presetID="2" presetClass="entr" presetSubtype="4" fill="hold" nodeType="clickEffect">
+                                  <p:stCondLst>
+                                    <p:cond delay="0"/>
+                                  </p:stCondLst>
+                                  <p:childTnLst>
+                                    <p:set>
+                                      <p:cBhvr>
+                                        <p:cTn id="30" dur="1" fill="hold">
+                                          <p:stCondLst>
+                                            <p:cond delay="0"/>
+                                          </p:stCondLst>
+                                        </p:cTn>
+                                        <p:tgtEl>
+                                          <p:spTgt spid="14"/>
+                                        </p:tgtEl>
+                                        <p:attrNameLst>
+                                          <p:attrName>style.visibility</p:attrName>
+                                        </p:attrNameLst>
+                                      </p:cBhvr>
+                                      <p:to>
+                                        <p:strVal val="visible"/>
+                                      </p:to>
+                                    </p:set>
+                                    <p:anim calcmode="lin" valueType="num">
+                                      <p:cBhvr additive="base">
+                                        <p:cTn id="31" dur="500" fill="hold"/>
+                                        <p:tgtEl>
+                                          <p:spTgt spid="14"/>
+                                        </p:tgtEl>
+                                        <p:attrNameLst>
+                                          <p:attrName>ppt_x</p:attrName>
+                                        </p:attrNameLst>
+                                      </p:cBhvr>
+                                      <p:tavLst>
+                                        <p:tav tm="0">
+                                          <p:val>
+                                            <p:strVal val="#ppt_x"/>
+                                          </p:val>
+                                        </p:tav>
+                                        <p:tav tm="100000">
+                                          <p:val>
+                                            <p:strVal val="#ppt_x"/>
+                                          </p:val>
+                                        </p:tav>
+                                      </p:tavLst>
+                                    </p:anim>
+                                    <p:anim calcmode="lin" valueType="num">
+                                      <p:cBhvr additive="base">
+                                        <p:cTn id="32" dur="500" fill="hold"/>
+                                        <p:tgtEl>
+                                          <p:spTgt spid="14"/>
+                                        </p:tgtEl>
+                                        <p:attrNameLst>
+                                          <p:attrName>ppt_y</p:attrName>
+                                        </p:attrNameLst>
+                                      </p:cBhvr>
+                                      <p:tavLst>
+                                        <p:tav tm="0">
+                                          <p:val>
+                                            <p:strVal val="1+#ppt_h/2"/>
+                                          </p:val>
+                                        </p:tav>
+                                        <p:tav tm="100000">
+                                          <p:val>
+                                            <p:strVal val="#ppt_y"/>
+                                          </p:val>
+                                        </p:tav>
+                                      </p:tavLst>
+                                    </p:anim>
+                                  </p:childTnLst>
+                                </p:cTn>
+                              </p:par>
+                            </p:childTnLst>
+                          </p:cTn>
+                        </p:par>
+                      </p:childTnLst>
+                    </p:cTn>
+                  </p:par>
+                </p:childTnLst>
+              </p:cTn>
+              <p:prevCondLst>
+                <p:cond evt="onPrev" delay="0">
+                  <p:tgtEl>
+                    <p:sldTgt/>
+                  </p:tgtEl>
+                </p:cond>
+              </p:prevCondLst>
+              <p:nextCondLst>
+                <p:cond evt="onNext" delay="0">
+                  <p:tgtEl>
+                    <p:sldTgt/>
+                  </p:tgtEl>
+                </p:cond>
+              </p:nextCondLst>
+            </p:seq>
+          </p:childTnLst>
+        </p:cTn>
       </p:par>
     </p:tnLst>
   </p:timing>
@@ -4899,7 +5615,59 @@
       </p:grpSpPr>
       <p:sp>
         <p:nvSpPr>
-          <p:cNvPr id="2" name="Cím 1"/>
+          <p:cNvPr id="3" name="Tartalom helye 2"/>
+          <p:cNvSpPr>
+            <a:spLocks noGrp="1"/>
+          </p:cNvSpPr>
+          <p:nvPr>
+            <p:ph idx="1"/>
+          </p:nvPr>
+        </p:nvSpPr>
+        <p:spPr/>
+        <p:txBody>
+          <a:bodyPr/>
+          <a:lstStyle/>
+          <a:p>
+            <a:r>
+              <a:rPr lang="hu-HU" dirty="0"/>
+              <a:t>Átlagosan : 18mp késéssel</a:t>
+            </a:r>
+          </a:p>
+          <a:p>
+            <a:r>
+              <a:rPr lang="hu-HU" dirty="0"/>
+              <a:t>Földrengés és tájfun biztosak</a:t>
+            </a:r>
+          </a:p>
+          <a:p>
+            <a:r>
+              <a:rPr lang="hu-HU" dirty="0"/>
+              <a:t>Hagyományos vasút - 443km/h </a:t>
+            </a:r>
+          </a:p>
+          <a:p>
+            <a:r>
+              <a:rPr lang="hu-HU" dirty="0"/>
+              <a:t>Mágnesvasút – 580km/h</a:t>
+            </a:r>
+          </a:p>
+          <a:p>
+            <a:pPr marL="0" indent="0">
+              <a:buNone/>
+            </a:pPr>
+            <a:endParaRPr lang="hu-HU" dirty="0"/>
+          </a:p>
+        </p:txBody>
+      </p:sp>
+      <p:sp>
+        <p:nvSpPr>
+          <p:cNvPr id="8" name="Cím 1">
+            <a:extLst>
+              <a:ext uri="{FF2B5EF4-FFF2-40B4-BE49-F238E27FC236}">
+                <a16:creationId xmlns:a16="http://schemas.microsoft.com/office/drawing/2014/main" id="{15335E79-6728-331C-DD1D-A19639799E2C}"/>
+              </a:ext>
+            </a:extLst>
+          </p:cNvPr>
           <p:cNvSpPr>
             <a:spLocks noGrp="1"/>
           </p:cNvSpPr>
@@ -4907,36 +5675,25 @@
             <p:ph type="title"/>
           </p:nvPr>
         </p:nvSpPr>
-        <p:spPr/>
-        <p:txBody>
-          <a:bodyPr/>
+        <p:spPr>
+          <a:xfrm>
+            <a:off x="1464985" y="895452"/>
+            <a:ext cx="4736640" cy="1077229"/>
+          </a:xfrm>
+        </p:spPr>
+        <p:txBody>
+          <a:bodyPr>
+            <a:normAutofit/>
+          </a:bodyPr>
           <a:lstStyle/>
           <a:p>
             <a:pPr algn="ctr"/>
             <a:r>
-              <a:rPr lang="hu-HU" dirty="0" smtClean="0"/>
-              <a:t>Orvos tudomány</a:t>
-            </a:r>
-            <a:endParaRPr lang="hu-HU" dirty="0"/>
-          </a:p>
-        </p:txBody>
-      </p:sp>
-      <p:sp>
-        <p:nvSpPr>
-          <p:cNvPr id="3" name="Tartalom helye 2"/>
-          <p:cNvSpPr>
-            <a:spLocks noGrp="1"/>
-          </p:cNvSpPr>
-          <p:nvPr>
-            <p:ph idx="1"/>
-          </p:nvPr>
-        </p:nvSpPr>
-        <p:spPr/>
-        <p:txBody>
-          <a:bodyPr/>
-          <a:lstStyle/>
-          <a:p>
-            <a:endParaRPr lang="hu-HU"/>
+              <a:rPr lang="hu-HU" sz="4000" dirty="0">
+                <a:latin typeface="Georgia" panose="02040502050405020303" pitchFamily="18" charset="0"/>
+              </a:rPr>
+              <a:t>Járműtechnika</a:t>
+            </a:r>
           </a:p>
         </p:txBody>
       </p:sp>
@@ -4950,13 +5707,263 @@
   <p:clrMapOvr>
     <a:masterClrMapping/>
   </p:clrMapOvr>
-  <p:timing>
-    <p:tnLst>
-      <p:par>
-        <p:cTn id="1" dur="indefinite" restart="never" nodeType="tmRoot"/>
-      </p:par>
-    </p:tnLst>
-  </p:timing>
+</p:sld>
+</file>
+
+<file path=ppt/slides/slide6.xml><?xml version="1.0" encoding="utf-8"?>
+<p:sld xmlns:a="http://schemas.openxmlformats.org/drawingml/2006/main" xmlns:r="http://schemas.openxmlformats.org/officeDocument/2006/relationships" xmlns:p="http://schemas.openxmlformats.org/presentationml/2006/main">
+  <p:cSld>
+    <p:spTree>
+      <p:nvGrpSpPr>
+        <p:cNvPr id="1" name=""/>
+        <p:cNvGrpSpPr/>
+        <p:nvPr/>
+      </p:nvGrpSpPr>
+      <p:grpSpPr>
+        <a:xfrm>
+          <a:off x="0" y="0"/>
+          <a:ext cx="0" cy="0"/>
+          <a:chOff x="0" y="0"/>
+          <a:chExt cx="0" cy="0"/>
+        </a:xfrm>
+      </p:grpSpPr>
+      <p:sp>
+        <p:nvSpPr>
+          <p:cNvPr id="3" name="Tartalom helye 2">
+            <a:extLst>
+              <a:ext uri="{FF2B5EF4-FFF2-40B4-BE49-F238E27FC236}">
+                <a16:creationId xmlns:a16="http://schemas.microsoft.com/office/drawing/2014/main" id="{E52253C6-85F1-E381-1B2C-2AD453549B89}"/>
+              </a:ext>
+            </a:extLst>
+          </p:cNvPr>
+          <p:cNvSpPr>
+            <a:spLocks noGrp="1"/>
+          </p:cNvSpPr>
+          <p:nvPr>
+            <p:ph idx="1"/>
+          </p:nvPr>
+        </p:nvSpPr>
+        <p:spPr>
+          <a:xfrm>
+            <a:off x="2773599" y="2052116"/>
+            <a:ext cx="7248587" cy="3615353"/>
+          </a:xfrm>
+        </p:spPr>
+        <p:txBody>
+          <a:bodyPr/>
+          <a:lstStyle/>
+          <a:p>
+            <a:pPr marL="0" indent="0">
+              <a:buNone/>
+            </a:pPr>
+            <a:r>
+              <a:rPr lang="hu-HU" dirty="0">
+                <a:hlinkClick r:id="rId2"/>
+              </a:rPr>
+              <a:t>https://www.divehardtours.com/japan-utazas-tomegkozlekedes</a:t>
+            </a:r>
+            <a:endParaRPr lang="hu-HU" dirty="0"/>
+          </a:p>
+          <a:p>
+            <a:pPr marL="0" indent="0">
+              <a:buNone/>
+            </a:pPr>
+            <a:r>
+              <a:rPr lang="hu-HU" dirty="0">
+                <a:hlinkClick r:id="rId3"/>
+              </a:rPr>
+              <a:t>https://utazgatok.hu/andras/3846/japan-munka-megszallottsag-technologia-wc/</a:t>
+            </a:r>
+            <a:endParaRPr lang="hu-HU" dirty="0"/>
+          </a:p>
+          <a:p>
+            <a:pPr marL="0" indent="0">
+              <a:buNone/>
+            </a:pPr>
+            <a:r>
+              <a:rPr lang="hu-HU" dirty="0">
+                <a:hlinkClick r:id="rId4"/>
+              </a:rPr>
+              <a:t>https://hu.wikipedia.org/wiki/Jap%C3%A1n</a:t>
+            </a:r>
+            <a:endParaRPr lang="hu-HU" dirty="0"/>
+          </a:p>
+          <a:p>
+            <a:pPr marL="0" indent="0">
+              <a:buNone/>
+            </a:pPr>
+            <a:r>
+              <a:rPr lang="hu-HU" dirty="0">
+                <a:hlinkClick r:id="rId5"/>
+              </a:rPr>
+              <a:t>https://hu.wikipedia.org/wiki/Jap%C3%A1n_robotika</a:t>
+            </a:r>
+            <a:endParaRPr lang="hu-HU" dirty="0"/>
+          </a:p>
+          <a:p>
+            <a:pPr marL="0" indent="0">
+              <a:buNone/>
+            </a:pPr>
+            <a:endParaRPr lang="hu-HU" dirty="0"/>
+          </a:p>
+        </p:txBody>
+      </p:sp>
+      <p:sp>
+        <p:nvSpPr>
+          <p:cNvPr id="4" name="Cím 1">
+            <a:extLst>
+              <a:ext uri="{FF2B5EF4-FFF2-40B4-BE49-F238E27FC236}">
+                <a16:creationId xmlns:a16="http://schemas.microsoft.com/office/drawing/2014/main" id="{08A154F3-A28C-F056-E5EA-81DD2931F709}"/>
+              </a:ext>
+            </a:extLst>
+          </p:cNvPr>
+          <p:cNvSpPr txBox="1">
+            <a:spLocks/>
+          </p:cNvSpPr>
+          <p:nvPr/>
+        </p:nvSpPr>
+        <p:spPr>
+          <a:xfrm>
+            <a:off x="1464985" y="895452"/>
+            <a:ext cx="4736640" cy="1077229"/>
+          </a:xfrm>
+          <a:prstGeom prst="rect">
+            <a:avLst/>
+          </a:prstGeom>
+        </p:spPr>
+        <p:txBody>
+          <a:bodyPr vert="horz" lIns="91440" tIns="45720" rIns="91440" bIns="45720" rtlCol="0" anchor="t">
+            <a:normAutofit/>
+          </a:bodyPr>
+          <a:lstStyle>
+            <a:lvl1pPr algn="r" defTabSz="914400" rtl="0" eaLnBrk="1" latinLnBrk="0" hangingPunct="1">
+              <a:lnSpc>
+                <a:spcPct val="90000"/>
+              </a:lnSpc>
+              <a:spcBef>
+                <a:spcPct val="0"/>
+              </a:spcBef>
+              <a:buNone/>
+              <a:defRPr sz="3400" b="0" i="0" kern="1200" cap="none">
+                <a:solidFill>
+                  <a:schemeClr val="tx1"/>
+                </a:solidFill>
+                <a:effectLst/>
+                <a:latin typeface="+mj-lt"/>
+                <a:ea typeface="+mj-ea"/>
+                <a:cs typeface="+mj-cs"/>
+              </a:defRPr>
+            </a:lvl1pPr>
+          </a:lstStyle>
+          <a:p>
+            <a:pPr algn="ctr"/>
+            <a:r>
+              <a:rPr lang="hu-HU" sz="4000" dirty="0">
+                <a:latin typeface="Georgia" panose="02040502050405020303" pitchFamily="18" charset="0"/>
+              </a:rPr>
+              <a:t>Források:</a:t>
+            </a:r>
+          </a:p>
+        </p:txBody>
+      </p:sp>
+    </p:spTree>
+    <p:extLst>
+      <p:ext uri="{BB962C8B-B14F-4D97-AF65-F5344CB8AC3E}">
+        <p14:creationId xmlns:p14="http://schemas.microsoft.com/office/powerpoint/2010/main" val="1826703876"/>
+      </p:ext>
+    </p:extLst>
+  </p:cSld>
+  <p:clrMapOvr>
+    <a:masterClrMapping/>
+  </p:clrMapOvr>
+</p:sld>
+</file>
+
+<file path=ppt/slides/slide7.xml><?xml version="1.0" encoding="utf-8"?>
+<p:sld xmlns:a="http://schemas.openxmlformats.org/drawingml/2006/main" xmlns:r="http://schemas.openxmlformats.org/officeDocument/2006/relationships" xmlns:p="http://schemas.openxmlformats.org/presentationml/2006/main">
+  <p:cSld>
+    <p:spTree>
+      <p:nvGrpSpPr>
+        <p:cNvPr id="1" name=""/>
+        <p:cNvGrpSpPr/>
+        <p:nvPr/>
+      </p:nvGrpSpPr>
+      <p:grpSpPr>
+        <a:xfrm>
+          <a:off x="0" y="0"/>
+          <a:ext cx="0" cy="0"/>
+          <a:chOff x="0" y="0"/>
+          <a:chExt cx="0" cy="0"/>
+        </a:xfrm>
+      </p:grpSpPr>
+      <p:sp>
+        <p:nvSpPr>
+          <p:cNvPr id="4" name="Cím 1">
+            <a:extLst>
+              <a:ext uri="{FF2B5EF4-FFF2-40B4-BE49-F238E27FC236}">
+                <a16:creationId xmlns:a16="http://schemas.microsoft.com/office/drawing/2014/main" id="{D3D449B6-C58F-A2DE-812F-A85573857D61}"/>
+              </a:ext>
+            </a:extLst>
+          </p:cNvPr>
+          <p:cNvSpPr txBox="1">
+            <a:spLocks/>
+          </p:cNvSpPr>
+          <p:nvPr/>
+        </p:nvSpPr>
+        <p:spPr>
+          <a:xfrm>
+            <a:off x="3026037" y="2708829"/>
+            <a:ext cx="6139926" cy="1440342"/>
+          </a:xfrm>
+          <a:prstGeom prst="rect">
+            <a:avLst/>
+          </a:prstGeom>
+        </p:spPr>
+        <p:txBody>
+          <a:bodyPr vert="horz" lIns="91440" tIns="45720" rIns="91440" bIns="45720" rtlCol="0" anchor="t">
+            <a:normAutofit fontScale="92500" lnSpcReduction="20000"/>
+          </a:bodyPr>
+          <a:lstStyle>
+            <a:lvl1pPr algn="r" defTabSz="914400" rtl="0" eaLnBrk="1" latinLnBrk="0" hangingPunct="1">
+              <a:lnSpc>
+                <a:spcPct val="90000"/>
+              </a:lnSpc>
+              <a:spcBef>
+                <a:spcPct val="0"/>
+              </a:spcBef>
+              <a:buNone/>
+              <a:defRPr sz="3400" b="0" i="0" kern="1200" cap="none">
+                <a:solidFill>
+                  <a:schemeClr val="tx1"/>
+                </a:solidFill>
+                <a:effectLst/>
+                <a:latin typeface="+mj-lt"/>
+                <a:ea typeface="+mj-ea"/>
+                <a:cs typeface="+mj-cs"/>
+              </a:defRPr>
+            </a:lvl1pPr>
+          </a:lstStyle>
+          <a:p>
+            <a:pPr algn="ctr"/>
+            <a:r>
+              <a:rPr lang="hu-HU" sz="6000" dirty="0">
+                <a:latin typeface="Georgia" panose="02040502050405020303" pitchFamily="18" charset="0"/>
+              </a:rPr>
+              <a:t>Köszönöm a figyelmet!</a:t>
+            </a:r>
+          </a:p>
+        </p:txBody>
+      </p:sp>
+    </p:spTree>
+    <p:extLst>
+      <p:ext uri="{BB962C8B-B14F-4D97-AF65-F5344CB8AC3E}">
+        <p14:creationId xmlns:p14="http://schemas.microsoft.com/office/powerpoint/2010/main" val="2238096572"/>
+      </p:ext>
+    </p:extLst>
+  </p:cSld>
+  <p:clrMapOvr>
+    <a:masterClrMapping/>
+  </p:clrMapOvr>
 </p:sld>
 </file>
 
